--- a/Ryhmatyo.pptx
+++ b/Ryhmatyo.pptx
@@ -2,18 +2,25 @@
 <file path=ppt/presentation.xml><?xml version="1.0" encoding="utf-8"?>
 <p:presentation xmlns:a="http://schemas.openxmlformats.org/drawingml/2006/main" xmlns:r="http://schemas.openxmlformats.org/officeDocument/2006/relationships" xmlns:p="http://schemas.openxmlformats.org/presentationml/2006/main" saveSubsetFonts="1">
   <p:sldMasterIdLst>
-    <p:sldMasterId id="2147483648" r:id="rId1"/>
+    <p:sldMasterId id="2147483786" r:id="rId1"/>
   </p:sldMasterIdLst>
   <p:sldIdLst>
     <p:sldId id="256" r:id="rId2"/>
+    <p:sldId id="257" r:id="rId3"/>
+    <p:sldId id="258" r:id="rId4"/>
+    <p:sldId id="263" r:id="rId5"/>
+    <p:sldId id="259" r:id="rId6"/>
+    <p:sldId id="260" r:id="rId7"/>
+    <p:sldId id="261" r:id="rId8"/>
+    <p:sldId id="262" r:id="rId9"/>
   </p:sldIdLst>
   <p:sldSz cx="12192000" cy="6858000"/>
   <p:notesSz cx="6858000" cy="9144000"/>
   <p:defaultTextStyle>
     <a:defPPr>
-      <a:defRPr lang="fi-FI"/>
+      <a:defRPr lang="en-US"/>
     </a:defPPr>
-    <a:lvl1pPr marL="0" algn="l" defTabSz="914400" rtl="0" eaLnBrk="1" latinLnBrk="0" hangingPunct="1">
+    <a:lvl1pPr marL="0" algn="l" defTabSz="457200" rtl="0" eaLnBrk="1" latinLnBrk="0" hangingPunct="1">
       <a:defRPr sz="1800" kern="1200">
         <a:solidFill>
           <a:schemeClr val="tx1"/>
@@ -23,7 +30,7 @@
         <a:cs typeface="+mn-cs"/>
       </a:defRPr>
     </a:lvl1pPr>
-    <a:lvl2pPr marL="457200" algn="l" defTabSz="914400" rtl="0" eaLnBrk="1" latinLnBrk="0" hangingPunct="1">
+    <a:lvl2pPr marL="457200" algn="l" defTabSz="457200" rtl="0" eaLnBrk="1" latinLnBrk="0" hangingPunct="1">
       <a:defRPr sz="1800" kern="1200">
         <a:solidFill>
           <a:schemeClr val="tx1"/>
@@ -33,7 +40,7 @@
         <a:cs typeface="+mn-cs"/>
       </a:defRPr>
     </a:lvl2pPr>
-    <a:lvl3pPr marL="914400" algn="l" defTabSz="914400" rtl="0" eaLnBrk="1" latinLnBrk="0" hangingPunct="1">
+    <a:lvl3pPr marL="914400" algn="l" defTabSz="457200" rtl="0" eaLnBrk="1" latinLnBrk="0" hangingPunct="1">
       <a:defRPr sz="1800" kern="1200">
         <a:solidFill>
           <a:schemeClr val="tx1"/>
@@ -43,7 +50,7 @@
         <a:cs typeface="+mn-cs"/>
       </a:defRPr>
     </a:lvl3pPr>
-    <a:lvl4pPr marL="1371600" algn="l" defTabSz="914400" rtl="0" eaLnBrk="1" latinLnBrk="0" hangingPunct="1">
+    <a:lvl4pPr marL="1371600" algn="l" defTabSz="457200" rtl="0" eaLnBrk="1" latinLnBrk="0" hangingPunct="1">
       <a:defRPr sz="1800" kern="1200">
         <a:solidFill>
           <a:schemeClr val="tx1"/>
@@ -53,7 +60,7 @@
         <a:cs typeface="+mn-cs"/>
       </a:defRPr>
     </a:lvl4pPr>
-    <a:lvl5pPr marL="1828800" algn="l" defTabSz="914400" rtl="0" eaLnBrk="1" latinLnBrk="0" hangingPunct="1">
+    <a:lvl5pPr marL="1828800" algn="l" defTabSz="457200" rtl="0" eaLnBrk="1" latinLnBrk="0" hangingPunct="1">
       <a:defRPr sz="1800" kern="1200">
         <a:solidFill>
           <a:schemeClr val="tx1"/>
@@ -63,7 +70,7 @@
         <a:cs typeface="+mn-cs"/>
       </a:defRPr>
     </a:lvl5pPr>
-    <a:lvl6pPr marL="2286000" algn="l" defTabSz="914400" rtl="0" eaLnBrk="1" latinLnBrk="0" hangingPunct="1">
+    <a:lvl6pPr marL="2286000" algn="l" defTabSz="457200" rtl="0" eaLnBrk="1" latinLnBrk="0" hangingPunct="1">
       <a:defRPr sz="1800" kern="1200">
         <a:solidFill>
           <a:schemeClr val="tx1"/>
@@ -73,7 +80,7 @@
         <a:cs typeface="+mn-cs"/>
       </a:defRPr>
     </a:lvl6pPr>
-    <a:lvl7pPr marL="2743200" algn="l" defTabSz="914400" rtl="0" eaLnBrk="1" latinLnBrk="0" hangingPunct="1">
+    <a:lvl7pPr marL="2743200" algn="l" defTabSz="457200" rtl="0" eaLnBrk="1" latinLnBrk="0" hangingPunct="1">
       <a:defRPr sz="1800" kern="1200">
         <a:solidFill>
           <a:schemeClr val="tx1"/>
@@ -83,7 +90,7 @@
         <a:cs typeface="+mn-cs"/>
       </a:defRPr>
     </a:lvl7pPr>
-    <a:lvl8pPr marL="3200400" algn="l" defTabSz="914400" rtl="0" eaLnBrk="1" latinLnBrk="0" hangingPunct="1">
+    <a:lvl8pPr marL="3200400" algn="l" defTabSz="457200" rtl="0" eaLnBrk="1" latinLnBrk="0" hangingPunct="1">
       <a:defRPr sz="1800" kern="1200">
         <a:solidFill>
           <a:schemeClr val="tx1"/>
@@ -93,7 +100,7 @@
         <a:cs typeface="+mn-cs"/>
       </a:defRPr>
     </a:lvl8pPr>
-    <a:lvl9pPr marL="3657600" algn="l" defTabSz="914400" rtl="0" eaLnBrk="1" latinLnBrk="0" hangingPunct="1">
+    <a:lvl9pPr marL="3657600" algn="l" defTabSz="457200" rtl="0" eaLnBrk="1" latinLnBrk="0" hangingPunct="1">
       <a:defRPr sz="1800" kern="1200">
         <a:solidFill>
           <a:schemeClr val="tx1"/>
@@ -108,7 +115,7 @@
 </file>
 
 <file path=ppt/slideLayouts/slideLayout1.xml><?xml version="1.0" encoding="utf-8"?>
-<p:sldLayout xmlns:a="http://schemas.openxmlformats.org/drawingml/2006/main" xmlns:r="http://schemas.openxmlformats.org/officeDocument/2006/relationships" xmlns:p="http://schemas.openxmlformats.org/presentationml/2006/main" type="title" preserve="1">
+<p:sldLayout xmlns:a="http://schemas.openxmlformats.org/drawingml/2006/main" xmlns:r="http://schemas.openxmlformats.org/officeDocument/2006/relationships" xmlns:p="http://schemas.openxmlformats.org/presentationml/2006/main" showMasterSp="0" type="title" preserve="1">
   <p:cSld name="Title Slide">
     <p:spTree>
       <p:nvGrpSpPr>
@@ -126,25 +133,72 @@
       </p:grpSpPr>
       <p:sp>
         <p:nvSpPr>
-          <p:cNvPr id="2" name="Title 1"/>
-          <p:cNvSpPr>
-            <a:spLocks noGrp="1"/>
-          </p:cNvSpPr>
-          <p:nvPr>
-            <p:ph type="ctrTitle"/>
-          </p:nvPr>
+          <p:cNvPr id="8" name="Rectangle 7"/>
+          <p:cNvSpPr/>
+          <p:nvPr/>
         </p:nvSpPr>
         <p:spPr>
           <a:xfrm>
-            <a:off x="1524000" y="1122363"/>
-            <a:ext cx="9144000" cy="2387600"/>
+            <a:off x="11292840" y="0"/>
+            <a:ext cx="914400" cy="6858000"/>
+          </a:xfrm>
+          <a:prstGeom prst="rect">
+            <a:avLst/>
+          </a:prstGeom>
+          <a:solidFill>
+            <a:srgbClr val="303030"/>
+          </a:solidFill>
+          <a:ln>
+            <a:noFill/>
+          </a:ln>
+        </p:spPr>
+        <p:style>
+          <a:lnRef idx="2">
+            <a:schemeClr val="accent1">
+              <a:shade val="50000"/>
+            </a:schemeClr>
+          </a:lnRef>
+          <a:fillRef idx="1">
+            <a:schemeClr val="accent1"/>
+          </a:fillRef>
+          <a:effectRef idx="0">
+            <a:schemeClr val="accent1"/>
+          </a:effectRef>
+          <a:fontRef idx="minor">
+            <a:schemeClr val="lt1"/>
+          </a:fontRef>
+        </p:style>
+      </p:sp>
+      <p:sp>
+        <p:nvSpPr>
+          <p:cNvPr id="2" name="Title 1"/>
+          <p:cNvSpPr>
+            <a:spLocks noGrp="1"/>
+          </p:cNvSpPr>
+          <p:nvPr>
+            <p:ph type="ctrTitle"/>
+          </p:nvPr>
+        </p:nvSpPr>
+        <p:spPr>
+          <a:xfrm>
+            <a:off x="1261872" y="758952"/>
+            <a:ext cx="9418320" cy="4041648"/>
           </a:xfrm>
         </p:spPr>
         <p:txBody>
-          <a:bodyPr anchor="b"/>
+          <a:bodyPr anchor="b">
+            <a:normAutofit/>
+          </a:bodyPr>
           <a:lstStyle>
-            <a:lvl1pPr algn="ctr">
-              <a:defRPr sz="6000"/>
+            <a:lvl1pPr algn="l">
+              <a:lnSpc>
+                <a:spcPct val="85000"/>
+              </a:lnSpc>
+              <a:defRPr sz="7200" baseline="0">
+                <a:solidFill>
+                  <a:schemeClr val="tx1"/>
+                </a:solidFill>
+              </a:defRPr>
             </a:lvl1pPr>
           </a:lstStyle>
           <a:p>
@@ -152,7 +206,7 @@
               <a:rPr lang="en-US" smtClean="0"/>
               <a:t>Click to edit Master title style</a:t>
             </a:r>
-            <a:endParaRPr lang="fi-FI"/>
+            <a:endParaRPr lang="en-US" dirty="0"/>
           </a:p>
         </p:txBody>
       </p:sp>
@@ -168,48 +222,56 @@
         </p:nvSpPr>
         <p:spPr>
           <a:xfrm>
-            <a:off x="1524000" y="3602038"/>
-            <a:ext cx="9144000" cy="1655762"/>
+            <a:off x="1261872" y="4800600"/>
+            <a:ext cx="9418320" cy="1691640"/>
           </a:xfrm>
         </p:spPr>
         <p:txBody>
-          <a:bodyPr/>
+          <a:bodyPr>
+            <a:normAutofit/>
+          </a:bodyPr>
           <a:lstStyle>
-            <a:lvl1pPr marL="0" indent="0" algn="ctr">
-              <a:buNone/>
-              <a:defRPr sz="2400"/>
+            <a:lvl1pPr marL="0" indent="0" algn="l">
+              <a:buNone/>
+              <a:defRPr sz="2200" baseline="0">
+                <a:solidFill>
+                  <a:schemeClr val="tx1">
+                    <a:lumMod val="65000"/>
+                  </a:schemeClr>
+                </a:solidFill>
+              </a:defRPr>
             </a:lvl1pPr>
             <a:lvl2pPr marL="457200" indent="0" algn="ctr">
               <a:buNone/>
-              <a:defRPr sz="2000"/>
+              <a:defRPr sz="2200"/>
             </a:lvl2pPr>
             <a:lvl3pPr marL="914400" indent="0" algn="ctr">
               <a:buNone/>
-              <a:defRPr sz="1800"/>
+              <a:defRPr sz="2200"/>
             </a:lvl3pPr>
             <a:lvl4pPr marL="1371600" indent="0" algn="ctr">
               <a:buNone/>
-              <a:defRPr sz="1600"/>
+              <a:defRPr sz="2000"/>
             </a:lvl4pPr>
             <a:lvl5pPr marL="1828800" indent="0" algn="ctr">
               <a:buNone/>
-              <a:defRPr sz="1600"/>
+              <a:defRPr sz="2000"/>
             </a:lvl5pPr>
             <a:lvl6pPr marL="2286000" indent="0" algn="ctr">
               <a:buNone/>
-              <a:defRPr sz="1600"/>
+              <a:defRPr sz="2000"/>
             </a:lvl6pPr>
             <a:lvl7pPr marL="2743200" indent="0" algn="ctr">
               <a:buNone/>
-              <a:defRPr sz="1600"/>
+              <a:defRPr sz="2000"/>
             </a:lvl7pPr>
             <a:lvl8pPr marL="3200400" indent="0" algn="ctr">
               <a:buNone/>
-              <a:defRPr sz="1600"/>
+              <a:defRPr sz="2000"/>
             </a:lvl8pPr>
             <a:lvl9pPr marL="3657600" indent="0" algn="ctr">
               <a:buNone/>
-              <a:defRPr sz="1600"/>
+              <a:defRPr sz="2000"/>
             </a:lvl9pPr>
           </a:lstStyle>
           <a:p>
@@ -217,7 +279,7 @@
               <a:rPr lang="en-US" smtClean="0"/>
               <a:t>Click to edit Master subtitle style</a:t>
             </a:r>
-            <a:endParaRPr lang="fi-FI"/>
+            <a:endParaRPr lang="en-US" dirty="0"/>
           </a:p>
         </p:txBody>
       </p:sp>
@@ -234,7 +296,17 @@
         <p:spPr/>
         <p:txBody>
           <a:bodyPr/>
-          <a:lstStyle/>
+          <a:lstStyle>
+            <a:lvl1pPr>
+              <a:defRPr>
+                <a:solidFill>
+                  <a:schemeClr val="tx1">
+                    <a:lumMod val="50000"/>
+                  </a:schemeClr>
+                </a:solidFill>
+              </a:defRPr>
+            </a:lvl1pPr>
+          </a:lstStyle>
           <a:p>
             <a:fld id="{BA16E631-B869-4567-AB90-73811B37F691}" type="datetimeFigureOut">
               <a:rPr lang="fi-FI" smtClean="0"/>
@@ -257,7 +329,17 @@
         <p:spPr/>
         <p:txBody>
           <a:bodyPr/>
-          <a:lstStyle/>
+          <a:lstStyle>
+            <a:lvl1pPr>
+              <a:defRPr>
+                <a:solidFill>
+                  <a:schemeClr val="tx1">
+                    <a:lumMod val="65000"/>
+                  </a:schemeClr>
+                </a:solidFill>
+              </a:defRPr>
+            </a:lvl1pPr>
+          </a:lstStyle>
           <a:p>
             <a:endParaRPr lang="fi-FI"/>
           </a:p>
@@ -275,8 +357,14 @@
         </p:nvSpPr>
         <p:spPr/>
         <p:txBody>
-          <a:bodyPr/>
-          <a:lstStyle/>
+          <a:bodyPr vert="horz" lIns="45720" tIns="45720" rIns="45720" bIns="45720" rtlCol="0" anchor="ctr">
+            <a:normAutofit/>
+          </a:bodyPr>
+          <a:lstStyle>
+            <a:lvl1pPr>
+              <a:defRPr lang="en-US"/>
+            </a:lvl1pPr>
+          </a:lstStyle>
           <a:p>
             <a:fld id="{2258FC7F-92C5-4725-A3E4-E76C6B24278A}" type="slidenum">
               <a:rPr lang="fi-FI" smtClean="0"/>
@@ -286,16 +374,59 @@
           </a:p>
         </p:txBody>
       </p:sp>
+      <p:sp>
+        <p:nvSpPr>
+          <p:cNvPr id="7" name="Rectangle 6"/>
+          <p:cNvSpPr/>
+          <p:nvPr/>
+        </p:nvSpPr>
+        <p:spPr>
+          <a:xfrm>
+            <a:off x="0" y="0"/>
+            <a:ext cx="457200" cy="6858000"/>
+          </a:xfrm>
+          <a:prstGeom prst="rect">
+            <a:avLst/>
+          </a:prstGeom>
+          <a:solidFill>
+            <a:srgbClr val="303030"/>
+          </a:solidFill>
+          <a:ln>
+            <a:noFill/>
+          </a:ln>
+        </p:spPr>
+        <p:style>
+          <a:lnRef idx="2">
+            <a:schemeClr val="accent1">
+              <a:shade val="50000"/>
+            </a:schemeClr>
+          </a:lnRef>
+          <a:fillRef idx="1">
+            <a:schemeClr val="accent1"/>
+          </a:fillRef>
+          <a:effectRef idx="0">
+            <a:schemeClr val="accent1"/>
+          </a:effectRef>
+          <a:fontRef idx="minor">
+            <a:schemeClr val="lt1"/>
+          </a:fontRef>
+        </p:style>
+      </p:sp>
     </p:spTree>
     <p:extLst>
       <p:ext uri="{BB962C8B-B14F-4D97-AF65-F5344CB8AC3E}">
-        <p14:creationId xmlns:p14="http://schemas.microsoft.com/office/powerpoint/2010/main" val="945127539"/>
+        <p14:creationId xmlns:p14="http://schemas.microsoft.com/office/powerpoint/2010/main" val="2412447964"/>
       </p:ext>
     </p:extLst>
   </p:cSld>
   <p:clrMapOvr>
     <a:masterClrMapping/>
   </p:clrMapOvr>
+  <p:extLst>
+    <p:ext uri="{DCECCB84-F9BA-43D5-87BE-67443E8EF086}">
+      <p15:sldGuideLst xmlns:p15="http://schemas.microsoft.com/office/powerpoint/2012/main"/>
+    </p:ext>
+  </p:extLst>
 </p:sldLayout>
 </file>
 
@@ -335,7 +466,7 @@
               <a:rPr lang="en-US" smtClean="0"/>
               <a:t>Click to edit Master title style</a:t>
             </a:r>
-            <a:endParaRPr lang="fi-FI"/>
+            <a:endParaRPr lang="en-US" dirty="0"/>
           </a:p>
         </p:txBody>
       </p:sp>
@@ -387,7 +518,7 @@
               <a:rPr lang="en-US" smtClean="0"/>
               <a:t>Fifth level</a:t>
             </a:r>
-            <a:endParaRPr lang="fi-FI"/>
+            <a:endParaRPr lang="en-US" dirty="0"/>
           </a:p>
         </p:txBody>
       </p:sp>
@@ -459,7 +590,7 @@
     </p:spTree>
     <p:extLst>
       <p:ext uri="{BB962C8B-B14F-4D97-AF65-F5344CB8AC3E}">
-        <p14:creationId xmlns:p14="http://schemas.microsoft.com/office/powerpoint/2010/main" val="507371751"/>
+        <p14:creationId xmlns:p14="http://schemas.microsoft.com/office/powerpoint/2010/main" val="1869692746"/>
       </p:ext>
     </p:extLst>
   </p:cSld>
@@ -498,8 +629,8 @@
         </p:nvSpPr>
         <p:spPr>
           <a:xfrm>
-            <a:off x="8724900" y="365125"/>
-            <a:ext cx="2628900" cy="5811838"/>
+            <a:off x="8648700" y="381000"/>
+            <a:ext cx="2476500" cy="5897562"/>
           </a:xfrm>
         </p:spPr>
         <p:txBody>
@@ -510,7 +641,7 @@
               <a:rPr lang="en-US" smtClean="0"/>
               <a:t>Click to edit Master title style</a:t>
             </a:r>
-            <a:endParaRPr lang="fi-FI"/>
+            <a:endParaRPr lang="en-US" dirty="0"/>
           </a:p>
         </p:txBody>
       </p:sp>
@@ -526,8 +657,8 @@
         </p:nvSpPr>
         <p:spPr>
           <a:xfrm>
-            <a:off x="838200" y="365125"/>
-            <a:ext cx="7734300" cy="5811838"/>
+            <a:off x="762000" y="381000"/>
+            <a:ext cx="7734300" cy="5897562"/>
           </a:xfrm>
         </p:spPr>
         <p:txBody>
@@ -567,7 +698,7 @@
               <a:rPr lang="en-US" smtClean="0"/>
               <a:t>Fifth level</a:t>
             </a:r>
-            <a:endParaRPr lang="fi-FI"/>
+            <a:endParaRPr lang="en-US" dirty="0"/>
           </a:p>
         </p:txBody>
       </p:sp>
@@ -639,13 +770,18 @@
     </p:spTree>
     <p:extLst>
       <p:ext uri="{BB962C8B-B14F-4D97-AF65-F5344CB8AC3E}">
-        <p14:creationId xmlns:p14="http://schemas.microsoft.com/office/powerpoint/2010/main" val="1202724491"/>
+        <p14:creationId xmlns:p14="http://schemas.microsoft.com/office/powerpoint/2010/main" val="2626237495"/>
       </p:ext>
     </p:extLst>
   </p:cSld>
   <p:clrMapOvr>
     <a:masterClrMapping/>
   </p:clrMapOvr>
+  <p:extLst>
+    <p:ext uri="{DCECCB84-F9BA-43D5-87BE-67443E8EF086}">
+      <p15:sldGuideLst xmlns:p15="http://schemas.microsoft.com/office/powerpoint/2012/main"/>
+    </p:ext>
+  </p:extLst>
 </p:sldLayout>
 </file>
 
@@ -685,7 +821,7 @@
               <a:rPr lang="en-US" smtClean="0"/>
               <a:t>Click to edit Master title style</a:t>
             </a:r>
-            <a:endParaRPr lang="fi-FI"/>
+            <a:endParaRPr lang="en-US" dirty="0"/>
           </a:p>
         </p:txBody>
       </p:sp>
@@ -737,7 +873,7 @@
               <a:rPr lang="en-US" smtClean="0"/>
               <a:t>Fifth level</a:t>
             </a:r>
-            <a:endParaRPr lang="fi-FI"/>
+            <a:endParaRPr lang="en-US" dirty="0"/>
           </a:p>
         </p:txBody>
       </p:sp>
@@ -809,7 +945,7 @@
     </p:spTree>
     <p:extLst>
       <p:ext uri="{BB962C8B-B14F-4D97-AF65-F5344CB8AC3E}">
-        <p14:creationId xmlns:p14="http://schemas.microsoft.com/office/powerpoint/2010/main" val="181796339"/>
+        <p14:creationId xmlns:p14="http://schemas.microsoft.com/office/powerpoint/2010/main" val="1360521144"/>
       </p:ext>
     </p:extLst>
   </p:cSld>
@@ -820,7 +956,7 @@
 </file>
 
 <file path=ppt/slideLayouts/slideLayout3.xml><?xml version="1.0" encoding="utf-8"?>
-<p:sldLayout xmlns:a="http://schemas.openxmlformats.org/drawingml/2006/main" xmlns:r="http://schemas.openxmlformats.org/officeDocument/2006/relationships" xmlns:p="http://schemas.openxmlformats.org/presentationml/2006/main" type="secHead" preserve="1">
+<p:sldLayout xmlns:a="http://schemas.openxmlformats.org/drawingml/2006/main" xmlns:r="http://schemas.openxmlformats.org/officeDocument/2006/relationships" xmlns:p="http://schemas.openxmlformats.org/presentationml/2006/main" showMasterSp="0" type="secHead" preserve="1">
   <p:cSld name="Section Header">
     <p:spTree>
       <p:nvGrpSpPr>
@@ -838,25 +974,68 @@
       </p:grpSpPr>
       <p:sp>
         <p:nvSpPr>
-          <p:cNvPr id="2" name="Title 1"/>
-          <p:cNvSpPr>
-            <a:spLocks noGrp="1"/>
-          </p:cNvSpPr>
-          <p:nvPr>
-            <p:ph type="title"/>
-          </p:nvPr>
+          <p:cNvPr id="8" name="Rectangle 7"/>
+          <p:cNvSpPr/>
+          <p:nvPr/>
         </p:nvSpPr>
         <p:spPr>
           <a:xfrm>
-            <a:off x="831850" y="1709738"/>
-            <a:ext cx="10515600" cy="2852737"/>
+            <a:off x="11292840" y="0"/>
+            <a:ext cx="914400" cy="6858000"/>
+          </a:xfrm>
+          <a:prstGeom prst="rect">
+            <a:avLst/>
+          </a:prstGeom>
+          <a:solidFill>
+            <a:srgbClr val="303030"/>
+          </a:solidFill>
+          <a:ln>
+            <a:noFill/>
+          </a:ln>
+        </p:spPr>
+        <p:style>
+          <a:lnRef idx="2">
+            <a:schemeClr val="accent1">
+              <a:shade val="50000"/>
+            </a:schemeClr>
+          </a:lnRef>
+          <a:fillRef idx="1">
+            <a:schemeClr val="accent1"/>
+          </a:fillRef>
+          <a:effectRef idx="0">
+            <a:schemeClr val="accent1"/>
+          </a:effectRef>
+          <a:fontRef idx="minor">
+            <a:schemeClr val="lt1"/>
+          </a:fontRef>
+        </p:style>
+      </p:sp>
+      <p:sp>
+        <p:nvSpPr>
+          <p:cNvPr id="2" name="Title 1"/>
+          <p:cNvSpPr>
+            <a:spLocks noGrp="1"/>
+          </p:cNvSpPr>
+          <p:nvPr>
+            <p:ph type="title"/>
+          </p:nvPr>
+        </p:nvSpPr>
+        <p:spPr>
+          <a:xfrm>
+            <a:off x="1261872" y="758952"/>
+            <a:ext cx="9418320" cy="4041648"/>
           </a:xfrm>
         </p:spPr>
         <p:txBody>
-          <a:bodyPr anchor="b"/>
+          <a:bodyPr anchor="b">
+            <a:normAutofit/>
+          </a:bodyPr>
           <a:lstStyle>
             <a:lvl1pPr>
-              <a:defRPr sz="6000"/>
+              <a:lnSpc>
+                <a:spcPct val="85000"/>
+              </a:lnSpc>
+              <a:defRPr sz="7200" b="0"/>
             </a:lvl1pPr>
           </a:lstStyle>
           <a:p>
@@ -864,7 +1043,7 @@
               <a:rPr lang="en-US" smtClean="0"/>
               <a:t>Click to edit Master title style</a:t>
             </a:r>
-            <a:endParaRPr lang="fi-FI"/>
+            <a:endParaRPr lang="en-US" dirty="0"/>
           </a:p>
         </p:txBody>
       </p:sp>
@@ -880,26 +1059,28 @@
         </p:nvSpPr>
         <p:spPr>
           <a:xfrm>
-            <a:off x="831850" y="4589463"/>
-            <a:ext cx="10515600" cy="1500187"/>
+            <a:off x="1261872" y="4800600"/>
+            <a:ext cx="9418320" cy="1691640"/>
           </a:xfrm>
         </p:spPr>
         <p:txBody>
-          <a:bodyPr/>
+          <a:bodyPr anchor="t">
+            <a:normAutofit/>
+          </a:bodyPr>
           <a:lstStyle>
             <a:lvl1pPr marL="0" indent="0">
               <a:buNone/>
-              <a:defRPr sz="2400">
+              <a:defRPr sz="2200">
                 <a:solidFill>
                   <a:schemeClr val="tx1">
-                    <a:tint val="75000"/>
+                    <a:lumMod val="65000"/>
                   </a:schemeClr>
                 </a:solidFill>
               </a:defRPr>
             </a:lvl1pPr>
             <a:lvl2pPr marL="457200" indent="0">
               <a:buNone/>
-              <a:defRPr sz="2000">
+              <a:defRPr sz="1800">
                 <a:solidFill>
                   <a:schemeClr val="tx1">
                     <a:tint val="75000"/>
@@ -909,7 +1090,7 @@
             </a:lvl2pPr>
             <a:lvl3pPr marL="914400" indent="0">
               <a:buNone/>
-              <a:defRPr sz="1800">
+              <a:defRPr sz="1600">
                 <a:solidFill>
                   <a:schemeClr val="tx1">
                     <a:tint val="75000"/>
@@ -919,7 +1100,7 @@
             </a:lvl3pPr>
             <a:lvl4pPr marL="1371600" indent="0">
               <a:buNone/>
-              <a:defRPr sz="1600">
+              <a:defRPr sz="1400">
                 <a:solidFill>
                   <a:schemeClr val="tx1">
                     <a:tint val="75000"/>
@@ -929,7 +1110,7 @@
             </a:lvl4pPr>
             <a:lvl5pPr marL="1828800" indent="0">
               <a:buNone/>
-              <a:defRPr sz="1600">
+              <a:defRPr sz="1400">
                 <a:solidFill>
                   <a:schemeClr val="tx1">
                     <a:tint val="75000"/>
@@ -939,7 +1120,7 @@
             </a:lvl5pPr>
             <a:lvl6pPr marL="2286000" indent="0">
               <a:buNone/>
-              <a:defRPr sz="1600">
+              <a:defRPr sz="1400">
                 <a:solidFill>
                   <a:schemeClr val="tx1">
                     <a:tint val="75000"/>
@@ -949,7 +1130,7 @@
             </a:lvl6pPr>
             <a:lvl7pPr marL="2743200" indent="0">
               <a:buNone/>
-              <a:defRPr sz="1600">
+              <a:defRPr sz="1400">
                 <a:solidFill>
                   <a:schemeClr val="tx1">
                     <a:tint val="75000"/>
@@ -959,7 +1140,7 @@
             </a:lvl7pPr>
             <a:lvl8pPr marL="3200400" indent="0">
               <a:buNone/>
-              <a:defRPr sz="1600">
+              <a:defRPr sz="1400">
                 <a:solidFill>
                   <a:schemeClr val="tx1">
                     <a:tint val="75000"/>
@@ -969,7 +1150,7 @@
             </a:lvl8pPr>
             <a:lvl9pPr marL="3657600" indent="0">
               <a:buNone/>
-              <a:defRPr sz="1600">
+              <a:defRPr sz="1400">
                 <a:solidFill>
                   <a:schemeClr val="tx1">
                     <a:tint val="75000"/>
@@ -1052,16 +1233,59 @@
           </a:p>
         </p:txBody>
       </p:sp>
+      <p:sp>
+        <p:nvSpPr>
+          <p:cNvPr id="7" name="Rectangle 6"/>
+          <p:cNvSpPr/>
+          <p:nvPr/>
+        </p:nvSpPr>
+        <p:spPr>
+          <a:xfrm>
+            <a:off x="0" y="0"/>
+            <a:ext cx="457200" cy="6858000"/>
+          </a:xfrm>
+          <a:prstGeom prst="rect">
+            <a:avLst/>
+          </a:prstGeom>
+          <a:solidFill>
+            <a:srgbClr val="303030"/>
+          </a:solidFill>
+          <a:ln>
+            <a:noFill/>
+          </a:ln>
+        </p:spPr>
+        <p:style>
+          <a:lnRef idx="2">
+            <a:schemeClr val="accent1">
+              <a:shade val="50000"/>
+            </a:schemeClr>
+          </a:lnRef>
+          <a:fillRef idx="1">
+            <a:schemeClr val="accent1"/>
+          </a:fillRef>
+          <a:effectRef idx="0">
+            <a:schemeClr val="accent1"/>
+          </a:effectRef>
+          <a:fontRef idx="minor">
+            <a:schemeClr val="lt1"/>
+          </a:fontRef>
+        </p:style>
+      </p:sp>
     </p:spTree>
     <p:extLst>
       <p:ext uri="{BB962C8B-B14F-4D97-AF65-F5344CB8AC3E}">
-        <p14:creationId xmlns:p14="http://schemas.microsoft.com/office/powerpoint/2010/main" val="2247056407"/>
+        <p14:creationId xmlns:p14="http://schemas.microsoft.com/office/powerpoint/2010/main" val="708560589"/>
       </p:ext>
     </p:extLst>
   </p:cSld>
   <p:clrMapOvr>
     <a:masterClrMapping/>
   </p:clrMapOvr>
+  <p:extLst>
+    <p:ext uri="{DCECCB84-F9BA-43D5-87BE-67443E8EF086}">
+      <p15:sldGuideLst xmlns:p15="http://schemas.microsoft.com/office/powerpoint/2012/main"/>
+    </p:ext>
+  </p:extLst>
 </p:sldLayout>
 </file>
 
@@ -1101,7 +1325,7 @@
               <a:rPr lang="en-US" smtClean="0"/>
               <a:t>Click to edit Master title style</a:t>
             </a:r>
-            <a:endParaRPr lang="fi-FI"/>
+            <a:endParaRPr lang="en-US" dirty="0"/>
           </a:p>
         </p:txBody>
       </p:sp>
@@ -1117,13 +1341,41 @@
         </p:nvSpPr>
         <p:spPr>
           <a:xfrm>
-            <a:off x="838200" y="1825625"/>
-            <a:ext cx="5181600" cy="4351338"/>
+            <a:off x="1261872" y="1828800"/>
+            <a:ext cx="4480560" cy="4351337"/>
           </a:xfrm>
         </p:spPr>
         <p:txBody>
           <a:bodyPr/>
-          <a:lstStyle/>
+          <a:lstStyle>
+            <a:lvl1pPr>
+              <a:defRPr sz="1800"/>
+            </a:lvl1pPr>
+            <a:lvl2pPr>
+              <a:defRPr sz="1600"/>
+            </a:lvl2pPr>
+            <a:lvl3pPr>
+              <a:defRPr sz="1400"/>
+            </a:lvl3pPr>
+            <a:lvl4pPr>
+              <a:defRPr sz="1400"/>
+            </a:lvl4pPr>
+            <a:lvl5pPr>
+              <a:defRPr sz="1400"/>
+            </a:lvl5pPr>
+            <a:lvl6pPr>
+              <a:defRPr sz="1400"/>
+            </a:lvl6pPr>
+            <a:lvl7pPr>
+              <a:defRPr sz="1400"/>
+            </a:lvl7pPr>
+            <a:lvl8pPr>
+              <a:defRPr sz="1400"/>
+            </a:lvl8pPr>
+            <a:lvl9pPr>
+              <a:defRPr sz="1400"/>
+            </a:lvl9pPr>
+          </a:lstStyle>
           <a:p>
             <a:pPr lvl="0"/>
             <a:r>
@@ -1158,7 +1410,7 @@
               <a:rPr lang="en-US" smtClean="0"/>
               <a:t>Fifth level</a:t>
             </a:r>
-            <a:endParaRPr lang="fi-FI"/>
+            <a:endParaRPr lang="en-US" dirty="0"/>
           </a:p>
         </p:txBody>
       </p:sp>
@@ -1174,13 +1426,41 @@
         </p:nvSpPr>
         <p:spPr>
           <a:xfrm>
-            <a:off x="6172200" y="1825625"/>
-            <a:ext cx="5181600" cy="4351338"/>
+            <a:off x="6126480" y="1828800"/>
+            <a:ext cx="4480560" cy="4351337"/>
           </a:xfrm>
         </p:spPr>
         <p:txBody>
           <a:bodyPr/>
-          <a:lstStyle/>
+          <a:lstStyle>
+            <a:lvl1pPr>
+              <a:defRPr sz="1800"/>
+            </a:lvl1pPr>
+            <a:lvl2pPr>
+              <a:defRPr sz="1600"/>
+            </a:lvl2pPr>
+            <a:lvl3pPr>
+              <a:defRPr sz="1400"/>
+            </a:lvl3pPr>
+            <a:lvl4pPr>
+              <a:defRPr sz="1400"/>
+            </a:lvl4pPr>
+            <a:lvl5pPr>
+              <a:defRPr sz="1400"/>
+            </a:lvl5pPr>
+            <a:lvl6pPr>
+              <a:defRPr sz="1400"/>
+            </a:lvl6pPr>
+            <a:lvl7pPr>
+              <a:defRPr sz="1400"/>
+            </a:lvl7pPr>
+            <a:lvl8pPr>
+              <a:defRPr sz="1400"/>
+            </a:lvl8pPr>
+            <a:lvl9pPr>
+              <a:defRPr sz="1400"/>
+            </a:lvl9pPr>
+          </a:lstStyle>
           <a:p>
             <a:pPr lvl="0"/>
             <a:r>
@@ -1215,7 +1495,7 @@
               <a:rPr lang="en-US" smtClean="0"/>
               <a:t>Fifth level</a:t>
             </a:r>
-            <a:endParaRPr lang="fi-FI"/>
+            <a:endParaRPr lang="en-US" dirty="0"/>
           </a:p>
         </p:txBody>
       </p:sp>
@@ -1287,7 +1567,7 @@
     </p:spTree>
     <p:extLst>
       <p:ext uri="{BB962C8B-B14F-4D97-AF65-F5344CB8AC3E}">
-        <p14:creationId xmlns:p14="http://schemas.microsoft.com/office/powerpoint/2010/main" val="1250825497"/>
+        <p14:creationId xmlns:p14="http://schemas.microsoft.com/office/powerpoint/2010/main" val="2065461266"/>
       </p:ext>
     </p:extLst>
   </p:cSld>
@@ -1316,54 +1596,60 @@
       </p:grpSpPr>
       <p:sp>
         <p:nvSpPr>
-          <p:cNvPr id="2" name="Title 1"/>
+          <p:cNvPr id="10" name="Title 9"/>
           <p:cNvSpPr>
             <a:spLocks noGrp="1"/>
           </p:cNvSpPr>
           <p:nvPr>
             <p:ph type="title"/>
+          </p:nvPr>
+        </p:nvSpPr>
+        <p:spPr/>
+        <p:txBody>
+          <a:bodyPr/>
+          <a:lstStyle/>
+          <a:p>
+            <a:r>
+              <a:rPr lang="en-US" smtClean="0"/>
+              <a:t>Click to edit Master title style</a:t>
+            </a:r>
+            <a:endParaRPr lang="en-US" dirty="0"/>
+          </a:p>
+        </p:txBody>
+      </p:sp>
+      <p:sp>
+        <p:nvSpPr>
+          <p:cNvPr id="3" name="Text Placeholder 2"/>
+          <p:cNvSpPr>
+            <a:spLocks noGrp="1"/>
+          </p:cNvSpPr>
+          <p:nvPr>
+            <p:ph type="body" idx="1"/>
           </p:nvPr>
         </p:nvSpPr>
         <p:spPr>
           <a:xfrm>
-            <a:off x="839788" y="365125"/>
-            <a:ext cx="10515600" cy="1325563"/>
+            <a:off x="1261872" y="1717879"/>
+            <a:ext cx="4480560" cy="731520"/>
           </a:xfrm>
         </p:spPr>
         <p:txBody>
-          <a:bodyPr/>
-          <a:lstStyle/>
-          <a:p>
-            <a:r>
-              <a:rPr lang="en-US" smtClean="0"/>
-              <a:t>Click to edit Master title style</a:t>
-            </a:r>
-            <a:endParaRPr lang="fi-FI"/>
-          </a:p>
-        </p:txBody>
-      </p:sp>
-      <p:sp>
-        <p:nvSpPr>
-          <p:cNvPr id="3" name="Text Placeholder 2"/>
-          <p:cNvSpPr>
-            <a:spLocks noGrp="1"/>
-          </p:cNvSpPr>
-          <p:nvPr>
-            <p:ph type="body" idx="1"/>
-          </p:nvPr>
-        </p:nvSpPr>
-        <p:spPr>
-          <a:xfrm>
-            <a:off x="839788" y="1681163"/>
-            <a:ext cx="5157787" cy="823912"/>
-          </a:xfrm>
-        </p:spPr>
-        <p:txBody>
-          <a:bodyPr anchor="b"/>
+          <a:bodyPr anchor="b">
+            <a:normAutofit/>
+          </a:bodyPr>
           <a:lstStyle>
             <a:lvl1pPr marL="0" indent="0">
-              <a:buNone/>
-              <a:defRPr sz="2400" b="1"/>
+              <a:spcBef>
+                <a:spcPts val="0"/>
+              </a:spcBef>
+              <a:buNone/>
+              <a:defRPr sz="2000" b="0">
+                <a:solidFill>
+                  <a:schemeClr val="tx1">
+                    <a:lumMod val="65000"/>
+                  </a:schemeClr>
+                </a:solidFill>
+              </a:defRPr>
             </a:lvl1pPr>
             <a:lvl2pPr marL="457200" indent="0">
               <a:buNone/>
@@ -1419,13 +1705,41 @@
         </p:nvSpPr>
         <p:spPr>
           <a:xfrm>
-            <a:off x="839788" y="2505075"/>
-            <a:ext cx="5157787" cy="3684588"/>
+            <a:off x="1261872" y="2507550"/>
+            <a:ext cx="4480560" cy="3664650"/>
           </a:xfrm>
         </p:spPr>
         <p:txBody>
           <a:bodyPr/>
-          <a:lstStyle/>
+          <a:lstStyle>
+            <a:lvl1pPr>
+              <a:defRPr sz="1800"/>
+            </a:lvl1pPr>
+            <a:lvl2pPr>
+              <a:defRPr sz="1600"/>
+            </a:lvl2pPr>
+            <a:lvl3pPr>
+              <a:defRPr sz="1400"/>
+            </a:lvl3pPr>
+            <a:lvl4pPr>
+              <a:defRPr sz="1400"/>
+            </a:lvl4pPr>
+            <a:lvl5pPr>
+              <a:defRPr sz="1400"/>
+            </a:lvl5pPr>
+            <a:lvl6pPr>
+              <a:defRPr sz="1400"/>
+            </a:lvl6pPr>
+            <a:lvl7pPr>
+              <a:defRPr sz="1400"/>
+            </a:lvl7pPr>
+            <a:lvl8pPr>
+              <a:defRPr sz="1400"/>
+            </a:lvl8pPr>
+            <a:lvl9pPr>
+              <a:defRPr sz="1400"/>
+            </a:lvl9pPr>
+          </a:lstStyle>
           <a:p>
             <a:pPr lvl="0"/>
             <a:r>
@@ -1460,7 +1774,7 @@
               <a:rPr lang="en-US" smtClean="0"/>
               <a:t>Fifth level</a:t>
             </a:r>
-            <a:endParaRPr lang="fi-FI"/>
+            <a:endParaRPr lang="en-US" dirty="0"/>
           </a:p>
         </p:txBody>
       </p:sp>
@@ -1471,53 +1785,92 @@
             <a:spLocks noGrp="1"/>
           </p:cNvSpPr>
           <p:nvPr>
-            <p:ph type="body" sz="quarter" idx="3"/>
+            <p:ph type="body" sz="quarter" idx="13"/>
           </p:nvPr>
         </p:nvSpPr>
         <p:spPr>
           <a:xfrm>
-            <a:off x="6172200" y="1681163"/>
-            <a:ext cx="5183188" cy="823912"/>
+            <a:off x="6126480" y="1717879"/>
+            <a:ext cx="4480560" cy="731520"/>
           </a:xfrm>
         </p:spPr>
         <p:txBody>
-          <a:bodyPr anchor="b"/>
+          <a:bodyPr anchor="b">
+            <a:normAutofit/>
+          </a:bodyPr>
           <a:lstStyle>
             <a:lvl1pPr marL="0" indent="0">
-              <a:buNone/>
-              <a:defRPr sz="2400" b="1"/>
+              <a:spcBef>
+                <a:spcPts val="0"/>
+              </a:spcBef>
+              <a:buFontTx/>
+              <a:buNone/>
+              <a:defRPr lang="en-US" sz="2000" b="0" kern="1200" spc="10" baseline="0" dirty="0">
+                <a:solidFill>
+                  <a:schemeClr val="tx1">
+                    <a:lumMod val="65000"/>
+                  </a:schemeClr>
+                </a:solidFill>
+                <a:latin typeface="+mn-lt"/>
+                <a:ea typeface="+mn-ea"/>
+                <a:cs typeface="+mn-cs"/>
+              </a:defRPr>
             </a:lvl1pPr>
-            <a:lvl2pPr marL="457200" indent="0">
-              <a:buNone/>
-              <a:defRPr sz="2000" b="1"/>
+          </a:lstStyle>
+          <a:p>
+            <a:pPr lvl="0"/>
+            <a:r>
+              <a:rPr lang="en-US" smtClean="0"/>
+              <a:t>Edit Master text styles</a:t>
+            </a:r>
+          </a:p>
+        </p:txBody>
+      </p:sp>
+      <p:sp>
+        <p:nvSpPr>
+          <p:cNvPr id="6" name="Content Placeholder 5"/>
+          <p:cNvSpPr>
+            <a:spLocks noGrp="1"/>
+          </p:cNvSpPr>
+          <p:nvPr>
+            <p:ph sz="quarter" idx="4"/>
+          </p:nvPr>
+        </p:nvSpPr>
+        <p:spPr>
+          <a:xfrm>
+            <a:off x="6126480" y="2507550"/>
+            <a:ext cx="4480560" cy="3664650"/>
+          </a:xfrm>
+        </p:spPr>
+        <p:txBody>
+          <a:bodyPr/>
+          <a:lstStyle>
+            <a:lvl1pPr>
+              <a:defRPr sz="1800"/>
+            </a:lvl1pPr>
+            <a:lvl2pPr>
+              <a:defRPr sz="1600"/>
             </a:lvl2pPr>
-            <a:lvl3pPr marL="914400" indent="0">
-              <a:buNone/>
-              <a:defRPr sz="1800" b="1"/>
+            <a:lvl3pPr>
+              <a:defRPr sz="1400"/>
             </a:lvl3pPr>
-            <a:lvl4pPr marL="1371600" indent="0">
-              <a:buNone/>
-              <a:defRPr sz="1600" b="1"/>
+            <a:lvl4pPr>
+              <a:defRPr sz="1400"/>
             </a:lvl4pPr>
-            <a:lvl5pPr marL="1828800" indent="0">
-              <a:buNone/>
-              <a:defRPr sz="1600" b="1"/>
+            <a:lvl5pPr>
+              <a:defRPr sz="1400"/>
             </a:lvl5pPr>
-            <a:lvl6pPr marL="2286000" indent="0">
-              <a:buNone/>
-              <a:defRPr sz="1600" b="1"/>
+            <a:lvl6pPr>
+              <a:defRPr sz="1400"/>
             </a:lvl6pPr>
-            <a:lvl7pPr marL="2743200" indent="0">
-              <a:buNone/>
-              <a:defRPr sz="1600" b="1"/>
+            <a:lvl7pPr>
+              <a:defRPr sz="1400"/>
             </a:lvl7pPr>
-            <a:lvl8pPr marL="3200400" indent="0">
-              <a:buNone/>
-              <a:defRPr sz="1600" b="1"/>
+            <a:lvl8pPr>
+              <a:defRPr sz="1400"/>
             </a:lvl8pPr>
-            <a:lvl9pPr marL="3657600" indent="0">
-              <a:buNone/>
-              <a:defRPr sz="1600" b="1"/>
+            <a:lvl9pPr>
+              <a:defRPr sz="1400"/>
             </a:lvl9pPr>
           </a:lstStyle>
           <a:p>
@@ -1527,34 +1880,6 @@
               <a:t>Edit Master text styles</a:t>
             </a:r>
           </a:p>
-        </p:txBody>
-      </p:sp>
-      <p:sp>
-        <p:nvSpPr>
-          <p:cNvPr id="6" name="Content Placeholder 5"/>
-          <p:cNvSpPr>
-            <a:spLocks noGrp="1"/>
-          </p:cNvSpPr>
-          <p:nvPr>
-            <p:ph sz="quarter" idx="4"/>
-          </p:nvPr>
-        </p:nvSpPr>
-        <p:spPr>
-          <a:xfrm>
-            <a:off x="6172200" y="2505075"/>
-            <a:ext cx="5183188" cy="3684588"/>
-          </a:xfrm>
-        </p:spPr>
-        <p:txBody>
-          <a:bodyPr/>
-          <a:lstStyle/>
-          <a:p>
-            <a:pPr lvl="0"/>
-            <a:r>
-              <a:rPr lang="en-US" smtClean="0"/>
-              <a:t>Edit Master text styles</a:t>
-            </a:r>
-          </a:p>
           <a:p>
             <a:pPr lvl="1"/>
             <a:r>
@@ -1582,7 +1907,7 @@
               <a:rPr lang="en-US" smtClean="0"/>
               <a:t>Fifth level</a:t>
             </a:r>
-            <a:endParaRPr lang="fi-FI"/>
+            <a:endParaRPr lang="en-US" dirty="0"/>
           </a:p>
         </p:txBody>
       </p:sp>
@@ -1654,7 +1979,7 @@
     </p:spTree>
     <p:extLst>
       <p:ext uri="{BB962C8B-B14F-4D97-AF65-F5344CB8AC3E}">
-        <p14:creationId xmlns:p14="http://schemas.microsoft.com/office/powerpoint/2010/main" val="2776745788"/>
+        <p14:creationId xmlns:p14="http://schemas.microsoft.com/office/powerpoint/2010/main" val="2586570709"/>
       </p:ext>
     </p:extLst>
   </p:cSld>
@@ -1683,7 +2008,7 @@
       </p:grpSpPr>
       <p:sp>
         <p:nvSpPr>
-          <p:cNvPr id="2" name="Title 1"/>
+          <p:cNvPr id="6" name="Title 5"/>
           <p:cNvSpPr>
             <a:spLocks noGrp="1"/>
           </p:cNvSpPr>
@@ -1700,7 +2025,7 @@
               <a:rPr lang="en-US" smtClean="0"/>
               <a:t>Click to edit Master title style</a:t>
             </a:r>
-            <a:endParaRPr lang="fi-FI"/>
+            <a:endParaRPr lang="en-US" dirty="0"/>
           </a:p>
         </p:txBody>
       </p:sp>
@@ -1772,7 +2097,7 @@
     </p:spTree>
     <p:extLst>
       <p:ext uri="{BB962C8B-B14F-4D97-AF65-F5344CB8AC3E}">
-        <p14:creationId xmlns:p14="http://schemas.microsoft.com/office/powerpoint/2010/main" val="1751739003"/>
+        <p14:creationId xmlns:p14="http://schemas.microsoft.com/office/powerpoint/2010/main" val="624850823"/>
       </p:ext>
     </p:extLst>
   </p:cSld>
@@ -1867,7 +2192,7 @@
     </p:spTree>
     <p:extLst>
       <p:ext uri="{BB962C8B-B14F-4D97-AF65-F5344CB8AC3E}">
-        <p14:creationId xmlns:p14="http://schemas.microsoft.com/office/powerpoint/2010/main" val="3367151795"/>
+        <p14:creationId xmlns:p14="http://schemas.microsoft.com/office/powerpoint/2010/main" val="1748720647"/>
       </p:ext>
     </p:extLst>
   </p:cSld>
@@ -1906,15 +2231,17 @@
         </p:nvSpPr>
         <p:spPr>
           <a:xfrm>
-            <a:off x="839788" y="457200"/>
-            <a:ext cx="3932237" cy="1600200"/>
+            <a:off x="841248" y="457200"/>
+            <a:ext cx="3200400" cy="1600197"/>
           </a:xfrm>
         </p:spPr>
         <p:txBody>
-          <a:bodyPr anchor="b"/>
+          <a:bodyPr anchor="b">
+            <a:normAutofit/>
+          </a:bodyPr>
           <a:lstStyle>
             <a:lvl1pPr>
-              <a:defRPr sz="3200"/>
+              <a:defRPr sz="3200" b="0" baseline="0"/>
             </a:lvl1pPr>
           </a:lstStyle>
           <a:p>
@@ -1922,7 +2249,7 @@
               <a:rPr lang="en-US" smtClean="0"/>
               <a:t>Click to edit Master title style</a:t>
             </a:r>
-            <a:endParaRPr lang="fi-FI"/>
+            <a:endParaRPr lang="en-US" dirty="0"/>
           </a:p>
         </p:txBody>
       </p:sp>
@@ -1938,39 +2265,39 @@
         </p:nvSpPr>
         <p:spPr>
           <a:xfrm>
-            <a:off x="5183188" y="987425"/>
-            <a:ext cx="6172200" cy="4873625"/>
+            <a:off x="4504267" y="685800"/>
+            <a:ext cx="6079066" cy="5486400"/>
           </a:xfrm>
         </p:spPr>
         <p:txBody>
           <a:bodyPr/>
           <a:lstStyle>
             <a:lvl1pPr>
-              <a:defRPr sz="3200"/>
+              <a:defRPr sz="2000"/>
             </a:lvl1pPr>
             <a:lvl2pPr>
-              <a:defRPr sz="2800"/>
+              <a:defRPr sz="1800"/>
             </a:lvl2pPr>
             <a:lvl3pPr>
-              <a:defRPr sz="2400"/>
+              <a:defRPr sz="1600"/>
             </a:lvl3pPr>
             <a:lvl4pPr>
-              <a:defRPr sz="2000"/>
+              <a:defRPr sz="1400"/>
             </a:lvl4pPr>
             <a:lvl5pPr>
-              <a:defRPr sz="2000"/>
+              <a:defRPr sz="1400"/>
             </a:lvl5pPr>
             <a:lvl6pPr>
-              <a:defRPr sz="2000"/>
+              <a:defRPr sz="1400"/>
             </a:lvl6pPr>
             <a:lvl7pPr>
-              <a:defRPr sz="2000"/>
+              <a:defRPr sz="1400"/>
             </a:lvl7pPr>
             <a:lvl8pPr>
-              <a:defRPr sz="2000"/>
+              <a:defRPr sz="1400"/>
             </a:lvl8pPr>
             <a:lvl9pPr>
-              <a:defRPr sz="2000"/>
+              <a:defRPr sz="1400"/>
             </a:lvl9pPr>
           </a:lstStyle>
           <a:p>
@@ -2007,7 +2334,7 @@
               <a:rPr lang="en-US" smtClean="0"/>
               <a:t>Fifth level</a:t>
             </a:r>
-            <a:endParaRPr lang="fi-FI"/>
+            <a:endParaRPr lang="en-US" dirty="0"/>
           </a:p>
         </p:txBody>
       </p:sp>
@@ -2023,48 +2350,56 @@
         </p:nvSpPr>
         <p:spPr>
           <a:xfrm>
-            <a:off x="839788" y="2057400"/>
-            <a:ext cx="3932237" cy="3811588"/>
+            <a:off x="841248" y="2099734"/>
+            <a:ext cx="3200400" cy="3810001"/>
           </a:xfrm>
         </p:spPr>
         <p:txBody>
-          <a:bodyPr/>
+          <a:bodyPr>
+            <a:normAutofit/>
+          </a:bodyPr>
           <a:lstStyle>
             <a:lvl1pPr marL="0" indent="0">
-              <a:buNone/>
-              <a:defRPr sz="1600"/>
+              <a:lnSpc>
+                <a:spcPct val="114000"/>
+              </a:lnSpc>
+              <a:spcBef>
+                <a:spcPts val="800"/>
+              </a:spcBef>
+              <a:buNone/>
+              <a:defRPr sz="1300"/>
             </a:lvl1pPr>
             <a:lvl2pPr marL="457200" indent="0">
               <a:buNone/>
-              <a:defRPr sz="1400"/>
+              <a:defRPr sz="1200"/>
             </a:lvl2pPr>
             <a:lvl3pPr marL="914400" indent="0">
               <a:buNone/>
-              <a:defRPr sz="1200"/>
+              <a:defRPr sz="1000"/>
             </a:lvl3pPr>
             <a:lvl4pPr marL="1371600" indent="0">
               <a:buNone/>
-              <a:defRPr sz="1000"/>
+              <a:defRPr sz="900"/>
             </a:lvl4pPr>
             <a:lvl5pPr marL="1828800" indent="0">
               <a:buNone/>
-              <a:defRPr sz="1000"/>
+              <a:defRPr sz="900"/>
             </a:lvl5pPr>
             <a:lvl6pPr marL="2286000" indent="0">
               <a:buNone/>
-              <a:defRPr sz="1000"/>
+              <a:defRPr sz="900"/>
             </a:lvl6pPr>
             <a:lvl7pPr marL="2743200" indent="0">
               <a:buNone/>
-              <a:defRPr sz="1000"/>
+              <a:defRPr sz="900"/>
             </a:lvl7pPr>
             <a:lvl8pPr marL="3200400" indent="0">
               <a:buNone/>
-              <a:defRPr sz="1000"/>
+              <a:defRPr sz="900"/>
             </a:lvl8pPr>
             <a:lvl9pPr marL="3657600" indent="0">
               <a:buNone/>
-              <a:defRPr sz="1000"/>
+              <a:defRPr sz="900"/>
             </a:lvl9pPr>
           </a:lstStyle>
           <a:p>
@@ -2144,7 +2479,7 @@
     </p:spTree>
     <p:extLst>
       <p:ext uri="{BB962C8B-B14F-4D97-AF65-F5344CB8AC3E}">
-        <p14:creationId xmlns:p14="http://schemas.microsoft.com/office/powerpoint/2010/main" val="1226226575"/>
+        <p14:creationId xmlns:p14="http://schemas.microsoft.com/office/powerpoint/2010/main" val="353503975"/>
       </p:ext>
     </p:extLst>
   </p:cSld>
@@ -2183,15 +2518,21 @@
         </p:nvSpPr>
         <p:spPr>
           <a:xfrm>
-            <a:off x="839788" y="457200"/>
-            <a:ext cx="3932237" cy="1600200"/>
+            <a:off x="914400" y="5257800"/>
+            <a:ext cx="9982200" cy="914400"/>
           </a:xfrm>
         </p:spPr>
         <p:txBody>
-          <a:bodyPr anchor="b"/>
+          <a:bodyPr anchor="b">
+            <a:normAutofit/>
+          </a:bodyPr>
           <a:lstStyle>
             <a:lvl1pPr>
-              <a:defRPr sz="3200"/>
+              <a:defRPr sz="2800" b="0">
+                <a:solidFill>
+                  <a:schemeClr val="tx1"/>
+                </a:solidFill>
+              </a:defRPr>
             </a:lvl1pPr>
           </a:lstStyle>
           <a:p>
@@ -2199,7 +2540,7 @@
               <a:rPr lang="en-US" smtClean="0"/>
               <a:t>Click to edit Master title style</a:t>
             </a:r>
-            <a:endParaRPr lang="fi-FI"/>
+            <a:endParaRPr lang="en-US" dirty="0"/>
           </a:p>
         </p:txBody>
       </p:sp>
@@ -2207,7 +2548,7 @@
         <p:nvSpPr>
           <p:cNvPr id="3" name="Picture Placeholder 2"/>
           <p:cNvSpPr>
-            <a:spLocks noGrp="1"/>
+            <a:spLocks noGrp="1" noChangeAspect="1"/>
           </p:cNvSpPr>
           <p:nvPr>
             <p:ph type="pic" idx="1"/>
@@ -2215,12 +2556,12 @@
         </p:nvSpPr>
         <p:spPr>
           <a:xfrm>
-            <a:off x="5183188" y="987425"/>
-            <a:ext cx="6172200" cy="4873625"/>
+            <a:off x="0" y="0"/>
+            <a:ext cx="11292840" cy="5128923"/>
           </a:xfrm>
         </p:spPr>
         <p:txBody>
-          <a:bodyPr/>
+          <a:bodyPr anchor="t"/>
           <a:lstStyle>
             <a:lvl1pPr marL="0" indent="0">
               <a:buNone/>
@@ -2260,7 +2601,11 @@
             </a:lvl9pPr>
           </a:lstStyle>
           <a:p>
-            <a:endParaRPr lang="fi-FI"/>
+            <a:r>
+              <a:rPr lang="en-US" smtClean="0"/>
+              <a:t>Click icon to add picture</a:t>
+            </a:r>
+            <a:endParaRPr lang="en-US" dirty="0"/>
           </a:p>
         </p:txBody>
       </p:sp>
@@ -2276,48 +2621,62 @@
         </p:nvSpPr>
         <p:spPr>
           <a:xfrm>
-            <a:off x="839788" y="2057400"/>
-            <a:ext cx="3932237" cy="3811588"/>
+            <a:off x="914400" y="6108589"/>
+            <a:ext cx="9982200" cy="597011"/>
           </a:xfrm>
         </p:spPr>
         <p:txBody>
-          <a:bodyPr/>
+          <a:bodyPr>
+            <a:normAutofit/>
+          </a:bodyPr>
           <a:lstStyle>
             <a:lvl1pPr marL="0" indent="0">
-              <a:buNone/>
-              <a:defRPr sz="1600"/>
+              <a:lnSpc>
+                <a:spcPct val="100000"/>
+              </a:lnSpc>
+              <a:spcBef>
+                <a:spcPts val="800"/>
+              </a:spcBef>
+              <a:buNone/>
+              <a:defRPr sz="1300">
+                <a:solidFill>
+                  <a:schemeClr val="tx1">
+                    <a:lumMod val="75000"/>
+                  </a:schemeClr>
+                </a:solidFill>
+              </a:defRPr>
             </a:lvl1pPr>
             <a:lvl2pPr marL="457200" indent="0">
               <a:buNone/>
-              <a:defRPr sz="1400"/>
+              <a:defRPr sz="1200"/>
             </a:lvl2pPr>
             <a:lvl3pPr marL="914400" indent="0">
               <a:buNone/>
-              <a:defRPr sz="1200"/>
+              <a:defRPr sz="1000"/>
             </a:lvl3pPr>
             <a:lvl4pPr marL="1371600" indent="0">
               <a:buNone/>
-              <a:defRPr sz="1000"/>
+              <a:defRPr sz="900"/>
             </a:lvl4pPr>
             <a:lvl5pPr marL="1828800" indent="0">
               <a:buNone/>
-              <a:defRPr sz="1000"/>
+              <a:defRPr sz="900"/>
             </a:lvl5pPr>
             <a:lvl6pPr marL="2286000" indent="0">
               <a:buNone/>
-              <a:defRPr sz="1000"/>
+              <a:defRPr sz="900"/>
             </a:lvl6pPr>
             <a:lvl7pPr marL="2743200" indent="0">
               <a:buNone/>
-              <a:defRPr sz="1000"/>
+              <a:defRPr sz="900"/>
             </a:lvl7pPr>
             <a:lvl8pPr marL="3200400" indent="0">
               <a:buNone/>
-              <a:defRPr sz="1000"/>
+              <a:defRPr sz="900"/>
             </a:lvl8pPr>
             <a:lvl9pPr marL="3657600" indent="0">
               <a:buNone/>
-              <a:defRPr sz="1000"/>
+              <a:defRPr sz="900"/>
             </a:lvl9pPr>
           </a:lstStyle>
           <a:p>
@@ -2397,7 +2756,7 @@
     </p:spTree>
     <p:extLst>
       <p:ext uri="{BB962C8B-B14F-4D97-AF65-F5344CB8AC3E}">
-        <p14:creationId xmlns:p14="http://schemas.microsoft.com/office/powerpoint/2010/main" val="3526777140"/>
+        <p14:creationId xmlns:p14="http://schemas.microsoft.com/office/powerpoint/2010/main" val="4048208367"/>
       </p:ext>
     </p:extLst>
   </p:cSld>
@@ -2431,25 +2790,63 @@
       </p:grpSpPr>
       <p:sp>
         <p:nvSpPr>
-          <p:cNvPr id="2" name="Title Placeholder 1"/>
-          <p:cNvSpPr>
-            <a:spLocks noGrp="1"/>
-          </p:cNvSpPr>
-          <p:nvPr>
-            <p:ph type="title"/>
-          </p:nvPr>
+          <p:cNvPr id="7" name="Rectangle 6"/>
+          <p:cNvSpPr/>
+          <p:nvPr/>
         </p:nvSpPr>
         <p:spPr>
           <a:xfrm>
-            <a:off x="838200" y="365125"/>
-            <a:ext cx="10515600" cy="1325563"/>
+            <a:off x="11292840" y="0"/>
+            <a:ext cx="914400" cy="6858000"/>
+          </a:xfrm>
+          <a:prstGeom prst="rect">
+            <a:avLst/>
+          </a:prstGeom>
+          <a:solidFill>
+            <a:srgbClr val="303030"/>
+          </a:solidFill>
+          <a:ln>
+            <a:noFill/>
+          </a:ln>
+        </p:spPr>
+        <p:style>
+          <a:lnRef idx="2">
+            <a:schemeClr val="accent1">
+              <a:shade val="50000"/>
+            </a:schemeClr>
+          </a:lnRef>
+          <a:fillRef idx="1">
+            <a:schemeClr val="accent1"/>
+          </a:fillRef>
+          <a:effectRef idx="0">
+            <a:schemeClr val="accent1"/>
+          </a:effectRef>
+          <a:fontRef idx="minor">
+            <a:schemeClr val="lt1"/>
+          </a:fontRef>
+        </p:style>
+      </p:sp>
+      <p:sp>
+        <p:nvSpPr>
+          <p:cNvPr id="2" name="Title Placeholder 1"/>
+          <p:cNvSpPr>
+            <a:spLocks noGrp="1"/>
+          </p:cNvSpPr>
+          <p:nvPr>
+            <p:ph type="title"/>
+          </p:nvPr>
+        </p:nvSpPr>
+        <p:spPr>
+          <a:xfrm>
+            <a:off x="1261872" y="365760"/>
+            <a:ext cx="9692640" cy="1325562"/>
           </a:xfrm>
           <a:prstGeom prst="rect">
             <a:avLst/>
           </a:prstGeom>
         </p:spPr>
         <p:txBody>
-          <a:bodyPr vert="horz" lIns="91440" tIns="45720" rIns="91440" bIns="45720" rtlCol="0" anchor="ctr">
+          <a:bodyPr vert="horz" lIns="91440" tIns="45720" rIns="91440" bIns="45720" rtlCol="0" anchor="b">
             <a:normAutofit/>
           </a:bodyPr>
           <a:lstStyle/>
@@ -2458,7 +2855,7 @@
               <a:rPr lang="en-US" smtClean="0"/>
               <a:t>Click to edit Master title style</a:t>
             </a:r>
-            <a:endParaRPr lang="fi-FI"/>
+            <a:endParaRPr lang="en-US" dirty="0"/>
           </a:p>
         </p:txBody>
       </p:sp>
@@ -2474,8 +2871,8 @@
         </p:nvSpPr>
         <p:spPr>
           <a:xfrm>
-            <a:off x="838200" y="1825625"/>
-            <a:ext cx="10515600" cy="4351338"/>
+            <a:off x="1261872" y="1828800"/>
+            <a:ext cx="8595360" cy="4351337"/>
           </a:xfrm>
           <a:prstGeom prst="rect">
             <a:avLst/>
@@ -2520,7 +2917,7 @@
               <a:rPr lang="en-US" smtClean="0"/>
               <a:t>Fifth level</a:t>
             </a:r>
-            <a:endParaRPr lang="fi-FI"/>
+            <a:endParaRPr lang="en-US" dirty="0"/>
           </a:p>
         </p:txBody>
       </p:sp>
@@ -2535,9 +2932,9 @@
           </p:nvPr>
         </p:nvSpPr>
         <p:spPr>
-          <a:xfrm>
-            <a:off x="838200" y="6356350"/>
-            <a:ext cx="2743200" cy="365125"/>
+          <a:xfrm rot="16200000">
+            <a:off x="10797542" y="998537"/>
+            <a:ext cx="1904999" cy="365125"/>
           </a:xfrm>
           <a:prstGeom prst="rect">
             <a:avLst/>
@@ -2546,11 +2943,11 @@
         <p:txBody>
           <a:bodyPr vert="horz" lIns="91440" tIns="45720" rIns="91440" bIns="45720" rtlCol="0" anchor="ctr"/>
           <a:lstStyle>
-            <a:lvl1pPr algn="l">
-              <a:defRPr sz="1200">
+            <a:lvl1pPr algn="r">
+              <a:defRPr sz="1050" b="0">
                 <a:solidFill>
                   <a:schemeClr val="tx1">
-                    <a:tint val="75000"/>
+                    <a:lumMod val="50000"/>
                   </a:schemeClr>
                 </a:solidFill>
               </a:defRPr>
@@ -2576,9 +2973,9 @@
           </p:nvPr>
         </p:nvSpPr>
         <p:spPr>
-          <a:xfrm>
-            <a:off x="4038600" y="6356350"/>
-            <a:ext cx="4114800" cy="365125"/>
+          <a:xfrm rot="16200000">
+            <a:off x="9959341" y="4046537"/>
+            <a:ext cx="3581400" cy="365125"/>
           </a:xfrm>
           <a:prstGeom prst="rect">
             <a:avLst/>
@@ -2587,12 +2984,10 @@
         <p:txBody>
           <a:bodyPr vert="horz" lIns="91440" tIns="45720" rIns="91440" bIns="45720" rtlCol="0" anchor="ctr"/>
           <a:lstStyle>
-            <a:lvl1pPr algn="ctr">
-              <a:defRPr sz="1200">
+            <a:lvl1pPr algn="l">
+              <a:defRPr sz="1050">
                 <a:solidFill>
-                  <a:schemeClr val="tx1">
-                    <a:tint val="75000"/>
-                  </a:schemeClr>
+                  <a:srgbClr val="969696"/>
                 </a:solidFill>
               </a:defRPr>
             </a:lvl1pPr>
@@ -2614,22 +3009,22 @@
         </p:nvSpPr>
         <p:spPr>
           <a:xfrm>
-            <a:off x="8610600" y="6356350"/>
-            <a:ext cx="2743200" cy="365125"/>
+            <a:off x="11292840" y="6172200"/>
+            <a:ext cx="914400" cy="593725"/>
           </a:xfrm>
           <a:prstGeom prst="rect">
             <a:avLst/>
           </a:prstGeom>
         </p:spPr>
         <p:txBody>
-          <a:bodyPr vert="horz" lIns="91440" tIns="45720" rIns="91440" bIns="45720" rtlCol="0" anchor="ctr"/>
+          <a:bodyPr vert="horz" lIns="45720" tIns="45720" rIns="45720" bIns="45720" rtlCol="0" anchor="ctr">
+            <a:normAutofit/>
+          </a:bodyPr>
           <a:lstStyle>
-            <a:lvl1pPr algn="r">
-              <a:defRPr sz="1200">
+            <a:lvl1pPr algn="ctr">
+              <a:defRPr sz="3600">
                 <a:solidFill>
-                  <a:schemeClr val="tx1">
-                    <a:tint val="75000"/>
-                  </a:schemeClr>
+                  <a:srgbClr val="777777"/>
                 </a:solidFill>
               </a:defRPr>
             </a:lvl1pPr>
@@ -2646,23 +3041,23 @@
     </p:spTree>
     <p:extLst>
       <p:ext uri="{BB962C8B-B14F-4D97-AF65-F5344CB8AC3E}">
-        <p14:creationId xmlns:p14="http://schemas.microsoft.com/office/powerpoint/2010/main" val="2770718816"/>
+        <p14:creationId xmlns:p14="http://schemas.microsoft.com/office/powerpoint/2010/main" val="2193102669"/>
       </p:ext>
     </p:extLst>
   </p:cSld>
-  <p:clrMap bg1="lt1" tx1="dk1" bg2="lt2" tx2="dk2" accent1="accent1" accent2="accent2" accent3="accent3" accent4="accent4" accent5="accent5" accent6="accent6" hlink="hlink" folHlink="folHlink"/>
+  <p:clrMap bg1="dk1" tx1="lt1" bg2="dk2" tx2="lt2" accent1="accent1" accent2="accent2" accent3="accent3" accent4="accent4" accent5="accent5" accent6="accent6" hlink="hlink" folHlink="folHlink"/>
   <p:sldLayoutIdLst>
-    <p:sldLayoutId id="2147483649" r:id="rId1"/>
-    <p:sldLayoutId id="2147483650" r:id="rId2"/>
-    <p:sldLayoutId id="2147483651" r:id="rId3"/>
-    <p:sldLayoutId id="2147483652" r:id="rId4"/>
-    <p:sldLayoutId id="2147483653" r:id="rId5"/>
-    <p:sldLayoutId id="2147483654" r:id="rId6"/>
-    <p:sldLayoutId id="2147483655" r:id="rId7"/>
-    <p:sldLayoutId id="2147483656" r:id="rId8"/>
-    <p:sldLayoutId id="2147483657" r:id="rId9"/>
-    <p:sldLayoutId id="2147483658" r:id="rId10"/>
-    <p:sldLayoutId id="2147483659" r:id="rId11"/>
+    <p:sldLayoutId id="2147483787" r:id="rId1"/>
+    <p:sldLayoutId id="2147483788" r:id="rId2"/>
+    <p:sldLayoutId id="2147483789" r:id="rId3"/>
+    <p:sldLayoutId id="2147483790" r:id="rId4"/>
+    <p:sldLayoutId id="2147483791" r:id="rId5"/>
+    <p:sldLayoutId id="2147483792" r:id="rId6"/>
+    <p:sldLayoutId id="2147483793" r:id="rId7"/>
+    <p:sldLayoutId id="2147483794" r:id="rId8"/>
+    <p:sldLayoutId id="2147483795" r:id="rId9"/>
+    <p:sldLayoutId id="2147483796" r:id="rId10"/>
+    <p:sldLayoutId id="2147483797" r:id="rId11"/>
   </p:sldLayoutIdLst>
   <p:txStyles>
     <p:titleStyle>
@@ -2674,7 +3069,7 @@
           <a:spcPct val="0"/>
         </a:spcBef>
         <a:buNone/>
-        <a:defRPr sz="4400" kern="1200">
+        <a:defRPr sz="4400" kern="1200" spc="-50" baseline="0">
           <a:solidFill>
             <a:schemeClr val="tx1"/>
           </a:solidFill>
@@ -2685,16 +3080,23 @@
       </a:lvl1pPr>
     </p:titleStyle>
     <p:bodyStyle>
-      <a:lvl1pPr marL="228600" indent="-228600" algn="l" defTabSz="914400" rtl="0" eaLnBrk="1" latinLnBrk="0" hangingPunct="1">
+      <a:lvl1pPr marL="182880" indent="-182880" algn="l" defTabSz="914400" rtl="0" eaLnBrk="1" latinLnBrk="0" hangingPunct="1">
         <a:lnSpc>
-          <a:spcPct val="90000"/>
+          <a:spcPct val="95000"/>
         </a:lnSpc>
         <a:spcBef>
-          <a:spcPts val="1000"/>
+          <a:spcPts val="1400"/>
         </a:spcBef>
-        <a:buFont typeface="Arial" panose="020B0604020202020204" pitchFamily="34" charset="0"/>
+        <a:spcAft>
+          <a:spcPts val="200"/>
+        </a:spcAft>
+        <a:buClr>
+          <a:schemeClr val="accent1"/>
+        </a:buClr>
+        <a:buSzPct val="80000"/>
+        <a:buFont typeface="Arial" pitchFamily="34" charset="0"/>
         <a:buChar char="•"/>
-        <a:defRPr sz="2800" kern="1200">
+        <a:defRPr sz="1800" kern="1200" spc="10" baseline="0">
           <a:solidFill>
             <a:schemeClr val="tx1"/>
           </a:solidFill>
@@ -2703,144 +3105,216 @@
           <a:cs typeface="+mn-cs"/>
         </a:defRPr>
       </a:lvl1pPr>
-      <a:lvl2pPr marL="685800" indent="-228600" algn="l" defTabSz="914400" rtl="0" eaLnBrk="1" latinLnBrk="0" hangingPunct="1">
+      <a:lvl2pPr marL="457200" indent="-182880" algn="l" defTabSz="914400" rtl="0" eaLnBrk="1" latinLnBrk="0" hangingPunct="1">
         <a:lnSpc>
           <a:spcPct val="90000"/>
         </a:lnSpc>
         <a:spcBef>
-          <a:spcPts val="500"/>
+          <a:spcPts val="300"/>
         </a:spcBef>
-        <a:buFont typeface="Arial" panose="020B0604020202020204" pitchFamily="34" charset="0"/>
-        <a:buChar char="•"/>
-        <a:defRPr sz="2400" kern="1200">
+        <a:spcAft>
+          <a:spcPts val="300"/>
+        </a:spcAft>
+        <a:buClr>
+          <a:schemeClr val="accent1"/>
+        </a:buClr>
+        <a:buFont typeface="Wingdings 2" pitchFamily="18" charset="2"/>
+        <a:buChar char=""/>
+        <a:defRPr sz="1600" kern="1200">
           <a:solidFill>
-            <a:schemeClr val="tx1"/>
+            <a:schemeClr val="tx1">
+              <a:lumMod val="85000"/>
+              <a:lumOff val="15000"/>
+            </a:schemeClr>
           </a:solidFill>
           <a:latin typeface="+mn-lt"/>
           <a:ea typeface="+mn-ea"/>
           <a:cs typeface="+mn-cs"/>
         </a:defRPr>
       </a:lvl2pPr>
-      <a:lvl3pPr marL="1143000" indent="-228600" algn="l" defTabSz="914400" rtl="0" eaLnBrk="1" latinLnBrk="0" hangingPunct="1">
+      <a:lvl3pPr marL="731520" indent="-182880" algn="l" defTabSz="914400" rtl="0" eaLnBrk="1" latinLnBrk="0" hangingPunct="1">
         <a:lnSpc>
           <a:spcPct val="90000"/>
         </a:lnSpc>
         <a:spcBef>
-          <a:spcPts val="500"/>
+          <a:spcPts val="300"/>
         </a:spcBef>
-        <a:buFont typeface="Arial" panose="020B0604020202020204" pitchFamily="34" charset="0"/>
-        <a:buChar char="•"/>
-        <a:defRPr sz="2000" kern="1200">
+        <a:spcAft>
+          <a:spcPts val="300"/>
+        </a:spcAft>
+        <a:buClr>
+          <a:schemeClr val="accent1"/>
+        </a:buClr>
+        <a:buFont typeface="Wingdings 2" pitchFamily="18" charset="2"/>
+        <a:buChar char=""/>
+        <a:defRPr sz="1400" kern="1200">
           <a:solidFill>
-            <a:schemeClr val="tx1"/>
+            <a:schemeClr val="tx1">
+              <a:lumMod val="85000"/>
+              <a:lumOff val="15000"/>
+            </a:schemeClr>
           </a:solidFill>
           <a:latin typeface="+mn-lt"/>
           <a:ea typeface="+mn-ea"/>
           <a:cs typeface="+mn-cs"/>
         </a:defRPr>
       </a:lvl3pPr>
-      <a:lvl4pPr marL="1600200" indent="-228600" algn="l" defTabSz="914400" rtl="0" eaLnBrk="1" latinLnBrk="0" hangingPunct="1">
+      <a:lvl4pPr marL="1005840" indent="-182880" algn="l" defTabSz="914400" rtl="0" eaLnBrk="1" latinLnBrk="0" hangingPunct="1">
         <a:lnSpc>
           <a:spcPct val="90000"/>
         </a:lnSpc>
         <a:spcBef>
-          <a:spcPts val="500"/>
+          <a:spcPts val="300"/>
         </a:spcBef>
-        <a:buFont typeface="Arial" panose="020B0604020202020204" pitchFamily="34" charset="0"/>
-        <a:buChar char="•"/>
-        <a:defRPr sz="1800" kern="1200">
+        <a:spcAft>
+          <a:spcPts val="300"/>
+        </a:spcAft>
+        <a:buClr>
+          <a:schemeClr val="accent1"/>
+        </a:buClr>
+        <a:buFont typeface="Wingdings 2" pitchFamily="18" charset="2"/>
+        <a:buChar char=""/>
+        <a:defRPr sz="1400" kern="1200">
           <a:solidFill>
-            <a:schemeClr val="tx1"/>
+            <a:schemeClr val="tx1">
+              <a:lumMod val="85000"/>
+              <a:lumOff val="15000"/>
+            </a:schemeClr>
           </a:solidFill>
           <a:latin typeface="+mn-lt"/>
           <a:ea typeface="+mn-ea"/>
           <a:cs typeface="+mn-cs"/>
         </a:defRPr>
       </a:lvl4pPr>
-      <a:lvl5pPr marL="2057400" indent="-228600" algn="l" defTabSz="914400" rtl="0" eaLnBrk="1" latinLnBrk="0" hangingPunct="1">
+      <a:lvl5pPr marL="1280160" indent="-182880" algn="l" defTabSz="914400" rtl="0" eaLnBrk="1" latinLnBrk="0" hangingPunct="1">
         <a:lnSpc>
           <a:spcPct val="90000"/>
         </a:lnSpc>
         <a:spcBef>
-          <a:spcPts val="500"/>
+          <a:spcPts val="300"/>
         </a:spcBef>
-        <a:buFont typeface="Arial" panose="020B0604020202020204" pitchFamily="34" charset="0"/>
-        <a:buChar char="•"/>
-        <a:defRPr sz="1800" kern="1200">
+        <a:spcAft>
+          <a:spcPts val="300"/>
+        </a:spcAft>
+        <a:buClr>
+          <a:schemeClr val="accent1"/>
+        </a:buClr>
+        <a:buFont typeface="Wingdings 2" pitchFamily="18" charset="2"/>
+        <a:buChar char=""/>
+        <a:defRPr sz="1400" kern="1200">
           <a:solidFill>
-            <a:schemeClr val="tx1"/>
+            <a:schemeClr val="tx1">
+              <a:lumMod val="85000"/>
+              <a:lumOff val="15000"/>
+            </a:schemeClr>
           </a:solidFill>
           <a:latin typeface="+mn-lt"/>
           <a:ea typeface="+mn-ea"/>
           <a:cs typeface="+mn-cs"/>
         </a:defRPr>
       </a:lvl5pPr>
-      <a:lvl6pPr marL="2514600" indent="-228600" algn="l" defTabSz="914400" rtl="0" eaLnBrk="1" latinLnBrk="0" hangingPunct="1">
+      <a:lvl6pPr marL="1600000" indent="-228600" algn="l" defTabSz="914400" rtl="0" eaLnBrk="1" latinLnBrk="0" hangingPunct="1">
         <a:lnSpc>
           <a:spcPct val="90000"/>
         </a:lnSpc>
         <a:spcBef>
-          <a:spcPts val="500"/>
+          <a:spcPts val="300"/>
         </a:spcBef>
-        <a:buFont typeface="Arial" panose="020B0604020202020204" pitchFamily="34" charset="0"/>
-        <a:buChar char="•"/>
-        <a:defRPr sz="1800" kern="1200">
+        <a:spcAft>
+          <a:spcPts val="300"/>
+        </a:spcAft>
+        <a:buClr>
+          <a:schemeClr val="accent1"/>
+        </a:buClr>
+        <a:buFont typeface="Wingdings 2" pitchFamily="18" charset="2"/>
+        <a:buChar char=""/>
+        <a:defRPr sz="1400" kern="1200">
           <a:solidFill>
-            <a:schemeClr val="tx1"/>
+            <a:schemeClr val="tx1">
+              <a:lumMod val="85000"/>
+              <a:lumOff val="15000"/>
+            </a:schemeClr>
           </a:solidFill>
           <a:latin typeface="+mn-lt"/>
           <a:ea typeface="+mn-ea"/>
           <a:cs typeface="+mn-cs"/>
         </a:defRPr>
       </a:lvl6pPr>
-      <a:lvl7pPr marL="2971800" indent="-228600" algn="l" defTabSz="914400" rtl="0" eaLnBrk="1" latinLnBrk="0" hangingPunct="1">
+      <a:lvl7pPr marL="1900000" indent="-228600" algn="l" defTabSz="914400" rtl="0" eaLnBrk="1" latinLnBrk="0" hangingPunct="1">
         <a:lnSpc>
           <a:spcPct val="90000"/>
         </a:lnSpc>
         <a:spcBef>
-          <a:spcPts val="500"/>
+          <a:spcPts val="300"/>
         </a:spcBef>
-        <a:buFont typeface="Arial" panose="020B0604020202020204" pitchFamily="34" charset="0"/>
-        <a:buChar char="•"/>
-        <a:defRPr sz="1800" kern="1200">
+        <a:spcAft>
+          <a:spcPts val="300"/>
+        </a:spcAft>
+        <a:buClr>
+          <a:schemeClr val="accent1"/>
+        </a:buClr>
+        <a:buFont typeface="Wingdings 2" pitchFamily="18" charset="2"/>
+        <a:buChar char=""/>
+        <a:defRPr sz="1400" kern="1200">
           <a:solidFill>
-            <a:schemeClr val="tx1"/>
+            <a:schemeClr val="tx1">
+              <a:lumMod val="85000"/>
+              <a:lumOff val="15000"/>
+            </a:schemeClr>
           </a:solidFill>
           <a:latin typeface="+mn-lt"/>
           <a:ea typeface="+mn-ea"/>
           <a:cs typeface="+mn-cs"/>
         </a:defRPr>
       </a:lvl7pPr>
-      <a:lvl8pPr marL="3429000" indent="-228600" algn="l" defTabSz="914400" rtl="0" eaLnBrk="1" latinLnBrk="0" hangingPunct="1">
+      <a:lvl8pPr marL="2200000" indent="-228600" algn="l" defTabSz="914400" rtl="0" eaLnBrk="1" latinLnBrk="0" hangingPunct="1">
         <a:lnSpc>
           <a:spcPct val="90000"/>
         </a:lnSpc>
         <a:spcBef>
-          <a:spcPts val="500"/>
+          <a:spcPts val="300"/>
         </a:spcBef>
-        <a:buFont typeface="Arial" panose="020B0604020202020204" pitchFamily="34" charset="0"/>
-        <a:buChar char="•"/>
-        <a:defRPr sz="1800" kern="1200">
+        <a:spcAft>
+          <a:spcPts val="300"/>
+        </a:spcAft>
+        <a:buClr>
+          <a:schemeClr val="accent1"/>
+        </a:buClr>
+        <a:buFont typeface="Wingdings 2" pitchFamily="18" charset="2"/>
+        <a:buChar char=""/>
+        <a:defRPr sz="1400" kern="1200">
           <a:solidFill>
-            <a:schemeClr val="tx1"/>
+            <a:schemeClr val="tx1">
+              <a:lumMod val="85000"/>
+              <a:lumOff val="15000"/>
+            </a:schemeClr>
           </a:solidFill>
           <a:latin typeface="+mn-lt"/>
           <a:ea typeface="+mn-ea"/>
           <a:cs typeface="+mn-cs"/>
         </a:defRPr>
       </a:lvl8pPr>
-      <a:lvl9pPr marL="3886200" indent="-228600" algn="l" defTabSz="914400" rtl="0" eaLnBrk="1" latinLnBrk="0" hangingPunct="1">
+      <a:lvl9pPr marL="2500000" indent="-228600" algn="l" defTabSz="914400" rtl="0" eaLnBrk="1" latinLnBrk="0" hangingPunct="1">
         <a:lnSpc>
           <a:spcPct val="90000"/>
         </a:lnSpc>
         <a:spcBef>
-          <a:spcPts val="500"/>
+          <a:spcPts val="300"/>
         </a:spcBef>
-        <a:buFont typeface="Arial" panose="020B0604020202020204" pitchFamily="34" charset="0"/>
-        <a:buChar char="•"/>
-        <a:defRPr sz="1800" kern="1200">
+        <a:spcAft>
+          <a:spcPts val="300"/>
+        </a:spcAft>
+        <a:buClr>
+          <a:schemeClr val="accent1"/>
+        </a:buClr>
+        <a:buFont typeface="Wingdings 2" pitchFamily="18" charset="2"/>
+        <a:buChar char=""/>
+        <a:defRPr sz="1400" kern="1200">
           <a:solidFill>
-            <a:schemeClr val="tx1"/>
+            <a:schemeClr val="tx1">
+              <a:lumMod val="85000"/>
+              <a:lumOff val="15000"/>
+            </a:schemeClr>
           </a:solidFill>
           <a:latin typeface="+mn-lt"/>
           <a:ea typeface="+mn-ea"/>
@@ -2850,7 +3324,7 @@
     </p:bodyStyle>
     <p:otherStyle>
       <a:defPPr>
-        <a:defRPr lang="fi-FI"/>
+        <a:defRPr lang="en-US"/>
       </a:defPPr>
       <a:lvl1pPr marL="0" algn="l" defTabSz="914400" rtl="0" eaLnBrk="1" latinLnBrk="0" hangingPunct="1">
         <a:defRPr sz="1800" kern="1200">
@@ -2944,6 +3418,11 @@
       </a:lvl9pPr>
     </p:otherStyle>
   </p:txStyles>
+  <p:extLst>
+    <p:ext uri="{27BBF7A9-308A-43DC-89C8-2F10F3537804}">
+      <p15:sldGuideLst xmlns:p15="http://schemas.microsoft.com/office/powerpoint/2012/main"/>
+    </p:ext>
+  </p:extLst>
 </p:sldMaster>
 </file>
 
@@ -2974,7 +3453,12 @@
             <p:ph type="ctrTitle"/>
           </p:nvPr>
         </p:nvSpPr>
-        <p:spPr/>
+        <p:spPr>
+          <a:xfrm>
+            <a:off x="1261872" y="459694"/>
+            <a:ext cx="9418320" cy="4041648"/>
+          </a:xfrm>
+        </p:spPr>
         <p:txBody>
           <a:bodyPr/>
           <a:lstStyle/>
@@ -3010,7 +3494,11 @@
           <a:bodyPr/>
           <a:lstStyle/>
           <a:p>
-            <a:endParaRPr lang="fi-FI"/>
+            <a:r>
+              <a:rPr lang="fi-FI" dirty="0" smtClean="0"/>
+              <a:t>By: Antti, Topi ja Adrian</a:t>
+            </a:r>
+            <a:endParaRPr lang="fi-FI" dirty="0"/>
           </a:p>
         </p:txBody>
       </p:sp>
@@ -3027,10 +3515,514 @@
 </p:sld>
 </file>
 
+<file path=ppt/slides/slide2.xml><?xml version="1.0" encoding="utf-8"?>
+<p:sld xmlns:a="http://schemas.openxmlformats.org/drawingml/2006/main" xmlns:r="http://schemas.openxmlformats.org/officeDocument/2006/relationships" xmlns:p="http://schemas.openxmlformats.org/presentationml/2006/main">
+  <p:cSld>
+    <p:spTree>
+      <p:nvGrpSpPr>
+        <p:cNvPr id="1" name=""/>
+        <p:cNvGrpSpPr/>
+        <p:nvPr/>
+      </p:nvGrpSpPr>
+      <p:grpSpPr>
+        <a:xfrm>
+          <a:off x="0" y="0"/>
+          <a:ext cx="0" cy="0"/>
+          <a:chOff x="0" y="0"/>
+          <a:chExt cx="0" cy="0"/>
+        </a:xfrm>
+      </p:grpSpPr>
+      <p:sp>
+        <p:nvSpPr>
+          <p:cNvPr id="2" name="Title 1"/>
+          <p:cNvSpPr>
+            <a:spLocks noGrp="1"/>
+          </p:cNvSpPr>
+          <p:nvPr>
+            <p:ph type="title"/>
+          </p:nvPr>
+        </p:nvSpPr>
+        <p:spPr/>
+        <p:txBody>
+          <a:bodyPr/>
+          <a:lstStyle/>
+          <a:p>
+            <a:r>
+              <a:rPr lang="fi-FI" dirty="0" smtClean="0"/>
+              <a:t>XP Ydinarvot</a:t>
+            </a:r>
+            <a:endParaRPr lang="fi-FI" dirty="0"/>
+          </a:p>
+        </p:txBody>
+      </p:sp>
+      <p:sp>
+        <p:nvSpPr>
+          <p:cNvPr id="3" name="Content Placeholder 2"/>
+          <p:cNvSpPr>
+            <a:spLocks noGrp="1"/>
+          </p:cNvSpPr>
+          <p:nvPr>
+            <p:ph idx="1"/>
+          </p:nvPr>
+        </p:nvSpPr>
+        <p:spPr/>
+        <p:txBody>
+          <a:bodyPr/>
+          <a:lstStyle/>
+          <a:p>
+            <a:endParaRPr lang="fi-FI"/>
+          </a:p>
+        </p:txBody>
+      </p:sp>
+    </p:spTree>
+    <p:extLst>
+      <p:ext uri="{BB962C8B-B14F-4D97-AF65-F5344CB8AC3E}">
+        <p14:creationId xmlns:p14="http://schemas.microsoft.com/office/powerpoint/2010/main" val="3878504724"/>
+      </p:ext>
+    </p:extLst>
+  </p:cSld>
+  <p:clrMapOvr>
+    <a:masterClrMapping/>
+  </p:clrMapOvr>
+</p:sld>
+</file>
+
+<file path=ppt/slides/slide3.xml><?xml version="1.0" encoding="utf-8"?>
+<p:sld xmlns:a="http://schemas.openxmlformats.org/drawingml/2006/main" xmlns:r="http://schemas.openxmlformats.org/officeDocument/2006/relationships" xmlns:p="http://schemas.openxmlformats.org/presentationml/2006/main">
+  <p:cSld>
+    <p:spTree>
+      <p:nvGrpSpPr>
+        <p:cNvPr id="1" name=""/>
+        <p:cNvGrpSpPr/>
+        <p:nvPr/>
+      </p:nvGrpSpPr>
+      <p:grpSpPr>
+        <a:xfrm>
+          <a:off x="0" y="0"/>
+          <a:ext cx="0" cy="0"/>
+          <a:chOff x="0" y="0"/>
+          <a:chExt cx="0" cy="0"/>
+        </a:xfrm>
+      </p:grpSpPr>
+      <p:sp>
+        <p:nvSpPr>
+          <p:cNvPr id="2" name="Title 1"/>
+          <p:cNvSpPr>
+            <a:spLocks noGrp="1"/>
+          </p:cNvSpPr>
+          <p:nvPr>
+            <p:ph type="title"/>
+          </p:nvPr>
+        </p:nvSpPr>
+        <p:spPr/>
+        <p:txBody>
+          <a:bodyPr/>
+          <a:lstStyle/>
+          <a:p>
+            <a:r>
+              <a:rPr lang="fi-FI" dirty="0" smtClean="0"/>
+              <a:t>Suunnittelupelin vaiheet</a:t>
+            </a:r>
+            <a:endParaRPr lang="fi-FI" dirty="0"/>
+          </a:p>
+        </p:txBody>
+      </p:sp>
+      <p:sp>
+        <p:nvSpPr>
+          <p:cNvPr id="3" name="Content Placeholder 2"/>
+          <p:cNvSpPr>
+            <a:spLocks noGrp="1"/>
+          </p:cNvSpPr>
+          <p:nvPr>
+            <p:ph idx="1"/>
+          </p:nvPr>
+        </p:nvSpPr>
+        <p:spPr/>
+        <p:txBody>
+          <a:bodyPr/>
+          <a:lstStyle/>
+          <a:p>
+            <a:endParaRPr lang="fi-FI"/>
+          </a:p>
+        </p:txBody>
+      </p:sp>
+    </p:spTree>
+    <p:extLst>
+      <p:ext uri="{BB962C8B-B14F-4D97-AF65-F5344CB8AC3E}">
+        <p14:creationId xmlns:p14="http://schemas.microsoft.com/office/powerpoint/2010/main" val="3116802230"/>
+      </p:ext>
+    </p:extLst>
+  </p:cSld>
+  <p:clrMapOvr>
+    <a:masterClrMapping/>
+  </p:clrMapOvr>
+</p:sld>
+</file>
+
+<file path=ppt/slides/slide4.xml><?xml version="1.0" encoding="utf-8"?>
+<p:sld xmlns:a="http://schemas.openxmlformats.org/drawingml/2006/main" xmlns:r="http://schemas.openxmlformats.org/officeDocument/2006/relationships" xmlns:p="http://schemas.openxmlformats.org/presentationml/2006/main">
+  <p:cSld>
+    <p:spTree>
+      <p:nvGrpSpPr>
+        <p:cNvPr id="1" name=""/>
+        <p:cNvGrpSpPr/>
+        <p:nvPr/>
+      </p:nvGrpSpPr>
+      <p:grpSpPr>
+        <a:xfrm>
+          <a:off x="0" y="0"/>
+          <a:ext cx="0" cy="0"/>
+          <a:chOff x="0" y="0"/>
+          <a:chExt cx="0" cy="0"/>
+        </a:xfrm>
+      </p:grpSpPr>
+      <p:sp>
+        <p:nvSpPr>
+          <p:cNvPr id="2" name="Title 1"/>
+          <p:cNvSpPr>
+            <a:spLocks noGrp="1"/>
+          </p:cNvSpPr>
+          <p:nvPr>
+            <p:ph type="title"/>
+          </p:nvPr>
+        </p:nvSpPr>
+        <p:spPr/>
+        <p:txBody>
+          <a:bodyPr/>
+          <a:lstStyle/>
+          <a:p>
+            <a:r>
+              <a:rPr lang="fi-FI" dirty="0" smtClean="0"/>
+              <a:t>Yksinkertaiset vaatimukset</a:t>
+            </a:r>
+            <a:endParaRPr lang="fi-FI" dirty="0"/>
+          </a:p>
+        </p:txBody>
+      </p:sp>
+      <p:sp>
+        <p:nvSpPr>
+          <p:cNvPr id="3" name="Content Placeholder 2"/>
+          <p:cNvSpPr>
+            <a:spLocks noGrp="1"/>
+          </p:cNvSpPr>
+          <p:nvPr>
+            <p:ph idx="1"/>
+          </p:nvPr>
+        </p:nvSpPr>
+        <p:spPr/>
+        <p:txBody>
+          <a:bodyPr/>
+          <a:lstStyle/>
+          <a:p>
+            <a:endParaRPr lang="fi-FI"/>
+          </a:p>
+        </p:txBody>
+      </p:sp>
+    </p:spTree>
+    <p:extLst>
+      <p:ext uri="{BB962C8B-B14F-4D97-AF65-F5344CB8AC3E}">
+        <p14:creationId xmlns:p14="http://schemas.microsoft.com/office/powerpoint/2010/main" val="43202186"/>
+      </p:ext>
+    </p:extLst>
+  </p:cSld>
+  <p:clrMapOvr>
+    <a:masterClrMapping/>
+  </p:clrMapOvr>
+</p:sld>
+</file>
+
+<file path=ppt/slides/slide5.xml><?xml version="1.0" encoding="utf-8"?>
+<p:sld xmlns:a="http://schemas.openxmlformats.org/drawingml/2006/main" xmlns:r="http://schemas.openxmlformats.org/officeDocument/2006/relationships" xmlns:p="http://schemas.openxmlformats.org/presentationml/2006/main">
+  <p:cSld>
+    <p:spTree>
+      <p:nvGrpSpPr>
+        <p:cNvPr id="1" name=""/>
+        <p:cNvGrpSpPr/>
+        <p:nvPr/>
+      </p:nvGrpSpPr>
+      <p:grpSpPr>
+        <a:xfrm>
+          <a:off x="0" y="0"/>
+          <a:ext cx="0" cy="0"/>
+          <a:chOff x="0" y="0"/>
+          <a:chExt cx="0" cy="0"/>
+        </a:xfrm>
+      </p:grpSpPr>
+      <p:sp>
+        <p:nvSpPr>
+          <p:cNvPr id="2" name="Title 1"/>
+          <p:cNvSpPr>
+            <a:spLocks noGrp="1"/>
+          </p:cNvSpPr>
+          <p:nvPr>
+            <p:ph type="title"/>
+          </p:nvPr>
+        </p:nvSpPr>
+        <p:spPr/>
+        <p:txBody>
+          <a:bodyPr/>
+          <a:lstStyle/>
+          <a:p>
+            <a:r>
+              <a:rPr lang="fi-FI" dirty="0" smtClean="0"/>
+              <a:t>Pienet julistukset</a:t>
+            </a:r>
+            <a:endParaRPr lang="fi-FI" dirty="0"/>
+          </a:p>
+        </p:txBody>
+      </p:sp>
+      <p:sp>
+        <p:nvSpPr>
+          <p:cNvPr id="3" name="Content Placeholder 2"/>
+          <p:cNvSpPr>
+            <a:spLocks noGrp="1"/>
+          </p:cNvSpPr>
+          <p:nvPr>
+            <p:ph idx="1"/>
+          </p:nvPr>
+        </p:nvSpPr>
+        <p:spPr/>
+        <p:txBody>
+          <a:bodyPr/>
+          <a:lstStyle/>
+          <a:p>
+            <a:endParaRPr lang="fi-FI"/>
+          </a:p>
+        </p:txBody>
+      </p:sp>
+    </p:spTree>
+    <p:extLst>
+      <p:ext uri="{BB962C8B-B14F-4D97-AF65-F5344CB8AC3E}">
+        <p14:creationId xmlns:p14="http://schemas.microsoft.com/office/powerpoint/2010/main" val="1775013853"/>
+      </p:ext>
+    </p:extLst>
+  </p:cSld>
+  <p:clrMapOvr>
+    <a:masterClrMapping/>
+  </p:clrMapOvr>
+</p:sld>
+</file>
+
+<file path=ppt/slides/slide6.xml><?xml version="1.0" encoding="utf-8"?>
+<p:sld xmlns:a="http://schemas.openxmlformats.org/drawingml/2006/main" xmlns:r="http://schemas.openxmlformats.org/officeDocument/2006/relationships" xmlns:p="http://schemas.openxmlformats.org/presentationml/2006/main">
+  <p:cSld>
+    <p:spTree>
+      <p:nvGrpSpPr>
+        <p:cNvPr id="1" name=""/>
+        <p:cNvGrpSpPr/>
+        <p:nvPr/>
+      </p:nvGrpSpPr>
+      <p:grpSpPr>
+        <a:xfrm>
+          <a:off x="0" y="0"/>
+          <a:ext cx="0" cy="0"/>
+          <a:chOff x="0" y="0"/>
+          <a:chExt cx="0" cy="0"/>
+        </a:xfrm>
+      </p:grpSpPr>
+      <p:sp>
+        <p:nvSpPr>
+          <p:cNvPr id="2" name="Title 1"/>
+          <p:cNvSpPr>
+            <a:spLocks noGrp="1"/>
+          </p:cNvSpPr>
+          <p:nvPr>
+            <p:ph type="title"/>
+          </p:nvPr>
+        </p:nvSpPr>
+        <p:spPr/>
+        <p:txBody>
+          <a:bodyPr/>
+          <a:lstStyle/>
+          <a:p>
+            <a:r>
+              <a:rPr lang="fi-FI" dirty="0" smtClean="0"/>
+              <a:t>Pariohjelmointi</a:t>
+            </a:r>
+            <a:endParaRPr lang="fi-FI" dirty="0"/>
+          </a:p>
+        </p:txBody>
+      </p:sp>
+      <p:sp>
+        <p:nvSpPr>
+          <p:cNvPr id="3" name="Content Placeholder 2"/>
+          <p:cNvSpPr>
+            <a:spLocks noGrp="1"/>
+          </p:cNvSpPr>
+          <p:nvPr>
+            <p:ph idx="1"/>
+          </p:nvPr>
+        </p:nvSpPr>
+        <p:spPr/>
+        <p:txBody>
+          <a:bodyPr/>
+          <a:lstStyle/>
+          <a:p>
+            <a:endParaRPr lang="fi-FI"/>
+          </a:p>
+        </p:txBody>
+      </p:sp>
+    </p:spTree>
+    <p:extLst>
+      <p:ext uri="{BB962C8B-B14F-4D97-AF65-F5344CB8AC3E}">
+        <p14:creationId xmlns:p14="http://schemas.microsoft.com/office/powerpoint/2010/main" val="1529836227"/>
+      </p:ext>
+    </p:extLst>
+  </p:cSld>
+  <p:clrMapOvr>
+    <a:masterClrMapping/>
+  </p:clrMapOvr>
+</p:sld>
+</file>
+
+<file path=ppt/slides/slide7.xml><?xml version="1.0" encoding="utf-8"?>
+<p:sld xmlns:a="http://schemas.openxmlformats.org/drawingml/2006/main" xmlns:r="http://schemas.openxmlformats.org/officeDocument/2006/relationships" xmlns:p="http://schemas.openxmlformats.org/presentationml/2006/main">
+  <p:cSld>
+    <p:spTree>
+      <p:nvGrpSpPr>
+        <p:cNvPr id="1" name=""/>
+        <p:cNvGrpSpPr/>
+        <p:nvPr/>
+      </p:nvGrpSpPr>
+      <p:grpSpPr>
+        <a:xfrm>
+          <a:off x="0" y="0"/>
+          <a:ext cx="0" cy="0"/>
+          <a:chOff x="0" y="0"/>
+          <a:chExt cx="0" cy="0"/>
+        </a:xfrm>
+      </p:grpSpPr>
+      <p:sp>
+        <p:nvSpPr>
+          <p:cNvPr id="2" name="Title 1"/>
+          <p:cNvSpPr>
+            <a:spLocks noGrp="1"/>
+          </p:cNvSpPr>
+          <p:nvPr>
+            <p:ph type="title"/>
+          </p:nvPr>
+        </p:nvSpPr>
+        <p:spPr/>
+        <p:txBody>
+          <a:bodyPr/>
+          <a:lstStyle/>
+          <a:p>
+            <a:r>
+              <a:rPr lang="fi-FI" dirty="0" smtClean="0"/>
+              <a:t>Koodin yhteisomistus</a:t>
+            </a:r>
+            <a:endParaRPr lang="fi-FI" dirty="0"/>
+          </a:p>
+        </p:txBody>
+      </p:sp>
+      <p:sp>
+        <p:nvSpPr>
+          <p:cNvPr id="3" name="Content Placeholder 2"/>
+          <p:cNvSpPr>
+            <a:spLocks noGrp="1"/>
+          </p:cNvSpPr>
+          <p:nvPr>
+            <p:ph idx="1"/>
+          </p:nvPr>
+        </p:nvSpPr>
+        <p:spPr/>
+        <p:txBody>
+          <a:bodyPr/>
+          <a:lstStyle/>
+          <a:p>
+            <a:endParaRPr lang="fi-FI"/>
+          </a:p>
+        </p:txBody>
+      </p:sp>
+    </p:spTree>
+    <p:extLst>
+      <p:ext uri="{BB962C8B-B14F-4D97-AF65-F5344CB8AC3E}">
+        <p14:creationId xmlns:p14="http://schemas.microsoft.com/office/powerpoint/2010/main" val="1198949696"/>
+      </p:ext>
+    </p:extLst>
+  </p:cSld>
+  <p:clrMapOvr>
+    <a:masterClrMapping/>
+  </p:clrMapOvr>
+</p:sld>
+</file>
+
+<file path=ppt/slides/slide8.xml><?xml version="1.0" encoding="utf-8"?>
+<p:sld xmlns:a="http://schemas.openxmlformats.org/drawingml/2006/main" xmlns:r="http://schemas.openxmlformats.org/officeDocument/2006/relationships" xmlns:p="http://schemas.openxmlformats.org/presentationml/2006/main">
+  <p:cSld>
+    <p:spTree>
+      <p:nvGrpSpPr>
+        <p:cNvPr id="1" name=""/>
+        <p:cNvGrpSpPr/>
+        <p:nvPr/>
+      </p:nvGrpSpPr>
+      <p:grpSpPr>
+        <a:xfrm>
+          <a:off x="0" y="0"/>
+          <a:ext cx="0" cy="0"/>
+          <a:chOff x="0" y="0"/>
+          <a:chExt cx="0" cy="0"/>
+        </a:xfrm>
+      </p:grpSpPr>
+      <p:sp>
+        <p:nvSpPr>
+          <p:cNvPr id="2" name="Title 1"/>
+          <p:cNvSpPr>
+            <a:spLocks noGrp="1"/>
+          </p:cNvSpPr>
+          <p:nvPr>
+            <p:ph type="title"/>
+          </p:nvPr>
+        </p:nvSpPr>
+        <p:spPr/>
+        <p:txBody>
+          <a:bodyPr/>
+          <a:lstStyle/>
+          <a:p>
+            <a:r>
+              <a:rPr lang="fi-FI" dirty="0" smtClean="0"/>
+              <a:t>Vertauskuva</a:t>
+            </a:r>
+            <a:endParaRPr lang="fi-FI" dirty="0"/>
+          </a:p>
+        </p:txBody>
+      </p:sp>
+      <p:sp>
+        <p:nvSpPr>
+          <p:cNvPr id="3" name="Content Placeholder 2"/>
+          <p:cNvSpPr>
+            <a:spLocks noGrp="1"/>
+          </p:cNvSpPr>
+          <p:nvPr>
+            <p:ph idx="1"/>
+          </p:nvPr>
+        </p:nvSpPr>
+        <p:spPr/>
+        <p:txBody>
+          <a:bodyPr/>
+          <a:lstStyle/>
+          <a:p>
+            <a:endParaRPr lang="fi-FI"/>
+          </a:p>
+        </p:txBody>
+      </p:sp>
+    </p:spTree>
+    <p:extLst>
+      <p:ext uri="{BB962C8B-B14F-4D97-AF65-F5344CB8AC3E}">
+        <p14:creationId xmlns:p14="http://schemas.microsoft.com/office/powerpoint/2010/main" val="1769504006"/>
+      </p:ext>
+    </p:extLst>
+  </p:cSld>
+  <p:clrMapOvr>
+    <a:masterClrMapping/>
+  </p:clrMapOvr>
+</p:sld>
+</file>
+
 <file path=ppt/theme/theme1.xml><?xml version="1.0" encoding="utf-8"?>
-<a:theme xmlns:a="http://schemas.openxmlformats.org/drawingml/2006/main" name="Office Theme">
+<a:theme xmlns:a="http://schemas.openxmlformats.org/drawingml/2006/main" name="View">
   <a:themeElements>
-    <a:clrScheme name="Office">
+    <a:clrScheme name="View">
       <a:dk1>
         <a:sysClr val="windowText" lastClr="000000"/>
       </a:dk1>
@@ -3038,83 +4030,48 @@
         <a:sysClr val="window" lastClr="FFFFFF"/>
       </a:lt1>
       <a:dk2>
-        <a:srgbClr val="44546A"/>
+        <a:srgbClr val="564B3C"/>
       </a:dk2>
       <a:lt2>
-        <a:srgbClr val="E7E6E6"/>
+        <a:srgbClr val="ECEDD1"/>
       </a:lt2>
       <a:accent1>
-        <a:srgbClr val="5B9BD5"/>
+        <a:srgbClr val="93A299"/>
       </a:accent1>
       <a:accent2>
-        <a:srgbClr val="ED7D31"/>
+        <a:srgbClr val="CB4B30"/>
       </a:accent2>
       <a:accent3>
-        <a:srgbClr val="A5A5A5"/>
+        <a:srgbClr val="B5AE53"/>
       </a:accent3>
       <a:accent4>
-        <a:srgbClr val="FFC000"/>
+        <a:srgbClr val="6F6A7A"/>
       </a:accent4>
       <a:accent5>
-        <a:srgbClr val="4472C4"/>
+        <a:srgbClr val="E8B54D"/>
       </a:accent5>
       <a:accent6>
-        <a:srgbClr val="70AD47"/>
+        <a:srgbClr val="8A7952"/>
       </a:accent6>
       <a:hlink>
-        <a:srgbClr val="0563C1"/>
+        <a:srgbClr val="9F9F0B"/>
       </a:hlink>
       <a:folHlink>
-        <a:srgbClr val="954F72"/>
+        <a:srgbClr val="B2B2B2"/>
       </a:folHlink>
     </a:clrScheme>
-    <a:fontScheme name="Office">
+    <a:fontScheme name="View">
       <a:majorFont>
-        <a:latin typeface="Calibri Light" panose="020F0302020204030204"/>
+        <a:latin typeface="Century Schoolbook" panose="02040604050505020304"/>
         <a:ea typeface=""/>
         <a:cs typeface=""/>
-        <a:font script="Jpan" typeface="游ゴシック Light"/>
+        <a:font script="Jpan" typeface="ＭＳ ゴシック"/>
         <a:font script="Hang" typeface="맑은 고딕"/>
-        <a:font script="Hans" typeface="等线 Light"/>
+        <a:font script="Hans" typeface="宋体"/>
         <a:font script="Hant" typeface="新細明體"/>
-        <a:font script="Arab" typeface="Times New Roman"/>
-        <a:font script="Hebr" typeface="Times New Roman"/>
-        <a:font script="Thai" typeface="Angsana New"/>
-        <a:font script="Ethi" typeface="Nyala"/>
-        <a:font script="Beng" typeface="Vrinda"/>
-        <a:font script="Gujr" typeface="Shruti"/>
-        <a:font script="Khmr" typeface="MoolBoran"/>
-        <a:font script="Knda" typeface="Tunga"/>
-        <a:font script="Guru" typeface="Raavi"/>
-        <a:font script="Cans" typeface="Euphemia"/>
-        <a:font script="Cher" typeface="Plantagenet Cherokee"/>
-        <a:font script="Yiii" typeface="Microsoft Yi Baiti"/>
-        <a:font script="Tibt" typeface="Microsoft Himalaya"/>
-        <a:font script="Thaa" typeface="MV Boli"/>
-        <a:font script="Deva" typeface="Mangal"/>
-        <a:font script="Telu" typeface="Gautami"/>
-        <a:font script="Taml" typeface="Latha"/>
-        <a:font script="Syrc" typeface="Estrangelo Edessa"/>
-        <a:font script="Orya" typeface="Kalinga"/>
-        <a:font script="Mlym" typeface="Kartika"/>
-        <a:font script="Laoo" typeface="DokChampa"/>
-        <a:font script="Sinh" typeface="Iskoola Pota"/>
-        <a:font script="Mong" typeface="Mongolian Baiti"/>
-        <a:font script="Viet" typeface="Times New Roman"/>
-        <a:font script="Uigh" typeface="Microsoft Uighur"/>
-        <a:font script="Geor" typeface="Sylfaen"/>
-      </a:majorFont>
-      <a:minorFont>
-        <a:latin typeface="Calibri" panose="020F0502020204030204"/>
-        <a:ea typeface=""/>
-        <a:cs typeface=""/>
-        <a:font script="Jpan" typeface="游ゴシック"/>
-        <a:font script="Hang" typeface="맑은 고딕"/>
-        <a:font script="Hans" typeface="等线"/>
-        <a:font script="Hant" typeface="新細明體"/>
-        <a:font script="Arab" typeface="Arial"/>
-        <a:font script="Hebr" typeface="Arial"/>
-        <a:font script="Thai" typeface="Cordia New"/>
+        <a:font script="Arab" typeface="Tahoma"/>
+        <a:font script="Hebr" typeface="Gisha"/>
+        <a:font script="Thai" typeface="DilleniaUPC"/>
         <a:font script="Ethi" typeface="Nyala"/>
         <a:font script="Beng" typeface="Vrinda"/>
         <a:font script="Gujr" typeface="Shruti"/>
@@ -3135,90 +4092,86 @@
         <a:font script="Laoo" typeface="DokChampa"/>
         <a:font script="Sinh" typeface="Iskoola Pota"/>
         <a:font script="Mong" typeface="Mongolian Baiti"/>
-        <a:font script="Viet" typeface="Arial"/>
+        <a:font script="Viet" typeface="Tahoma"/>
+        <a:font script="Uigh" typeface="Microsoft Uighur"/>
+        <a:font script="Geor" typeface="Sylfaen"/>
+      </a:majorFont>
+      <a:minorFont>
+        <a:latin typeface="Century Schoolbook" panose="02040604050505020304"/>
+        <a:ea typeface=""/>
+        <a:cs typeface=""/>
+        <a:font script="Jpan" typeface="ＭＳ ゴシック"/>
+        <a:font script="Hang" typeface="맑은 고딕"/>
+        <a:font script="Hans" typeface="宋体"/>
+        <a:font script="Hant" typeface="新細明體"/>
+        <a:font script="Arab" typeface="Tahoma"/>
+        <a:font script="Hebr" typeface="Gisha"/>
+        <a:font script="Thai" typeface="DilleniaUPC"/>
+        <a:font script="Ethi" typeface="Nyala"/>
+        <a:font script="Beng" typeface="Vrinda"/>
+        <a:font script="Gujr" typeface="Shruti"/>
+        <a:font script="Khmr" typeface="DaunPenh"/>
+        <a:font script="Knda" typeface="Tunga"/>
+        <a:font script="Guru" typeface="Raavi"/>
+        <a:font script="Cans" typeface="Euphemia"/>
+        <a:font script="Cher" typeface="Plantagenet Cherokee"/>
+        <a:font script="Yiii" typeface="Microsoft Yi Baiti"/>
+        <a:font script="Tibt" typeface="Microsoft Himalaya"/>
+        <a:font script="Thaa" typeface="MV Boli"/>
+        <a:font script="Deva" typeface="Mangal"/>
+        <a:font script="Telu" typeface="Gautami"/>
+        <a:font script="Taml" typeface="Latha"/>
+        <a:font script="Syrc" typeface="Estrangelo Edessa"/>
+        <a:font script="Orya" typeface="Kalinga"/>
+        <a:font script="Mlym" typeface="Kartika"/>
+        <a:font script="Laoo" typeface="DokChampa"/>
+        <a:font script="Sinh" typeface="Iskoola Pota"/>
+        <a:font script="Mong" typeface="Mongolian Baiti"/>
+        <a:font script="Viet" typeface="Verdana"/>
         <a:font script="Uigh" typeface="Microsoft Uighur"/>
         <a:font script="Geor" typeface="Sylfaen"/>
       </a:minorFont>
     </a:fontScheme>
-    <a:fmtScheme name="Office">
+    <a:fmtScheme name="View">
       <a:fillStyleLst>
         <a:solidFill>
           <a:schemeClr val="phClr"/>
         </a:solidFill>
-        <a:gradFill rotWithShape="1">
-          <a:gsLst>
-            <a:gs pos="0">
-              <a:schemeClr val="phClr">
-                <a:lumMod val="110000"/>
-                <a:satMod val="105000"/>
-                <a:tint val="67000"/>
-              </a:schemeClr>
-            </a:gs>
-            <a:gs pos="50000">
-              <a:schemeClr val="phClr">
-                <a:lumMod val="105000"/>
-                <a:satMod val="103000"/>
-                <a:tint val="73000"/>
-              </a:schemeClr>
-            </a:gs>
-            <a:gs pos="100000">
-              <a:schemeClr val="phClr">
-                <a:lumMod val="105000"/>
-                <a:satMod val="109000"/>
-                <a:tint val="81000"/>
-              </a:schemeClr>
-            </a:gs>
-          </a:gsLst>
-          <a:lin ang="5400000" scaled="0"/>
-        </a:gradFill>
-        <a:gradFill rotWithShape="1">
-          <a:gsLst>
-            <a:gs pos="0">
-              <a:schemeClr val="phClr">
-                <a:satMod val="103000"/>
-                <a:lumMod val="102000"/>
-                <a:tint val="94000"/>
-              </a:schemeClr>
-            </a:gs>
-            <a:gs pos="50000">
-              <a:schemeClr val="phClr">
-                <a:satMod val="110000"/>
-                <a:lumMod val="100000"/>
-                <a:shade val="100000"/>
-              </a:schemeClr>
-            </a:gs>
-            <a:gs pos="100000">
-              <a:schemeClr val="phClr">
-                <a:lumMod val="99000"/>
-                <a:satMod val="120000"/>
-                <a:shade val="78000"/>
-              </a:schemeClr>
-            </a:gs>
-          </a:gsLst>
-          <a:lin ang="5400000" scaled="0"/>
-        </a:gradFill>
+        <a:solidFill>
+          <a:schemeClr val="phClr">
+            <a:tint val="60000"/>
+            <a:satMod val="120000"/>
+          </a:schemeClr>
+        </a:solidFill>
+        <a:solidFill>
+          <a:schemeClr val="phClr">
+            <a:shade val="75000"/>
+            <a:satMod val="130000"/>
+          </a:schemeClr>
+        </a:solidFill>
       </a:fillStyleLst>
       <a:lnStyleLst>
-        <a:ln w="6350" cap="flat" cmpd="sng" algn="ctr">
+        <a:ln w="9525" cap="flat" cmpd="sng" algn="ctr">
           <a:solidFill>
             <a:schemeClr val="phClr"/>
           </a:solidFill>
           <a:prstDash val="solid"/>
-          <a:miter lim="800000"/>
         </a:ln>
-        <a:ln w="12700" cap="flat" cmpd="sng" algn="ctr">
+        <a:ln w="13970" cap="flat" cmpd="sng" algn="ctr">
           <a:solidFill>
             <a:schemeClr val="phClr"/>
           </a:solidFill>
           <a:prstDash val="solid"/>
-          <a:miter lim="800000"/>
         </a:ln>
-        <a:ln w="19050" cap="flat" cmpd="sng" algn="ctr">
+        <a:ln w="17145" cap="flat" cmpd="sng" algn="ctr">
           <a:solidFill>
-            <a:schemeClr val="phClr"/>
+            <a:schemeClr val="phClr">
+              <a:shade val="95000"/>
+              <a:alpha val="95000"/>
+              <a:satMod val="150000"/>
+            </a:schemeClr>
           </a:solidFill>
           <a:prstDash val="solid"/>
-          <a:miter lim="800000"/>
         </a:ln>
       </a:lnStyleLst>
       <a:effectStyleLst>
@@ -3226,16 +4179,52 @@
           <a:effectLst/>
         </a:effectStyle>
         <a:effectStyle>
-          <a:effectLst/>
+          <a:effectLst>
+            <a:outerShdw blurRad="50800" dist="15240" dir="5400000" algn="tl" rotWithShape="0">
+              <a:srgbClr val="000000">
+                <a:alpha val="75000"/>
+              </a:srgbClr>
+            </a:outerShdw>
+          </a:effectLst>
+          <a:scene3d>
+            <a:camera prst="orthographicFront">
+              <a:rot lat="0" lon="0" rev="0"/>
+            </a:camera>
+            <a:lightRig rig="brightRoom" dir="tl"/>
+          </a:scene3d>
+          <a:sp3d contourW="9525" prstMaterial="flat">
+            <a:bevelT w="0" h="0" prst="coolSlant"/>
+            <a:contourClr>
+              <a:schemeClr val="phClr">
+                <a:shade val="35000"/>
+                <a:satMod val="130000"/>
+              </a:schemeClr>
+            </a:contourClr>
+          </a:sp3d>
         </a:effectStyle>
         <a:effectStyle>
           <a:effectLst>
-            <a:outerShdw blurRad="57150" dist="19050" dir="5400000" algn="ctr" rotWithShape="0">
+            <a:outerShdw blurRad="76200" dist="25400" dir="5400000" algn="tl" rotWithShape="0">
               <a:srgbClr val="000000">
-                <a:alpha val="63000"/>
+                <a:alpha val="55000"/>
               </a:srgbClr>
             </a:outerShdw>
           </a:effectLst>
+          <a:scene3d>
+            <a:camera prst="orthographicFront">
+              <a:rot lat="0" lon="0" rev="0"/>
+            </a:camera>
+            <a:lightRig rig="brightRoom" dir="tl"/>
+          </a:scene3d>
+          <a:sp3d contourW="19050" prstMaterial="flat">
+            <a:bevelT w="0" h="0" prst="coolSlant"/>
+            <a:contourClr>
+              <a:schemeClr val="phClr">
+                <a:shade val="35000"/>
+                <a:satMod val="140000"/>
+              </a:schemeClr>
+            </a:contourClr>
+          </a:sp3d>
         </a:effectStyle>
       </a:effectStyleLst>
       <a:bgFillStyleLst>
@@ -3252,28 +4241,23 @@
           <a:gsLst>
             <a:gs pos="0">
               <a:schemeClr val="phClr">
-                <a:tint val="93000"/>
-                <a:satMod val="150000"/>
+                <a:tint val="94000"/>
                 <a:shade val="98000"/>
+                <a:satMod val="130000"/>
                 <a:lumMod val="102000"/>
-              </a:schemeClr>
-            </a:gs>
-            <a:gs pos="50000">
-              <a:schemeClr val="phClr">
-                <a:tint val="98000"/>
-                <a:satMod val="130000"/>
-                <a:shade val="90000"/>
-                <a:lumMod val="103000"/>
               </a:schemeClr>
             </a:gs>
             <a:gs pos="100000">
               <a:schemeClr val="phClr">
-                <a:shade val="63000"/>
-                <a:satMod val="120000"/>
+                <a:tint val="98000"/>
+                <a:shade val="78000"/>
+                <a:satMod val="140000"/>
               </a:schemeClr>
             </a:gs>
           </a:gsLst>
-          <a:lin ang="5400000" scaled="0"/>
+          <a:path path="circle">
+            <a:fillToRect l="100000" t="100000" r="100000" b="100000"/>
+          </a:path>
         </a:gradFill>
       </a:bgFillStyleLst>
     </a:fmtScheme>
@@ -3282,7 +4266,7 @@
   <a:extraClrSchemeLst/>
   <a:extLst>
     <a:ext uri="{05A4C25C-085E-4340-85A3-A5531E510DB2}">
-      <thm15:themeFamily xmlns:thm15="http://schemas.microsoft.com/office/thememl/2012/main" name="Office Theme" id="{62F939B6-93AF-4DB8-9C6B-D6C7DFDC589F}" vid="{4A3C46E8-61CC-4603-A589-7422A47A8E4A}"/>
+      <thm15:themeFamily xmlns:thm15="http://schemas.microsoft.com/office/thememl/2012/main" name="View" id="{BA0EB5A6-F2D4-4F82-977B-64ADEE4A2A69}" vid="{3866257B-E5CE-4C43-9210-F2DE76BE10B5}"/>
     </a:ext>
   </a:extLst>
 </a:theme>

--- a/Ryhmatyo.pptx
+++ b/Ryhmatyo.pptx
@@ -13,6 +13,7 @@
     <p:sldId id="260" r:id="rId7"/>
     <p:sldId id="261" r:id="rId8"/>
     <p:sldId id="262" r:id="rId9"/>
+    <p:sldId id="264" r:id="rId10"/>
   </p:sldIdLst>
   <p:sldSz cx="12192000" cy="6858000"/>
   <p:notesSz cx="6858000" cy="9144000"/>
@@ -4019,6 +4020,78 @@
 </p:sld>
 </file>
 
+<file path=ppt/slides/slide9.xml><?xml version="1.0" encoding="utf-8"?>
+<p:sld xmlns:a="http://schemas.openxmlformats.org/drawingml/2006/main" xmlns:r="http://schemas.openxmlformats.org/officeDocument/2006/relationships" xmlns:p="http://schemas.openxmlformats.org/presentationml/2006/main">
+  <p:cSld>
+    <p:spTree>
+      <p:nvGrpSpPr>
+        <p:cNvPr id="1" name=""/>
+        <p:cNvGrpSpPr/>
+        <p:nvPr/>
+      </p:nvGrpSpPr>
+      <p:grpSpPr>
+        <a:xfrm>
+          <a:off x="0" y="0"/>
+          <a:ext cx="0" cy="0"/>
+          <a:chOff x="0" y="0"/>
+          <a:chExt cx="0" cy="0"/>
+        </a:xfrm>
+      </p:grpSpPr>
+      <p:sp>
+        <p:nvSpPr>
+          <p:cNvPr id="2" name="Title 1"/>
+          <p:cNvSpPr>
+            <a:spLocks noGrp="1"/>
+          </p:cNvSpPr>
+          <p:nvPr>
+            <p:ph type="title"/>
+          </p:nvPr>
+        </p:nvSpPr>
+        <p:spPr/>
+        <p:txBody>
+          <a:bodyPr/>
+          <a:lstStyle/>
+          <a:p>
+            <a:r>
+              <a:rPr lang="fi-FI" dirty="0" smtClean="0"/>
+              <a:t>Lähteet</a:t>
+            </a:r>
+            <a:endParaRPr lang="fi-FI" dirty="0"/>
+          </a:p>
+        </p:txBody>
+      </p:sp>
+      <p:sp>
+        <p:nvSpPr>
+          <p:cNvPr id="3" name="Content Placeholder 2"/>
+          <p:cNvSpPr>
+            <a:spLocks noGrp="1"/>
+          </p:cNvSpPr>
+          <p:nvPr>
+            <p:ph idx="1"/>
+          </p:nvPr>
+        </p:nvSpPr>
+        <p:spPr/>
+        <p:txBody>
+          <a:bodyPr/>
+          <a:lstStyle/>
+          <a:p>
+            <a:endParaRPr lang="fi-FI"/>
+          </a:p>
+        </p:txBody>
+      </p:sp>
+    </p:spTree>
+    <p:extLst>
+      <p:ext uri="{BB962C8B-B14F-4D97-AF65-F5344CB8AC3E}">
+        <p14:creationId xmlns:p14="http://schemas.microsoft.com/office/powerpoint/2010/main" val="2890775"/>
+      </p:ext>
+    </p:extLst>
+  </p:cSld>
+  <p:clrMapOvr>
+    <a:masterClrMapping/>
+  </p:clrMapOvr>
+</p:sld>
+</file>
+
 <file path=ppt/theme/theme1.xml><?xml version="1.0" encoding="utf-8"?>
 <a:theme xmlns:a="http://schemas.openxmlformats.org/drawingml/2006/main" name="View">
   <a:themeElements>

--- a/Ryhmatyo.pptx
+++ b/Ryhmatyo.pptx
@@ -4,6 +4,9 @@
   <p:sldMasterIdLst>
     <p:sldMasterId id="2147483786" r:id="rId1"/>
   </p:sldMasterIdLst>
+  <p:notesMasterIdLst>
+    <p:notesMasterId r:id="rId11"/>
+  </p:notesMasterIdLst>
   <p:sldIdLst>
     <p:sldId id="256" r:id="rId2"/>
     <p:sldId id="257" r:id="rId3"/>
@@ -113,6 +116,356 @@
     </a:lvl9pPr>
   </p:defaultTextStyle>
 </p:presentation>
+</file>
+
+<file path=ppt/notesMasters/notesMaster1.xml><?xml version="1.0" encoding="utf-8"?>
+<p:notesMaster xmlns:a="http://schemas.openxmlformats.org/drawingml/2006/main" xmlns:r="http://schemas.openxmlformats.org/officeDocument/2006/relationships" xmlns:p="http://schemas.openxmlformats.org/presentationml/2006/main">
+  <p:cSld>
+    <p:bg>
+      <p:bgRef idx="1001">
+        <a:schemeClr val="bg1"/>
+      </p:bgRef>
+    </p:bg>
+    <p:spTree>
+      <p:nvGrpSpPr>
+        <p:cNvPr id="1" name=""/>
+        <p:cNvGrpSpPr/>
+        <p:nvPr/>
+      </p:nvGrpSpPr>
+      <p:grpSpPr>
+        <a:xfrm>
+          <a:off x="0" y="0"/>
+          <a:ext cx="0" cy="0"/>
+          <a:chOff x="0" y="0"/>
+          <a:chExt cx="0" cy="0"/>
+        </a:xfrm>
+      </p:grpSpPr>
+      <p:sp>
+        <p:nvSpPr>
+          <p:cNvPr id="2" name="Header Placeholder 1"/>
+          <p:cNvSpPr>
+            <a:spLocks noGrp="1"/>
+          </p:cNvSpPr>
+          <p:nvPr>
+            <p:ph type="hdr" sz="quarter"/>
+          </p:nvPr>
+        </p:nvSpPr>
+        <p:spPr>
+          <a:xfrm>
+            <a:off x="0" y="0"/>
+            <a:ext cx="2971800" cy="458788"/>
+          </a:xfrm>
+          <a:prstGeom prst="rect">
+            <a:avLst/>
+          </a:prstGeom>
+        </p:spPr>
+        <p:txBody>
+          <a:bodyPr vert="horz" lIns="91440" tIns="45720" rIns="91440" bIns="45720" rtlCol="0"/>
+          <a:lstStyle>
+            <a:lvl1pPr algn="l">
+              <a:defRPr sz="1200"/>
+            </a:lvl1pPr>
+          </a:lstStyle>
+          <a:p>
+            <a:endParaRPr lang="fi-FI"/>
+          </a:p>
+        </p:txBody>
+      </p:sp>
+      <p:sp>
+        <p:nvSpPr>
+          <p:cNvPr id="3" name="Date Placeholder 2"/>
+          <p:cNvSpPr>
+            <a:spLocks noGrp="1"/>
+          </p:cNvSpPr>
+          <p:nvPr>
+            <p:ph type="dt" idx="1"/>
+          </p:nvPr>
+        </p:nvSpPr>
+        <p:spPr>
+          <a:xfrm>
+            <a:off x="3884613" y="0"/>
+            <a:ext cx="2971800" cy="458788"/>
+          </a:xfrm>
+          <a:prstGeom prst="rect">
+            <a:avLst/>
+          </a:prstGeom>
+        </p:spPr>
+        <p:txBody>
+          <a:bodyPr vert="horz" lIns="91440" tIns="45720" rIns="91440" bIns="45720" rtlCol="0"/>
+          <a:lstStyle>
+            <a:lvl1pPr algn="r">
+              <a:defRPr sz="1200"/>
+            </a:lvl1pPr>
+          </a:lstStyle>
+          <a:p>
+            <a:fld id="{6D91C679-C82D-4BA1-89A6-ABFD67746FDD}" type="datetimeFigureOut">
+              <a:rPr lang="fi-FI" smtClean="0"/>
+              <a:t>15.8.2018</a:t>
+            </a:fld>
+            <a:endParaRPr lang="fi-FI"/>
+          </a:p>
+        </p:txBody>
+      </p:sp>
+      <p:sp>
+        <p:nvSpPr>
+          <p:cNvPr id="4" name="Slide Image Placeholder 3"/>
+          <p:cNvSpPr>
+            <a:spLocks noGrp="1" noRot="1" noChangeAspect="1"/>
+          </p:cNvSpPr>
+          <p:nvPr>
+            <p:ph type="sldImg" idx="2"/>
+          </p:nvPr>
+        </p:nvSpPr>
+        <p:spPr>
+          <a:xfrm>
+            <a:off x="685800" y="1143000"/>
+            <a:ext cx="5486400" cy="3086100"/>
+          </a:xfrm>
+          <a:prstGeom prst="rect">
+            <a:avLst/>
+          </a:prstGeom>
+          <a:noFill/>
+          <a:ln w="12700">
+            <a:solidFill>
+              <a:prstClr val="black"/>
+            </a:solidFill>
+          </a:ln>
+        </p:spPr>
+        <p:txBody>
+          <a:bodyPr vert="horz" lIns="91440" tIns="45720" rIns="91440" bIns="45720" rtlCol="0" anchor="ctr"/>
+          <a:lstStyle/>
+          <a:p>
+            <a:endParaRPr lang="fi-FI"/>
+          </a:p>
+        </p:txBody>
+      </p:sp>
+      <p:sp>
+        <p:nvSpPr>
+          <p:cNvPr id="5" name="Notes Placeholder 4"/>
+          <p:cNvSpPr>
+            <a:spLocks noGrp="1"/>
+          </p:cNvSpPr>
+          <p:nvPr>
+            <p:ph type="body" sz="quarter" idx="3"/>
+          </p:nvPr>
+        </p:nvSpPr>
+        <p:spPr>
+          <a:xfrm>
+            <a:off x="685800" y="4400550"/>
+            <a:ext cx="5486400" cy="3600450"/>
+          </a:xfrm>
+          <a:prstGeom prst="rect">
+            <a:avLst/>
+          </a:prstGeom>
+        </p:spPr>
+        <p:txBody>
+          <a:bodyPr vert="horz" lIns="91440" tIns="45720" rIns="91440" bIns="45720" rtlCol="0"/>
+          <a:lstStyle/>
+          <a:p>
+            <a:pPr lvl="0"/>
+            <a:r>
+              <a:rPr lang="en-US" smtClean="0"/>
+              <a:t>Edit Master text styles</a:t>
+            </a:r>
+          </a:p>
+          <a:p>
+            <a:pPr lvl="1"/>
+            <a:r>
+              <a:rPr lang="en-US" smtClean="0"/>
+              <a:t>Second level</a:t>
+            </a:r>
+          </a:p>
+          <a:p>
+            <a:pPr lvl="2"/>
+            <a:r>
+              <a:rPr lang="en-US" smtClean="0"/>
+              <a:t>Third level</a:t>
+            </a:r>
+          </a:p>
+          <a:p>
+            <a:pPr lvl="3"/>
+            <a:r>
+              <a:rPr lang="en-US" smtClean="0"/>
+              <a:t>Fourth level</a:t>
+            </a:r>
+          </a:p>
+          <a:p>
+            <a:pPr lvl="4"/>
+            <a:r>
+              <a:rPr lang="en-US" smtClean="0"/>
+              <a:t>Fifth level</a:t>
+            </a:r>
+            <a:endParaRPr lang="fi-FI"/>
+          </a:p>
+        </p:txBody>
+      </p:sp>
+      <p:sp>
+        <p:nvSpPr>
+          <p:cNvPr id="6" name="Footer Placeholder 5"/>
+          <p:cNvSpPr>
+            <a:spLocks noGrp="1"/>
+          </p:cNvSpPr>
+          <p:nvPr>
+            <p:ph type="ftr" sz="quarter" idx="4"/>
+          </p:nvPr>
+        </p:nvSpPr>
+        <p:spPr>
+          <a:xfrm>
+            <a:off x="0" y="8685213"/>
+            <a:ext cx="2971800" cy="458787"/>
+          </a:xfrm>
+          <a:prstGeom prst="rect">
+            <a:avLst/>
+          </a:prstGeom>
+        </p:spPr>
+        <p:txBody>
+          <a:bodyPr vert="horz" lIns="91440" tIns="45720" rIns="91440" bIns="45720" rtlCol="0" anchor="b"/>
+          <a:lstStyle>
+            <a:lvl1pPr algn="l">
+              <a:defRPr sz="1200"/>
+            </a:lvl1pPr>
+          </a:lstStyle>
+          <a:p>
+            <a:endParaRPr lang="fi-FI"/>
+          </a:p>
+        </p:txBody>
+      </p:sp>
+      <p:sp>
+        <p:nvSpPr>
+          <p:cNvPr id="7" name="Slide Number Placeholder 6"/>
+          <p:cNvSpPr>
+            <a:spLocks noGrp="1"/>
+          </p:cNvSpPr>
+          <p:nvPr>
+            <p:ph type="sldNum" sz="quarter" idx="5"/>
+          </p:nvPr>
+        </p:nvSpPr>
+        <p:spPr>
+          <a:xfrm>
+            <a:off x="3884613" y="8685213"/>
+            <a:ext cx="2971800" cy="458787"/>
+          </a:xfrm>
+          <a:prstGeom prst="rect">
+            <a:avLst/>
+          </a:prstGeom>
+        </p:spPr>
+        <p:txBody>
+          <a:bodyPr vert="horz" lIns="91440" tIns="45720" rIns="91440" bIns="45720" rtlCol="0" anchor="b"/>
+          <a:lstStyle>
+            <a:lvl1pPr algn="r">
+              <a:defRPr sz="1200"/>
+            </a:lvl1pPr>
+          </a:lstStyle>
+          <a:p>
+            <a:fld id="{49AF9F1B-3AD5-40AF-8093-389A27CFF80E}" type="slidenum">
+              <a:rPr lang="fi-FI" smtClean="0"/>
+              <a:t>‹#›</a:t>
+            </a:fld>
+            <a:endParaRPr lang="fi-FI"/>
+          </a:p>
+        </p:txBody>
+      </p:sp>
+    </p:spTree>
+    <p:extLst>
+      <p:ext uri="{BB962C8B-B14F-4D97-AF65-F5344CB8AC3E}">
+        <p14:creationId xmlns:p14="http://schemas.microsoft.com/office/powerpoint/2010/main" val="2386751711"/>
+      </p:ext>
+    </p:extLst>
+  </p:cSld>
+  <p:clrMap bg1="lt1" tx1="dk1" bg2="lt2" tx2="dk2" accent1="accent1" accent2="accent2" accent3="accent3" accent4="accent4" accent5="accent5" accent6="accent6" hlink="hlink" folHlink="folHlink"/>
+  <p:notesStyle>
+    <a:lvl1pPr marL="0" algn="l" defTabSz="914400" rtl="0" eaLnBrk="1" latinLnBrk="0" hangingPunct="1">
+      <a:defRPr sz="1200" kern="1200">
+        <a:solidFill>
+          <a:schemeClr val="tx1"/>
+        </a:solidFill>
+        <a:latin typeface="+mn-lt"/>
+        <a:ea typeface="+mn-ea"/>
+        <a:cs typeface="+mn-cs"/>
+      </a:defRPr>
+    </a:lvl1pPr>
+    <a:lvl2pPr marL="457200" algn="l" defTabSz="914400" rtl="0" eaLnBrk="1" latinLnBrk="0" hangingPunct="1">
+      <a:defRPr sz="1200" kern="1200">
+        <a:solidFill>
+          <a:schemeClr val="tx1"/>
+        </a:solidFill>
+        <a:latin typeface="+mn-lt"/>
+        <a:ea typeface="+mn-ea"/>
+        <a:cs typeface="+mn-cs"/>
+      </a:defRPr>
+    </a:lvl2pPr>
+    <a:lvl3pPr marL="914400" algn="l" defTabSz="914400" rtl="0" eaLnBrk="1" latinLnBrk="0" hangingPunct="1">
+      <a:defRPr sz="1200" kern="1200">
+        <a:solidFill>
+          <a:schemeClr val="tx1"/>
+        </a:solidFill>
+        <a:latin typeface="+mn-lt"/>
+        <a:ea typeface="+mn-ea"/>
+        <a:cs typeface="+mn-cs"/>
+      </a:defRPr>
+    </a:lvl3pPr>
+    <a:lvl4pPr marL="1371600" algn="l" defTabSz="914400" rtl="0" eaLnBrk="1" latinLnBrk="0" hangingPunct="1">
+      <a:defRPr sz="1200" kern="1200">
+        <a:solidFill>
+          <a:schemeClr val="tx1"/>
+        </a:solidFill>
+        <a:latin typeface="+mn-lt"/>
+        <a:ea typeface="+mn-ea"/>
+        <a:cs typeface="+mn-cs"/>
+      </a:defRPr>
+    </a:lvl4pPr>
+    <a:lvl5pPr marL="1828800" algn="l" defTabSz="914400" rtl="0" eaLnBrk="1" latinLnBrk="0" hangingPunct="1">
+      <a:defRPr sz="1200" kern="1200">
+        <a:solidFill>
+          <a:schemeClr val="tx1"/>
+        </a:solidFill>
+        <a:latin typeface="+mn-lt"/>
+        <a:ea typeface="+mn-ea"/>
+        <a:cs typeface="+mn-cs"/>
+      </a:defRPr>
+    </a:lvl5pPr>
+    <a:lvl6pPr marL="2286000" algn="l" defTabSz="914400" rtl="0" eaLnBrk="1" latinLnBrk="0" hangingPunct="1">
+      <a:defRPr sz="1200" kern="1200">
+        <a:solidFill>
+          <a:schemeClr val="tx1"/>
+        </a:solidFill>
+        <a:latin typeface="+mn-lt"/>
+        <a:ea typeface="+mn-ea"/>
+        <a:cs typeface="+mn-cs"/>
+      </a:defRPr>
+    </a:lvl6pPr>
+    <a:lvl7pPr marL="2743200" algn="l" defTabSz="914400" rtl="0" eaLnBrk="1" latinLnBrk="0" hangingPunct="1">
+      <a:defRPr sz="1200" kern="1200">
+        <a:solidFill>
+          <a:schemeClr val="tx1"/>
+        </a:solidFill>
+        <a:latin typeface="+mn-lt"/>
+        <a:ea typeface="+mn-ea"/>
+        <a:cs typeface="+mn-cs"/>
+      </a:defRPr>
+    </a:lvl7pPr>
+    <a:lvl8pPr marL="3200400" algn="l" defTabSz="914400" rtl="0" eaLnBrk="1" latinLnBrk="0" hangingPunct="1">
+      <a:defRPr sz="1200" kern="1200">
+        <a:solidFill>
+          <a:schemeClr val="tx1"/>
+        </a:solidFill>
+        <a:latin typeface="+mn-lt"/>
+        <a:ea typeface="+mn-ea"/>
+        <a:cs typeface="+mn-cs"/>
+      </a:defRPr>
+    </a:lvl8pPr>
+    <a:lvl9pPr marL="3657600" algn="l" defTabSz="914400" rtl="0" eaLnBrk="1" latinLnBrk="0" hangingPunct="1">
+      <a:defRPr sz="1200" kern="1200">
+        <a:solidFill>
+          <a:schemeClr val="tx1"/>
+        </a:solidFill>
+        <a:latin typeface="+mn-lt"/>
+        <a:ea typeface="+mn-ea"/>
+        <a:cs typeface="+mn-cs"/>
+      </a:defRPr>
+    </a:lvl9pPr>
+  </p:notesStyle>
+</p:notesMaster>
 </file>
 
 <file path=ppt/slideLayouts/slideLayout1.xml><?xml version="1.0" encoding="utf-8"?>
@@ -3787,10 +4140,59 @@
           <a:bodyPr/>
           <a:lstStyle/>
           <a:p>
-            <a:endParaRPr lang="fi-FI"/>
-          </a:p>
-        </p:txBody>
-      </p:sp>
+            <a:r>
+              <a:rPr lang="fi-FI" dirty="0" smtClean="0"/>
+              <a:t>Pienet julistukset ovat usein julkaistuja ohjelman versiota, joita julkaistaan asiakkaille, että he näkevät työn edistymisen. Jotkut tiimit julkaisevat, joka päivä uuden version ohjelmasta, mutta 1 julkaisu viikossa on myös hyvä rytmi julkaisuille. </a:t>
+            </a:r>
+          </a:p>
+          <a:p>
+            <a:r>
+              <a:rPr lang="fi-FI" dirty="0" smtClean="0"/>
+              <a:t>Jokaisen version täytyy olla testattu ja toimiva ennen kuin ne julkaistaan.</a:t>
+            </a:r>
+          </a:p>
+          <a:p>
+            <a:r>
+              <a:rPr lang="fi-FI" dirty="0"/>
+              <a:t>O</a:t>
+            </a:r>
+            <a:r>
+              <a:rPr lang="fi-FI" dirty="0" smtClean="0"/>
+              <a:t>n myös tärkeää saada asiakkailta ja käyttäjiltä palautetta ajoissa sillä mitä nopeammin tiedät ongelman sitä enemmän aikaa on korjata se.</a:t>
+            </a:r>
+          </a:p>
+        </p:txBody>
+      </p:sp>
+      <p:pic>
+        <p:nvPicPr>
+          <p:cNvPr id="4" name="Picture 3"/>
+          <p:cNvPicPr>
+            <a:picLocks noChangeAspect="1"/>
+          </p:cNvPicPr>
+          <p:nvPr/>
+        </p:nvPicPr>
+        <p:blipFill>
+          <a:blip r:embed="rId2">
+            <a:extLst>
+              <a:ext uri="{28A0092B-C50C-407E-A947-70E740481C1C}">
+                <a14:useLocalDpi xmlns:a14="http://schemas.microsoft.com/office/drawing/2010/main" val="0"/>
+              </a:ext>
+            </a:extLst>
+          </a:blip>
+          <a:stretch>
+            <a:fillRect/>
+          </a:stretch>
+        </p:blipFill>
+        <p:spPr>
+          <a:xfrm>
+            <a:off x="6108192" y="4630792"/>
+            <a:ext cx="5177642" cy="2227208"/>
+          </a:xfrm>
+          <a:prstGeom prst="rect">
+            <a:avLst/>
+          </a:prstGeom>
+        </p:spPr>
+      </p:pic>
     </p:spTree>
     <p:extLst>
       <p:ext uri="{BB962C8B-B14F-4D97-AF65-F5344CB8AC3E}">
@@ -3831,7 +4233,12 @@
             <p:ph type="title"/>
           </p:nvPr>
         </p:nvSpPr>
-        <p:spPr/>
+        <p:spPr>
+          <a:xfrm>
+            <a:off x="969264" y="365760"/>
+            <a:ext cx="9692640" cy="1325562"/>
+          </a:xfrm>
+        </p:spPr>
         <p:txBody>
           <a:bodyPr/>
           <a:lstStyle/>
@@ -3846,23 +4253,138 @@
       </p:sp>
       <p:sp>
         <p:nvSpPr>
-          <p:cNvPr id="3" name="Content Placeholder 2"/>
-          <p:cNvSpPr>
-            <a:spLocks noGrp="1"/>
-          </p:cNvSpPr>
-          <p:nvPr>
-            <p:ph idx="1"/>
-          </p:nvPr>
-        </p:nvSpPr>
-        <p:spPr/>
-        <p:txBody>
-          <a:bodyPr/>
-          <a:lstStyle/>
-          <a:p>
-            <a:endParaRPr lang="fi-FI"/>
-          </a:p>
-        </p:txBody>
-      </p:sp>
+          <p:cNvPr id="6" name="TextBox 5"/>
+          <p:cNvSpPr txBox="1"/>
+          <p:nvPr/>
+        </p:nvSpPr>
+        <p:spPr>
+          <a:xfrm>
+            <a:off x="969264" y="2299713"/>
+            <a:ext cx="9060873" cy="3683060"/>
+          </a:xfrm>
+          <a:prstGeom prst="rect">
+            <a:avLst/>
+          </a:prstGeom>
+          <a:noFill/>
+        </p:spPr>
+        <p:txBody>
+          <a:bodyPr wrap="square" rtlCol="0">
+            <a:spAutoFit/>
+          </a:bodyPr>
+          <a:lstStyle/>
+          <a:p>
+            <a:pPr marL="288000" indent="-285750">
+              <a:spcBef>
+                <a:spcPts val="1400"/>
+              </a:spcBef>
+              <a:spcAft>
+                <a:spcPts val="200"/>
+              </a:spcAft>
+              <a:buFont typeface="Arial" panose="020B0604020202020204" pitchFamily="34" charset="0"/>
+              <a:buChar char="•"/>
+            </a:pPr>
+            <a:r>
+              <a:rPr lang="fi-FI" dirty="0" smtClean="0"/>
+              <a:t>Pariohjelmoinnissa 2 henkilöä työskentelee yhdellä tietokoneella. </a:t>
+            </a:r>
+          </a:p>
+          <a:p>
+            <a:pPr marL="288000" indent="-285750">
+              <a:spcBef>
+                <a:spcPts val="1400"/>
+              </a:spcBef>
+              <a:spcAft>
+                <a:spcPts val="200"/>
+              </a:spcAft>
+              <a:buFont typeface="Arial" panose="020B0604020202020204" pitchFamily="34" charset="0"/>
+              <a:buChar char="•"/>
+            </a:pPr>
+            <a:r>
+              <a:rPr lang="fi-FI" dirty="0" smtClean="0"/>
+              <a:t>Tarkoituksena on olla vuorotellen rooleina ns. ”navigoija”, joka auttaa ohjaajaa antamalla hänelle vinkkejä ja sanomalla jos huomaa virheen ja ”ohjaaja”, joka tekee koodia ja pistää navigoijan ideat toteutukseen.</a:t>
+            </a:r>
+          </a:p>
+          <a:p>
+            <a:pPr marL="288000" indent="-285750">
+              <a:spcBef>
+                <a:spcPts val="1400"/>
+              </a:spcBef>
+              <a:spcAft>
+                <a:spcPts val="200"/>
+              </a:spcAft>
+              <a:buFont typeface="Arial" panose="020B0604020202020204" pitchFamily="34" charset="0"/>
+              <a:buChar char="•"/>
+            </a:pPr>
+            <a:r>
+              <a:rPr lang="fi-FI" dirty="0" smtClean="0"/>
+              <a:t>Tarkoituksena on saada laadukkaampaa koodia, jossa on vähemmän virheitä pistämällä kaksi henkilöä keskittymään samaan asiaan.</a:t>
+            </a:r>
+          </a:p>
+          <a:p>
+            <a:pPr marL="288000" indent="-285750">
+              <a:spcBef>
+                <a:spcPts val="1400"/>
+              </a:spcBef>
+              <a:spcAft>
+                <a:spcPts val="200"/>
+              </a:spcAft>
+              <a:buFont typeface="Arial" panose="020B0604020202020204" pitchFamily="34" charset="0"/>
+              <a:buChar char="•"/>
+            </a:pPr>
+            <a:r>
+              <a:rPr lang="fi-FI" dirty="0" smtClean="0"/>
+              <a:t>Pariohjelmointi voi olla alussa vaikeaa sillä kaikkeen mitä teet tarvitset myös parisi hyväksynnän ja teidän kummankin ideoita pitäisi kokeilla.</a:t>
+            </a:r>
+          </a:p>
+          <a:p>
+            <a:pPr marL="288000" indent="-285750">
+              <a:spcBef>
+                <a:spcPts val="1400"/>
+              </a:spcBef>
+              <a:spcAft>
+                <a:spcPts val="200"/>
+              </a:spcAft>
+              <a:buFont typeface="Arial" panose="020B0604020202020204" pitchFamily="34" charset="0"/>
+              <a:buChar char="•"/>
+            </a:pPr>
+            <a:r>
+              <a:rPr lang="fi-FI" dirty="0" smtClean="0"/>
+              <a:t>Pariohjelmointi ei ole opetus käyttöön sillä pariohjelmoinnissa kummankin on tarkoitus osallistua kunnolla ohjelmointiin.</a:t>
+            </a:r>
+            <a:endParaRPr lang="fi-FI" dirty="0"/>
+          </a:p>
+        </p:txBody>
+      </p:sp>
+      <p:pic>
+        <p:nvPicPr>
+          <p:cNvPr id="8" name="Picture 7"/>
+          <p:cNvPicPr>
+            <a:picLocks noChangeAspect="1"/>
+          </p:cNvPicPr>
+          <p:nvPr/>
+        </p:nvPicPr>
+        <p:blipFill>
+          <a:blip r:embed="rId2">
+            <a:extLst>
+              <a:ext uri="{28A0092B-C50C-407E-A947-70E740481C1C}">
+                <a14:useLocalDpi xmlns:a14="http://schemas.microsoft.com/office/drawing/2010/main" val="0"/>
+              </a:ext>
+            </a:extLst>
+          </a:blip>
+          <a:stretch>
+            <a:fillRect/>
+          </a:stretch>
+        </p:blipFill>
+        <p:spPr>
+          <a:xfrm>
+            <a:off x="8418576" y="0"/>
+            <a:ext cx="3773424" cy="2743200"/>
+          </a:xfrm>
+          <a:prstGeom prst="rect">
+            <a:avLst/>
+          </a:prstGeom>
+        </p:spPr>
+      </p:pic>
     </p:spTree>
     <p:extLst>
       <p:ext uri="{BB962C8B-B14F-4D97-AF65-F5344CB8AC3E}">
@@ -3931,10 +4453,103 @@
           <a:bodyPr/>
           <a:lstStyle/>
           <a:p>
-            <a:endParaRPr lang="fi-FI"/>
-          </a:p>
-        </p:txBody>
-      </p:sp>
+            <a:r>
+              <a:rPr lang="fi-FI" dirty="0" smtClean="0"/>
+              <a:t>Koodin yhteisomistus tarkoittaa sitä, että kaikki ohjelmoijista voi muokata mitä vaan koodilohkoista, korjata niiden </a:t>
+            </a:r>
+            <a:r>
+              <a:rPr lang="fi-FI" dirty="0" err="1" smtClean="0"/>
+              <a:t>bugeja</a:t>
+            </a:r>
+            <a:r>
+              <a:rPr lang="fi-FI" dirty="0" smtClean="0"/>
+              <a:t> jne. ja että kaikilla olisi jonkinlainen tietämys jokaisesta koodin osasta.</a:t>
+            </a:r>
+          </a:p>
+          <a:p>
+            <a:r>
+              <a:rPr lang="fi-FI" dirty="0" smtClean="0"/>
+              <a:t>Tämä tarkoittaa, että kuka vaan voi parantaa mitä vaan koodin osaa sen sijaan, että lähettää parannusehdotuksen koodin alkuperäiselle tekijälle</a:t>
+            </a:r>
+          </a:p>
+          <a:p>
+            <a:r>
+              <a:rPr lang="fi-FI" dirty="0" smtClean="0"/>
+              <a:t>Yhteisomistus ei toimi ilman hyvää kommunikointia, versionhallintaa ja jatkuvaa integrointia.</a:t>
+            </a:r>
+          </a:p>
+          <a:p>
+            <a:r>
+              <a:rPr lang="fi-FI" dirty="0" smtClean="0"/>
+              <a:t>Yhteisomistuksessa pitää myös varmistaa, että</a:t>
+            </a:r>
+          </a:p>
+          <a:p>
+            <a:pPr marL="0" indent="0">
+              <a:spcBef>
+                <a:spcPts val="0"/>
+              </a:spcBef>
+              <a:spcAft>
+                <a:spcPts val="0"/>
+              </a:spcAft>
+              <a:buNone/>
+            </a:pPr>
+            <a:r>
+              <a:rPr lang="fi-FI" dirty="0" smtClean="0"/>
+              <a:t>muutokset eivät aiheuta ristiriitoja muissa</a:t>
+            </a:r>
+          </a:p>
+          <a:p>
+            <a:pPr marL="0" indent="0">
+              <a:spcBef>
+                <a:spcPts val="0"/>
+              </a:spcBef>
+              <a:spcAft>
+                <a:spcPts val="0"/>
+              </a:spcAft>
+              <a:buNone/>
+            </a:pPr>
+            <a:r>
+              <a:rPr lang="fi-FI" dirty="0"/>
+              <a:t>o</a:t>
+            </a:r>
+            <a:r>
+              <a:rPr lang="fi-FI" dirty="0" smtClean="0"/>
+              <a:t>hjelmiston osissa.</a:t>
+            </a:r>
+          </a:p>
+        </p:txBody>
+      </p:sp>
+      <p:pic>
+        <p:nvPicPr>
+          <p:cNvPr id="5" name="Picture 4"/>
+          <p:cNvPicPr>
+            <a:picLocks noChangeAspect="1"/>
+          </p:cNvPicPr>
+          <p:nvPr/>
+        </p:nvPicPr>
+        <p:blipFill>
+          <a:blip r:embed="rId2">
+            <a:extLst>
+              <a:ext uri="{28A0092B-C50C-407E-A947-70E740481C1C}">
+                <a14:useLocalDpi xmlns:a14="http://schemas.microsoft.com/office/drawing/2010/main" val="0"/>
+              </a:ext>
+            </a:extLst>
+          </a:blip>
+          <a:stretch>
+            <a:fillRect/>
+          </a:stretch>
+        </p:blipFill>
+        <p:spPr>
+          <a:xfrm>
+            <a:off x="6708773" y="4108704"/>
+            <a:ext cx="4582161" cy="2749296"/>
+          </a:xfrm>
+          <a:prstGeom prst="rect">
+            <a:avLst/>
+          </a:prstGeom>
+        </p:spPr>
+      </p:pic>
     </p:spTree>
     <p:extLst>
       <p:ext uri="{BB962C8B-B14F-4D97-AF65-F5344CB8AC3E}">
@@ -4075,7 +4690,25 @@
           <a:bodyPr/>
           <a:lstStyle/>
           <a:p>
-            <a:endParaRPr lang="fi-FI"/>
+            <a:r>
+              <a:rPr lang="fi-FI" dirty="0">
+                <a:hlinkClick r:id="rId2"/>
+              </a:rPr>
+              <a:t>http://users.jyu.fi/~</a:t>
+            </a:r>
+            <a:r>
+              <a:rPr lang="fi-FI" dirty="0" smtClean="0">
+                <a:hlinkClick r:id="rId2"/>
+              </a:rPr>
+              <a:t>jorma/kandi/2007/Kandi_Lajunen.pdf</a:t>
+            </a:r>
+            <a:endParaRPr lang="fi-FI" dirty="0" smtClean="0"/>
+          </a:p>
+          <a:p>
+            <a:r>
+              <a:rPr lang="fi-FI" dirty="0"/>
+              <a:t>http://www.extremeprogramming.org/</a:t>
+            </a:r>
           </a:p>
         </p:txBody>
       </p:sp>
@@ -4343,4 +4976,265 @@
     </a:ext>
   </a:extLst>
 </a:theme>
+</file>
+
+<file path=ppt/theme/theme2.xml><?xml version="1.0" encoding="utf-8"?>
+<a:theme xmlns:a="http://schemas.openxmlformats.org/drawingml/2006/main" name="Office Theme">
+  <a:themeElements>
+    <a:clrScheme name="Office">
+      <a:dk1>
+        <a:sysClr val="windowText" lastClr="000000"/>
+      </a:dk1>
+      <a:lt1>
+        <a:sysClr val="window" lastClr="FFFFFF"/>
+      </a:lt1>
+      <a:dk2>
+        <a:srgbClr val="44546A"/>
+      </a:dk2>
+      <a:lt2>
+        <a:srgbClr val="E7E6E6"/>
+      </a:lt2>
+      <a:accent1>
+        <a:srgbClr val="5B9BD5"/>
+      </a:accent1>
+      <a:accent2>
+        <a:srgbClr val="ED7D31"/>
+      </a:accent2>
+      <a:accent3>
+        <a:srgbClr val="A5A5A5"/>
+      </a:accent3>
+      <a:accent4>
+        <a:srgbClr val="FFC000"/>
+      </a:accent4>
+      <a:accent5>
+        <a:srgbClr val="4472C4"/>
+      </a:accent5>
+      <a:accent6>
+        <a:srgbClr val="70AD47"/>
+      </a:accent6>
+      <a:hlink>
+        <a:srgbClr val="0563C1"/>
+      </a:hlink>
+      <a:folHlink>
+        <a:srgbClr val="954F72"/>
+      </a:folHlink>
+    </a:clrScheme>
+    <a:fontScheme name="Office">
+      <a:majorFont>
+        <a:latin typeface="Calibri Light" panose="020F0302020204030204"/>
+        <a:ea typeface=""/>
+        <a:cs typeface=""/>
+        <a:font script="Jpan" typeface="游ゴシック Light"/>
+        <a:font script="Hang" typeface="맑은 고딕"/>
+        <a:font script="Hans" typeface="等线 Light"/>
+        <a:font script="Hant" typeface="新細明體"/>
+        <a:font script="Arab" typeface="Times New Roman"/>
+        <a:font script="Hebr" typeface="Times New Roman"/>
+        <a:font script="Thai" typeface="Angsana New"/>
+        <a:font script="Ethi" typeface="Nyala"/>
+        <a:font script="Beng" typeface="Vrinda"/>
+        <a:font script="Gujr" typeface="Shruti"/>
+        <a:font script="Khmr" typeface="MoolBoran"/>
+        <a:font script="Knda" typeface="Tunga"/>
+        <a:font script="Guru" typeface="Raavi"/>
+        <a:font script="Cans" typeface="Euphemia"/>
+        <a:font script="Cher" typeface="Plantagenet Cherokee"/>
+        <a:font script="Yiii" typeface="Microsoft Yi Baiti"/>
+        <a:font script="Tibt" typeface="Microsoft Himalaya"/>
+        <a:font script="Thaa" typeface="MV Boli"/>
+        <a:font script="Deva" typeface="Mangal"/>
+        <a:font script="Telu" typeface="Gautami"/>
+        <a:font script="Taml" typeface="Latha"/>
+        <a:font script="Syrc" typeface="Estrangelo Edessa"/>
+        <a:font script="Orya" typeface="Kalinga"/>
+        <a:font script="Mlym" typeface="Kartika"/>
+        <a:font script="Laoo" typeface="DokChampa"/>
+        <a:font script="Sinh" typeface="Iskoola Pota"/>
+        <a:font script="Mong" typeface="Mongolian Baiti"/>
+        <a:font script="Viet" typeface="Times New Roman"/>
+        <a:font script="Uigh" typeface="Microsoft Uighur"/>
+        <a:font script="Geor" typeface="Sylfaen"/>
+      </a:majorFont>
+      <a:minorFont>
+        <a:latin typeface="Calibri" panose="020F0502020204030204"/>
+        <a:ea typeface=""/>
+        <a:cs typeface=""/>
+        <a:font script="Jpan" typeface="游ゴシック"/>
+        <a:font script="Hang" typeface="맑은 고딕"/>
+        <a:font script="Hans" typeface="等线"/>
+        <a:font script="Hant" typeface="新細明體"/>
+        <a:font script="Arab" typeface="Arial"/>
+        <a:font script="Hebr" typeface="Arial"/>
+        <a:font script="Thai" typeface="Cordia New"/>
+        <a:font script="Ethi" typeface="Nyala"/>
+        <a:font script="Beng" typeface="Vrinda"/>
+        <a:font script="Gujr" typeface="Shruti"/>
+        <a:font script="Khmr" typeface="DaunPenh"/>
+        <a:font script="Knda" typeface="Tunga"/>
+        <a:font script="Guru" typeface="Raavi"/>
+        <a:font script="Cans" typeface="Euphemia"/>
+        <a:font script="Cher" typeface="Plantagenet Cherokee"/>
+        <a:font script="Yiii" typeface="Microsoft Yi Baiti"/>
+        <a:font script="Tibt" typeface="Microsoft Himalaya"/>
+        <a:font script="Thaa" typeface="MV Boli"/>
+        <a:font script="Deva" typeface="Mangal"/>
+        <a:font script="Telu" typeface="Gautami"/>
+        <a:font script="Taml" typeface="Latha"/>
+        <a:font script="Syrc" typeface="Estrangelo Edessa"/>
+        <a:font script="Orya" typeface="Kalinga"/>
+        <a:font script="Mlym" typeface="Kartika"/>
+        <a:font script="Laoo" typeface="DokChampa"/>
+        <a:font script="Sinh" typeface="Iskoola Pota"/>
+        <a:font script="Mong" typeface="Mongolian Baiti"/>
+        <a:font script="Viet" typeface="Arial"/>
+        <a:font script="Uigh" typeface="Microsoft Uighur"/>
+        <a:font script="Geor" typeface="Sylfaen"/>
+      </a:minorFont>
+    </a:fontScheme>
+    <a:fmtScheme name="Office">
+      <a:fillStyleLst>
+        <a:solidFill>
+          <a:schemeClr val="phClr"/>
+        </a:solidFill>
+        <a:gradFill rotWithShape="1">
+          <a:gsLst>
+            <a:gs pos="0">
+              <a:schemeClr val="phClr">
+                <a:lumMod val="110000"/>
+                <a:satMod val="105000"/>
+                <a:tint val="67000"/>
+              </a:schemeClr>
+            </a:gs>
+            <a:gs pos="50000">
+              <a:schemeClr val="phClr">
+                <a:lumMod val="105000"/>
+                <a:satMod val="103000"/>
+                <a:tint val="73000"/>
+              </a:schemeClr>
+            </a:gs>
+            <a:gs pos="100000">
+              <a:schemeClr val="phClr">
+                <a:lumMod val="105000"/>
+                <a:satMod val="109000"/>
+                <a:tint val="81000"/>
+              </a:schemeClr>
+            </a:gs>
+          </a:gsLst>
+          <a:lin ang="5400000" scaled="0"/>
+        </a:gradFill>
+        <a:gradFill rotWithShape="1">
+          <a:gsLst>
+            <a:gs pos="0">
+              <a:schemeClr val="phClr">
+                <a:satMod val="103000"/>
+                <a:lumMod val="102000"/>
+                <a:tint val="94000"/>
+              </a:schemeClr>
+            </a:gs>
+            <a:gs pos="50000">
+              <a:schemeClr val="phClr">
+                <a:satMod val="110000"/>
+                <a:lumMod val="100000"/>
+                <a:shade val="100000"/>
+              </a:schemeClr>
+            </a:gs>
+            <a:gs pos="100000">
+              <a:schemeClr val="phClr">
+                <a:lumMod val="99000"/>
+                <a:satMod val="120000"/>
+                <a:shade val="78000"/>
+              </a:schemeClr>
+            </a:gs>
+          </a:gsLst>
+          <a:lin ang="5400000" scaled="0"/>
+        </a:gradFill>
+      </a:fillStyleLst>
+      <a:lnStyleLst>
+        <a:ln w="6350" cap="flat" cmpd="sng" algn="ctr">
+          <a:solidFill>
+            <a:schemeClr val="phClr"/>
+          </a:solidFill>
+          <a:prstDash val="solid"/>
+          <a:miter lim="800000"/>
+        </a:ln>
+        <a:ln w="12700" cap="flat" cmpd="sng" algn="ctr">
+          <a:solidFill>
+            <a:schemeClr val="phClr"/>
+          </a:solidFill>
+          <a:prstDash val="solid"/>
+          <a:miter lim="800000"/>
+        </a:ln>
+        <a:ln w="19050" cap="flat" cmpd="sng" algn="ctr">
+          <a:solidFill>
+            <a:schemeClr val="phClr"/>
+          </a:solidFill>
+          <a:prstDash val="solid"/>
+          <a:miter lim="800000"/>
+        </a:ln>
+      </a:lnStyleLst>
+      <a:effectStyleLst>
+        <a:effectStyle>
+          <a:effectLst/>
+        </a:effectStyle>
+        <a:effectStyle>
+          <a:effectLst/>
+        </a:effectStyle>
+        <a:effectStyle>
+          <a:effectLst>
+            <a:outerShdw blurRad="57150" dist="19050" dir="5400000" algn="ctr" rotWithShape="0">
+              <a:srgbClr val="000000">
+                <a:alpha val="63000"/>
+              </a:srgbClr>
+            </a:outerShdw>
+          </a:effectLst>
+        </a:effectStyle>
+      </a:effectStyleLst>
+      <a:bgFillStyleLst>
+        <a:solidFill>
+          <a:schemeClr val="phClr"/>
+        </a:solidFill>
+        <a:solidFill>
+          <a:schemeClr val="phClr">
+            <a:tint val="95000"/>
+            <a:satMod val="170000"/>
+          </a:schemeClr>
+        </a:solidFill>
+        <a:gradFill rotWithShape="1">
+          <a:gsLst>
+            <a:gs pos="0">
+              <a:schemeClr val="phClr">
+                <a:tint val="93000"/>
+                <a:satMod val="150000"/>
+                <a:shade val="98000"/>
+                <a:lumMod val="102000"/>
+              </a:schemeClr>
+            </a:gs>
+            <a:gs pos="50000">
+              <a:schemeClr val="phClr">
+                <a:tint val="98000"/>
+                <a:satMod val="130000"/>
+                <a:shade val="90000"/>
+                <a:lumMod val="103000"/>
+              </a:schemeClr>
+            </a:gs>
+            <a:gs pos="100000">
+              <a:schemeClr val="phClr">
+                <a:shade val="63000"/>
+                <a:satMod val="120000"/>
+              </a:schemeClr>
+            </a:gs>
+          </a:gsLst>
+          <a:lin ang="5400000" scaled="0"/>
+        </a:gradFill>
+      </a:bgFillStyleLst>
+    </a:fmtScheme>
+  </a:themeElements>
+  <a:objectDefaults/>
+  <a:extraClrSchemeLst/>
+  <a:extLst>
+    <a:ext uri="{05A4C25C-085E-4340-85A3-A5531E510DB2}">
+      <thm15:themeFamily xmlns:thm15="http://schemas.microsoft.com/office/thememl/2012/main" name="Office Theme" id="{62F939B6-93AF-4DB8-9C6B-D6C7DFDC589F}" vid="{4A3C46E8-61CC-4603-A589-7422A47A8E4A}"/>
+    </a:ext>
+  </a:extLst>
+</a:theme>
 </file>
--- a/Ryhmatyo.pptx
+++ b/Ryhmatyo.pptx
@@ -9,13 +9,13 @@
   </p:notesMasterIdLst>
   <p:sldIdLst>
     <p:sldId id="256" r:id="rId2"/>
-    <p:sldId id="257" r:id="rId3"/>
-    <p:sldId id="258" r:id="rId4"/>
-    <p:sldId id="263" r:id="rId5"/>
+    <p:sldId id="266" r:id="rId3"/>
+    <p:sldId id="267" r:id="rId4"/>
+    <p:sldId id="268" r:id="rId5"/>
     <p:sldId id="259" r:id="rId6"/>
     <p:sldId id="260" r:id="rId7"/>
     <p:sldId id="261" r:id="rId8"/>
-    <p:sldId id="262" r:id="rId9"/>
+    <p:sldId id="265" r:id="rId9"/>
     <p:sldId id="264" r:id="rId10"/>
   </p:sldIdLst>
   <p:sldSz cx="12192000" cy="6858000"/>
@@ -3921,17 +3921,72 @@
         </p:nvSpPr>
         <p:spPr/>
         <p:txBody>
-          <a:bodyPr/>
-          <a:lstStyle/>
-          <a:p>
-            <a:endParaRPr lang="fi-FI"/>
+          <a:bodyPr>
+            <a:normAutofit/>
+          </a:bodyPr>
+          <a:lstStyle/>
+          <a:p>
+            <a:r>
+              <a:rPr lang="fi-FI" b="1" i="1" dirty="0"/>
+              <a:t>Extreme Programming (XP) painottaa muiden ketterien menetelmien tapaan mukautuvuutta enemmän kuin ennustettavuutta. Menetelmän tarkoitus on parantaa sekä ohjelmiston laatua että tiimin kykyä vastata asiakkaan </a:t>
+            </a:r>
+            <a:r>
+              <a:rPr lang="fi-FI" b="1" i="1" dirty="0" smtClean="0"/>
+              <a:t>vaatimusten muuttumiseen. </a:t>
+            </a:r>
+          </a:p>
+          <a:p>
+            <a:r>
+              <a:rPr lang="fi-FI" dirty="0"/>
+              <a:t>Asiakasvaatimukset voidaan käydä läpi välittömästi ja tuoda mukaan </a:t>
+            </a:r>
+            <a:r>
+              <a:rPr lang="fi-FI" dirty="0" smtClean="0"/>
+              <a:t>kehitystyöhön.</a:t>
+            </a:r>
+          </a:p>
+          <a:p>
+            <a:r>
+              <a:rPr lang="fi-FI" dirty="0" err="1" smtClean="0"/>
+              <a:t>XP:ssä</a:t>
+            </a:r>
+            <a:r>
+              <a:rPr lang="fi-FI" dirty="0" smtClean="0"/>
+              <a:t> </a:t>
+            </a:r>
+            <a:r>
+              <a:rPr lang="fi-FI" dirty="0"/>
+              <a:t>useiden toistuvien ohjelmistojulkaisujen ja lyhyiden kehityssyklien tarkoitus on parantaa tuottavuutta ja tarjota tarkastuspisteitä kehityssyklien välissä</a:t>
+            </a:r>
+            <a:r>
+              <a:rPr lang="fi-FI" dirty="0" smtClean="0"/>
+              <a:t>.</a:t>
+            </a:r>
+          </a:p>
+          <a:p>
+            <a:r>
+              <a:rPr lang="fi-FI" dirty="0" smtClean="0"/>
+              <a:t>XP </a:t>
+            </a:r>
+            <a:r>
+              <a:rPr lang="fi-FI" dirty="0"/>
+              <a:t>perustuu viiteen ydinarvoon sekä niiden pohjalta luotuihin periaatteisiin ja käytäntöihin. </a:t>
+            </a:r>
+            <a:r>
+              <a:rPr lang="fi-FI" dirty="0" err="1"/>
+              <a:t>XP:n</a:t>
+            </a:r>
+            <a:r>
+              <a:rPr lang="fi-FI" dirty="0"/>
+              <a:t> arvot ja käytännöt on suunniteltu siten, että muutoksen kustannus pysyy projektin ajan suunnilleen samana, eikä kasva eksponentiaalisesti ohjelmistoprojektin edetessä.</a:t>
+            </a:r>
           </a:p>
         </p:txBody>
       </p:sp>
     </p:spTree>
     <p:extLst>
       <p:ext uri="{BB962C8B-B14F-4D97-AF65-F5344CB8AC3E}">
-        <p14:creationId xmlns:p14="http://schemas.microsoft.com/office/powerpoint/2010/main" val="3878504724"/>
+        <p14:creationId xmlns:p14="http://schemas.microsoft.com/office/powerpoint/2010/main" val="3469820419"/>
       </p:ext>
     </p:extLst>
   </p:cSld>
@@ -3993,17 +4048,168 @@
         </p:nvSpPr>
         <p:spPr/>
         <p:txBody>
-          <a:bodyPr/>
-          <a:lstStyle/>
-          <a:p>
-            <a:endParaRPr lang="fi-FI"/>
+          <a:bodyPr>
+            <a:normAutofit fontScale="70000" lnSpcReduction="20000"/>
+          </a:bodyPr>
+          <a:lstStyle/>
+          <a:p>
+            <a:r>
+              <a:rPr lang="fi-FI" dirty="0"/>
+              <a:t>Pelisuunnittelussa rakennetaan pelille perusmalli</a:t>
+            </a:r>
+            <a:r>
+              <a:rPr lang="fi-FI" dirty="0" smtClean="0"/>
+              <a:t>.</a:t>
+            </a:r>
+          </a:p>
+          <a:p>
+            <a:r>
+              <a:rPr lang="fi-FI" dirty="0"/>
+              <a:t>Toisin kuin voisi luulla, pelisuunnitteluun ei varsinaisesti liity grafiikan tekeminen tai koodaaminen</a:t>
+            </a:r>
+            <a:r>
+              <a:rPr lang="fi-FI" dirty="0" smtClean="0"/>
+              <a:t>.</a:t>
+            </a:r>
+          </a:p>
+          <a:p>
+            <a:r>
+              <a:rPr lang="fi-FI" dirty="0" smtClean="0"/>
+              <a:t>1. Konseptointi</a:t>
+            </a:r>
+          </a:p>
+          <a:p>
+            <a:r>
+              <a:rPr lang="fi-FI" dirty="0" smtClean="0"/>
+              <a:t>2. Pelikonseptointidokumentti</a:t>
+            </a:r>
+          </a:p>
+          <a:p>
+            <a:r>
+              <a:rPr lang="fi-FI" dirty="0" smtClean="0"/>
+              <a:t>3. Suunnittelu</a:t>
+            </a:r>
+          </a:p>
+          <a:p>
+            <a:r>
+              <a:rPr lang="fi-FI" dirty="0" smtClean="0"/>
+              <a:t>4. Tuotanto</a:t>
+            </a:r>
+          </a:p>
+          <a:p>
+            <a:r>
+              <a:rPr lang="fi-FI" dirty="0"/>
+              <a:t> </a:t>
+            </a:r>
+            <a:r>
+              <a:rPr lang="fi-FI" dirty="0" smtClean="0"/>
+              <a:t> 4.1 Budjetti ja aikataulu</a:t>
+            </a:r>
+          </a:p>
+          <a:p>
+            <a:r>
+              <a:rPr lang="fi-FI" dirty="0" smtClean="0"/>
+              <a:t>      4.1.1 </a:t>
+            </a:r>
+            <a:r>
+              <a:rPr lang="fi-FI" dirty="0" err="1" smtClean="0"/>
+              <a:t>Kukatekee</a:t>
+            </a:r>
+            <a:r>
+              <a:rPr lang="fi-FI" dirty="0" smtClean="0"/>
+              <a:t> ja </a:t>
+            </a:r>
+            <a:r>
+              <a:rPr lang="fi-FI" dirty="0" err="1" smtClean="0"/>
+              <a:t>mitätekee</a:t>
+            </a:r>
+            <a:endParaRPr lang="fi-FI" dirty="0" smtClean="0"/>
+          </a:p>
+          <a:p>
+            <a:r>
+              <a:rPr lang="fi-FI" dirty="0" smtClean="0"/>
+              <a:t>5. Testaus  </a:t>
+            </a:r>
+          </a:p>
+          <a:p>
+            <a:r>
+              <a:rPr lang="fi-FI" dirty="0" smtClean="0"/>
+              <a:t>Tuotantovaihe </a:t>
+            </a:r>
+            <a:r>
+              <a:rPr lang="fi-FI" dirty="0"/>
+              <a:t>jolloin toteutettua pelikokonaisuutta testataan.</a:t>
+            </a:r>
+            <a:br>
+              <a:rPr lang="fi-FI" dirty="0"/>
+            </a:br>
+            <a:r>
+              <a:rPr lang="fi-FI" dirty="0"/>
+              <a:t>Testausvaiheessa eliminoidaan mahdolliset </a:t>
+            </a:r>
+            <a:r>
+              <a:rPr lang="fi-FI" dirty="0" smtClean="0"/>
+              <a:t>peliss</a:t>
+            </a:r>
+            <a:r>
+              <a:rPr lang="fi-FI" dirty="0"/>
+              <a:t>ä</a:t>
+            </a:r>
+            <a:r>
+              <a:rPr lang="fi-FI" dirty="0" smtClean="0"/>
+              <a:t> ilmenevät </a:t>
+            </a:r>
+            <a:r>
+              <a:rPr lang="fi-FI" dirty="0"/>
+              <a:t>ongelmat. </a:t>
+            </a:r>
+            <a:br>
+              <a:rPr lang="fi-FI" dirty="0"/>
+            </a:br>
+            <a:r>
+              <a:rPr lang="fi-FI" dirty="0" smtClean="0"/>
+              <a:t>Pääasiassa etsitään ohjelmointivirheitä.</a:t>
+            </a:r>
+          </a:p>
+          <a:p>
+            <a:r>
+              <a:rPr lang="fi-FI" dirty="0" smtClean="0"/>
+              <a:t>Pelistä </a:t>
+            </a:r>
+            <a:r>
+              <a:rPr lang="fi-FI" dirty="0"/>
+              <a:t>tuotetaan toimiva versio, </a:t>
+            </a:r>
+            <a:br>
+              <a:rPr lang="fi-FI" dirty="0"/>
+            </a:br>
+            <a:r>
+              <a:rPr lang="fi-FI" dirty="0"/>
+              <a:t>jonka testausta jatketaan. Lopputuotteen </a:t>
+            </a:r>
+            <a:r>
+              <a:rPr lang="fi-FI" dirty="0" smtClean="0"/>
+              <a:t>täytyy </a:t>
+            </a:r>
+            <a:r>
+              <a:rPr lang="fi-FI" dirty="0"/>
+              <a:t>olla </a:t>
+            </a:r>
+            <a:r>
+              <a:rPr lang="fi-FI" dirty="0" smtClean="0"/>
+              <a:t>virheetön.</a:t>
+            </a:r>
+            <a:endParaRPr lang="fi-FI" dirty="0"/>
+          </a:p>
+          <a:p>
+            <a:endParaRPr lang="fi-FI" dirty="0"/>
           </a:p>
         </p:txBody>
       </p:sp>
     </p:spTree>
     <p:extLst>
       <p:ext uri="{BB962C8B-B14F-4D97-AF65-F5344CB8AC3E}">
-        <p14:creationId xmlns:p14="http://schemas.microsoft.com/office/powerpoint/2010/main" val="3116802230"/>
+        <p14:creationId xmlns:p14="http://schemas.microsoft.com/office/powerpoint/2010/main" val="4225938627"/>
       </p:ext>
     </p:extLst>
   </p:cSld>
@@ -4068,14 +4274,56 @@
           <a:bodyPr/>
           <a:lstStyle/>
           <a:p>
-            <a:endParaRPr lang="fi-FI"/>
-          </a:p>
-        </p:txBody>
-      </p:sp>
+            <a:r>
+              <a:rPr lang="fi-FI" dirty="0" smtClean="0"/>
+              <a:t>Tietokone</a:t>
+            </a:r>
+          </a:p>
+          <a:p>
+            <a:r>
+              <a:rPr lang="fi-FI" dirty="0" smtClean="0"/>
+              <a:t>Tietokyky </a:t>
+            </a:r>
+          </a:p>
+          <a:p>
+            <a:r>
+              <a:rPr lang="fi-FI" dirty="0" smtClean="0"/>
+              <a:t>Tarve tai halu tehdä/käyttää</a:t>
+            </a:r>
+          </a:p>
+          <a:p>
+            <a:endParaRPr lang="fi-FI" dirty="0" smtClean="0"/>
+          </a:p>
+        </p:txBody>
+      </p:sp>
+      <p:pic>
+        <p:nvPicPr>
+          <p:cNvPr id="4" name="Picture 3"/>
+          <p:cNvPicPr>
+            <a:picLocks noChangeAspect="1"/>
+          </p:cNvPicPr>
+          <p:nvPr/>
+        </p:nvPicPr>
+        <p:blipFill>
+          <a:blip r:embed="rId2"/>
+          <a:stretch>
+            <a:fillRect/>
+          </a:stretch>
+        </p:blipFill>
+        <p:spPr>
+          <a:xfrm>
+            <a:off x="2037138" y="3048000"/>
+            <a:ext cx="5391150" cy="3810000"/>
+          </a:xfrm>
+          <a:prstGeom prst="rect">
+            <a:avLst/>
+          </a:prstGeom>
+        </p:spPr>
+      </p:pic>
     </p:spTree>
     <p:extLst>
       <p:ext uri="{BB962C8B-B14F-4D97-AF65-F5344CB8AC3E}">
-        <p14:creationId xmlns:p14="http://schemas.microsoft.com/office/powerpoint/2010/main" val="43202186"/>
+        <p14:creationId xmlns:p14="http://schemas.microsoft.com/office/powerpoint/2010/main" val="1128013865"/>
       </p:ext>
     </p:extLst>
   </p:cSld>
@@ -4613,19 +4861,236 @@
             <p:ph idx="1"/>
           </p:nvPr>
         </p:nvSpPr>
-        <p:spPr/>
-        <p:txBody>
-          <a:bodyPr/>
-          <a:lstStyle/>
-          <a:p>
-            <a:endParaRPr lang="fi-FI"/>
-          </a:p>
-        </p:txBody>
-      </p:sp>
+        <p:spPr>
+          <a:xfrm>
+            <a:off x="1261872" y="1828800"/>
+            <a:ext cx="8595360" cy="4764505"/>
+          </a:xfrm>
+        </p:spPr>
+        <p:txBody>
+          <a:bodyPr>
+            <a:normAutofit/>
+          </a:bodyPr>
+          <a:lstStyle/>
+          <a:p>
+            <a:r>
+              <a:rPr lang="fi-FI" dirty="0" smtClean="0"/>
+              <a:t>Ohjelmistojen systeemien rakentaminen tarvitsee kommunikointia systeemin vaatimuksista ohjelmoijille. Formaalisissa ohjelmointi </a:t>
+            </a:r>
+            <a:r>
+              <a:rPr lang="fi-FI" dirty="0" err="1" smtClean="0"/>
+              <a:t>metologiassa</a:t>
+            </a:r>
+            <a:r>
+              <a:rPr lang="fi-FI" dirty="0" smtClean="0"/>
+              <a:t> tämä tehtiin dokumentoinnin kautta.</a:t>
+            </a:r>
+          </a:p>
+          <a:p>
+            <a:r>
+              <a:rPr lang="fi-FI" dirty="0" err="1" smtClean="0"/>
+              <a:t>XP:n</a:t>
+            </a:r>
+            <a:r>
+              <a:rPr lang="fi-FI" dirty="0" smtClean="0"/>
+              <a:t> tekniikan suoritustavoissa voidaan katsoa menetelminä rakentaa ja levittää nopeasti institutionaalista tietoa ohjelmoijien kesken.</a:t>
+            </a:r>
+            <a:r>
+              <a:rPr lang="fi-FI" dirty="0"/>
+              <a:t> </a:t>
+            </a:r>
+            <a:r>
+              <a:rPr lang="fi-FI" dirty="0" smtClean="0"/>
+              <a:t>Tavoitteena on antaa kaikille ohjelmoijille yhtenäinen näkemys systeemistä, joka vastaa käyttäjien näkemystä.</a:t>
+            </a:r>
+          </a:p>
+          <a:p>
+            <a:r>
+              <a:rPr lang="fi-FI" dirty="0" smtClean="0"/>
+              <a:t>Tähän menetelmään Extreme Programming suosii yksinkertaisia suunnittelua, yleisiä vertauskuvia, käyttäjien ja ohjelmoijien yhteistyö, tiheää verbaalista kommunikointia ja palautetta.</a:t>
+            </a:r>
+          </a:p>
+          <a:p>
+            <a:r>
+              <a:rPr lang="fi-FI" dirty="0" smtClean="0"/>
+              <a:t>Vertauskuvien tarkoitus on saada asiakas, ohjelmoijat ja esimiehet ymmärtämään miten systeemi toimii toiminnan nimen kautta. Esimerkiksi: </a:t>
+            </a:r>
+            <a:r>
+              <a:rPr lang="fi-FI" dirty="0" err="1" smtClean="0"/>
+              <a:t>loan_records</a:t>
+            </a:r>
+            <a:r>
+              <a:rPr lang="fi-FI" dirty="0" smtClean="0"/>
+              <a:t>(</a:t>
+            </a:r>
+            <a:r>
+              <a:rPr lang="fi-FI" dirty="0" err="1" smtClean="0"/>
+              <a:t>class</a:t>
+            </a:r>
+            <a:r>
+              <a:rPr lang="fi-FI" dirty="0" smtClean="0"/>
+              <a:t>) for </a:t>
+            </a:r>
+            <a:r>
+              <a:rPr lang="fi-FI" dirty="0" err="1" smtClean="0"/>
+              <a:t>borrowers</a:t>
+            </a:r>
+            <a:r>
+              <a:rPr lang="fi-FI" dirty="0" smtClean="0"/>
+              <a:t>(</a:t>
+            </a:r>
+            <a:r>
+              <a:rPr lang="fi-FI" dirty="0" err="1" smtClean="0"/>
+              <a:t>class</a:t>
+            </a:r>
+            <a:r>
+              <a:rPr lang="fi-FI" dirty="0" smtClean="0"/>
+              <a:t>). Jos toiminto olisi myöhässä, se tekisi </a:t>
+            </a:r>
+            <a:r>
+              <a:rPr lang="fi-FI" dirty="0" err="1" smtClean="0"/>
+              <a:t>make_overdue</a:t>
+            </a:r>
+            <a:r>
+              <a:rPr lang="fi-FI" dirty="0" smtClean="0"/>
+              <a:t> operaation </a:t>
+            </a:r>
+            <a:r>
+              <a:rPr lang="fi-FI" dirty="0" err="1" smtClean="0"/>
+              <a:t>catalogue</a:t>
+            </a:r>
+            <a:r>
+              <a:rPr lang="fi-FI" dirty="0" smtClean="0"/>
+              <a:t>(</a:t>
+            </a:r>
+            <a:r>
+              <a:rPr lang="fi-FI" dirty="0" err="1" smtClean="0"/>
+              <a:t>class</a:t>
+            </a:r>
+            <a:r>
+              <a:rPr lang="fi-FI" dirty="0" smtClean="0"/>
+              <a:t>) luokalle.</a:t>
+            </a:r>
+          </a:p>
+          <a:p>
+            <a:endParaRPr lang="fi-FI" dirty="0" smtClean="0"/>
+          </a:p>
+        </p:txBody>
+      </p:sp>
+      <p:sp>
+        <p:nvSpPr>
+          <p:cNvPr id="4" name="AutoShape 2" descr="Image titled Understand the Concept of a Metaphor Step 1"/>
+          <p:cNvSpPr>
+            <a:spLocks noChangeAspect="1" noChangeArrowheads="1"/>
+          </p:cNvSpPr>
+          <p:nvPr/>
+        </p:nvSpPr>
+        <p:spPr bwMode="auto">
+          <a:xfrm>
+            <a:off x="155574" y="-144463"/>
+            <a:ext cx="6999205" cy="6999230"/>
+          </a:xfrm>
+          <a:prstGeom prst="rect">
+            <a:avLst/>
+          </a:prstGeom>
+          <a:noFill/>
+          <a:extLst>
+            <a:ext uri="{909E8E84-426E-40DD-AFC4-6F175D3DCCD1}">
+              <a14:hiddenFill xmlns:a14="http://schemas.microsoft.com/office/drawing/2010/main">
+                <a:solidFill>
+                  <a:srgbClr val="FFFFFF"/>
+                </a:solidFill>
+              </a14:hiddenFill>
+            </a:ext>
+          </a:extLst>
+        </p:spPr>
+        <p:txBody>
+          <a:bodyPr vert="horz" wrap="square" lIns="91440" tIns="45720" rIns="91440" bIns="45720" numCol="1" anchor="t" anchorCtr="0" compatLnSpc="1">
+            <a:prstTxWarp prst="textNoShape">
+              <a:avLst/>
+            </a:prstTxWarp>
+          </a:bodyPr>
+          <a:lstStyle/>
+          <a:p>
+            <a:pPr marL="0" marR="0" lvl="0" indent="0" algn="l" defTabSz="457200" rtl="0" eaLnBrk="1" fontAlgn="auto" latinLnBrk="0" hangingPunct="1">
+              <a:lnSpc>
+                <a:spcPct val="100000"/>
+              </a:lnSpc>
+              <a:spcBef>
+                <a:spcPts val="0"/>
+              </a:spcBef>
+              <a:spcAft>
+                <a:spcPts val="0"/>
+              </a:spcAft>
+              <a:buClrTx/>
+              <a:buSzTx/>
+              <a:buFontTx/>
+              <a:buNone/>
+              <a:tabLst/>
+              <a:defRPr/>
+            </a:pPr>
+            <a:endParaRPr kumimoji="0" lang="fi-FI" sz="1800" b="0" i="0" u="none" strike="noStrike" kern="1200" cap="none" spc="0" normalizeH="0" baseline="0" noProof="0">
+              <a:ln>
+                <a:noFill/>
+              </a:ln>
+              <a:solidFill>
+                <a:prstClr val="white"/>
+              </a:solidFill>
+              <a:effectLst/>
+              <a:uLnTx/>
+              <a:uFillTx/>
+              <a:latin typeface="Century Schoolbook" panose="02040604050505020304"/>
+              <a:ea typeface="+mn-ea"/>
+              <a:cs typeface="+mn-cs"/>
+            </a:endParaRPr>
+          </a:p>
+        </p:txBody>
+      </p:sp>
+      <p:pic>
+        <p:nvPicPr>
+          <p:cNvPr id="1028" name="Picture 4" descr="https://www.wikihow.com/images/thumb/9/90/Understand-the-Concept-of-a-Metaphor-Step-1-Version-2.jpg/aid1349233-v4-900px-Understand-the-Concept-of-a-Metaphor-Step-1-Version-2.jpg"/>
+          <p:cNvPicPr>
+            <a:picLocks noChangeAspect="1" noChangeArrowheads="1"/>
+          </p:cNvPicPr>
+          <p:nvPr/>
+        </p:nvPicPr>
+        <p:blipFill>
+          <a:blip r:embed="rId2" cstate="print">
+            <a:extLst>
+              <a:ext uri="{28A0092B-C50C-407E-A947-70E740481C1C}">
+                <a14:useLocalDpi xmlns:a14="http://schemas.microsoft.com/office/drawing/2010/main" val="0"/>
+              </a:ext>
+            </a:extLst>
+          </a:blip>
+          <a:srcRect/>
+          <a:stretch>
+            <a:fillRect/>
+          </a:stretch>
+        </p:blipFill>
+        <p:spPr bwMode="auto">
+          <a:xfrm>
+            <a:off x="8742947" y="0"/>
+            <a:ext cx="2519639" cy="1889729"/>
+          </a:xfrm>
+          <a:prstGeom prst="rect">
+            <a:avLst/>
+          </a:prstGeom>
+          <a:noFill/>
+          <a:extLst>
+            <a:ext uri="{909E8E84-426E-40DD-AFC4-6F175D3DCCD1}">
+              <a14:hiddenFill xmlns:a14="http://schemas.microsoft.com/office/drawing/2010/main">
+                <a:solidFill>
+                  <a:srgbClr val="FFFFFF"/>
+                </a:solidFill>
+              </a14:hiddenFill>
+            </a:ext>
+          </a:extLst>
+        </p:spPr>
+      </p:pic>
     </p:spTree>
     <p:extLst>
       <p:ext uri="{BB962C8B-B14F-4D97-AF65-F5344CB8AC3E}">
-        <p14:creationId xmlns:p14="http://schemas.microsoft.com/office/powerpoint/2010/main" val="1769504006"/>
+        <p14:creationId xmlns:p14="http://schemas.microsoft.com/office/powerpoint/2010/main" val="850428435"/>
       </p:ext>
     </p:extLst>
   </p:cSld>
@@ -4691,24 +5156,159 @@
           <a:lstStyle/>
           <a:p>
             <a:r>
-              <a:rPr lang="fi-FI" dirty="0">
+              <a:rPr lang="fi-FI" sz="1200" dirty="0">
                 <a:hlinkClick r:id="rId2"/>
               </a:rPr>
               <a:t>http://users.jyu.fi/~</a:t>
             </a:r>
             <a:r>
-              <a:rPr lang="fi-FI" dirty="0" smtClean="0">
+              <a:rPr lang="fi-FI" sz="1200" dirty="0" smtClean="0">
                 <a:hlinkClick r:id="rId2"/>
               </a:rPr>
               <a:t>jorma/kandi/2007/Kandi_Lajunen.pdf</a:t>
             </a:r>
-            <a:endParaRPr lang="fi-FI" dirty="0" smtClean="0"/>
-          </a:p>
-          <a:p>
-            <a:r>
-              <a:rPr lang="fi-FI" dirty="0"/>
+            <a:endParaRPr lang="fi-FI" sz="1200" dirty="0" smtClean="0"/>
+          </a:p>
+          <a:p>
+            <a:r>
+              <a:rPr lang="fi-FI" sz="1200" dirty="0" smtClean="0">
+                <a:hlinkClick r:id="rId3"/>
+              </a:rPr>
               <a:t>http://www.extremeprogramming.org/</a:t>
             </a:r>
+            <a:endParaRPr lang="fi-FI" sz="1200" dirty="0" smtClean="0"/>
+          </a:p>
+          <a:p>
+            <a:r>
+              <a:rPr lang="fi-FI" sz="1200" dirty="0">
+                <a:hlinkClick r:id="rId4"/>
+              </a:rPr>
+              <a:t>http://</a:t>
+            </a:r>
+            <a:r>
+              <a:rPr lang="fi-FI" sz="1200" dirty="0" smtClean="0">
+                <a:hlinkClick r:id="rId4"/>
+              </a:rPr>
+              <a:t>www.extremeprogramming.org/rules/collective.html</a:t>
+            </a:r>
+            <a:endParaRPr lang="fi-FI" sz="1200" dirty="0" smtClean="0"/>
+          </a:p>
+          <a:p>
+            <a:r>
+              <a:rPr lang="fi-FI" sz="1200" dirty="0">
+                <a:hlinkClick r:id="rId5"/>
+              </a:rPr>
+              <a:t>http://</a:t>
+            </a:r>
+            <a:r>
+              <a:rPr lang="fi-FI" sz="1200" dirty="0" smtClean="0">
+                <a:hlinkClick r:id="rId5"/>
+              </a:rPr>
+              <a:t>www.extremeprogramming.org/rules/pair.html</a:t>
+            </a:r>
+            <a:endParaRPr lang="fi-FI" sz="1200" dirty="0" smtClean="0"/>
+          </a:p>
+          <a:p>
+            <a:r>
+              <a:rPr lang="fi-FI" sz="1200" dirty="0">
+                <a:hlinkClick r:id="rId6"/>
+              </a:rPr>
+              <a:t>http://</a:t>
+            </a:r>
+            <a:r>
+              <a:rPr lang="fi-FI" sz="1200" dirty="0" smtClean="0">
+                <a:hlinkClick r:id="rId6"/>
+              </a:rPr>
+              <a:t>www.extremeprogramming.org/rules/releaseoften.html</a:t>
+            </a:r>
+            <a:endParaRPr lang="fi-FI" sz="1200" dirty="0" smtClean="0"/>
+          </a:p>
+          <a:p>
+            <a:r>
+              <a:rPr lang="fi-FI" sz="1200" dirty="0" smtClean="0">
+                <a:hlinkClick r:id="rId7"/>
+              </a:rPr>
+              <a:t>https://en.wikipedia.org/wiki/Extreme_programming</a:t>
+            </a:r>
+            <a:endParaRPr lang="fi-FI" sz="1200" dirty="0" smtClean="0"/>
+          </a:p>
+          <a:p>
+            <a:r>
+              <a:rPr lang="fi-FI" sz="1200" dirty="0" smtClean="0">
+                <a:hlinkClick r:id="rId8"/>
+              </a:rPr>
+              <a:t>https</a:t>
+            </a:r>
+            <a:r>
+              <a:rPr lang="fi-FI" sz="1200" dirty="0">
+                <a:hlinkClick r:id="rId8"/>
+              </a:rPr>
+              <a:t>://</a:t>
+            </a:r>
+            <a:r>
+              <a:rPr lang="fi-FI" sz="1200" dirty="0" smtClean="0">
+                <a:hlinkClick r:id="rId8"/>
+              </a:rPr>
+              <a:t>en.wikipedia.org/wiki/Extreme_programming_practices#System_metaphor</a:t>
+            </a:r>
+            <a:endParaRPr lang="fi-FI" sz="1200" dirty="0" smtClean="0"/>
+          </a:p>
+          <a:p>
+            <a:r>
+              <a:rPr lang="fi-FI" sz="1200" dirty="0" smtClean="0">
+                <a:hlinkClick r:id="rId9"/>
+              </a:rPr>
+              <a:t>https</a:t>
+            </a:r>
+            <a:r>
+              <a:rPr lang="fi-FI" sz="1200" dirty="0">
+                <a:hlinkClick r:id="rId9"/>
+              </a:rPr>
+              <a:t>://www.wikihow.com/Understand-the-Concept-of-a-Metaphor#/</a:t>
+            </a:r>
+            <a:r>
+              <a:rPr lang="fi-FI" sz="1200" dirty="0" smtClean="0">
+                <a:hlinkClick r:id="rId9"/>
+              </a:rPr>
+              <a:t>Image:Understand-the-Concept-of-a-Metaphor-Step-1-Version-2.jpg</a:t>
+            </a:r>
+            <a:endParaRPr lang="fi-FI" sz="1200" dirty="0"/>
+          </a:p>
+          <a:p>
+            <a:r>
+              <a:rPr lang="fi-FI" sz="1200" dirty="0">
+                <a:hlinkClick r:id="rId10"/>
+              </a:rPr>
+              <a:t>http://trc.utu.fi/embedded/kasikirja/1/3</a:t>
+            </a:r>
+            <a:r>
+              <a:rPr lang="fi-FI" sz="1200" dirty="0" smtClean="0">
+                <a:hlinkClick r:id="rId10"/>
+              </a:rPr>
+              <a:t>/</a:t>
+            </a:r>
+            <a:endParaRPr lang="fi-FI" sz="1200" dirty="0"/>
+          </a:p>
+          <a:p>
+            <a:r>
+              <a:rPr lang="fi-FI" sz="1200" dirty="0">
+                <a:hlinkClick r:id="rId11"/>
+              </a:rPr>
+              <a:t>http://mlab.uiah.fi/~</a:t>
+            </a:r>
+            <a:r>
+              <a:rPr lang="fi-FI" sz="1200" dirty="0" smtClean="0">
+                <a:hlinkClick r:id="rId11"/>
+              </a:rPr>
+              <a:t>jwall/tuotanto/tuotanto.html</a:t>
+            </a:r>
+            <a:endParaRPr lang="fi-FI" sz="1200" dirty="0"/>
+          </a:p>
+          <a:p>
+            <a:endParaRPr lang="fi-FI" sz="1400" dirty="0"/>
+          </a:p>
+          <a:p>
+            <a:endParaRPr lang="fi-FI" dirty="0"/>
           </a:p>
         </p:txBody>
       </p:sp>

--- a/Ryhmatyo.pptx
+++ b/Ryhmatyo.pptx
@@ -115,6 +115,11 @@
       </a:defRPr>
     </a:lvl9pPr>
   </p:defaultTextStyle>
+  <p:extLst>
+    <p:ext uri="{EFAFB233-063F-42B5-8137-9DF3F51BA10A}">
+      <p15:sldGuideLst xmlns:p15="http://schemas.microsoft.com/office/powerpoint/2012/main"/>
+    </p:ext>
+  </p:extLst>
 </p:presentation>
 </file>
 
@@ -200,7 +205,7 @@
           <a:p>
             <a:fld id="{6D91C679-C82D-4BA1-89A6-ABFD67746FDD}" type="datetimeFigureOut">
               <a:rPr lang="fi-FI" smtClean="0"/>
-              <a:t>15.8.2018</a:t>
+              <a:t>16.8.2018</a:t>
             </a:fld>
             <a:endParaRPr lang="fi-FI"/>
           </a:p>
@@ -664,7 +669,7 @@
           <a:p>
             <a:fld id="{BA16E631-B869-4567-AB90-73811B37F691}" type="datetimeFigureOut">
               <a:rPr lang="fi-FI" smtClean="0"/>
-              <a:t>15.8.2018</a:t>
+              <a:t>16.8.2018</a:t>
             </a:fld>
             <a:endParaRPr lang="fi-FI"/>
           </a:p>
@@ -893,7 +898,7 @@
           <a:p>
             <a:fld id="{BA16E631-B869-4567-AB90-73811B37F691}" type="datetimeFigureOut">
               <a:rPr lang="fi-FI" smtClean="0"/>
-              <a:t>15.8.2018</a:t>
+              <a:t>16.8.2018</a:t>
             </a:fld>
             <a:endParaRPr lang="fi-FI"/>
           </a:p>
@@ -1073,7 +1078,7 @@
           <a:p>
             <a:fld id="{BA16E631-B869-4567-AB90-73811B37F691}" type="datetimeFigureOut">
               <a:rPr lang="fi-FI" smtClean="0"/>
-              <a:t>15.8.2018</a:t>
+              <a:t>16.8.2018</a:t>
             </a:fld>
             <a:endParaRPr lang="fi-FI"/>
           </a:p>
@@ -1248,7 +1253,7 @@
           <a:p>
             <a:fld id="{BA16E631-B869-4567-AB90-73811B37F691}" type="datetimeFigureOut">
               <a:rPr lang="fi-FI" smtClean="0"/>
-              <a:t>15.8.2018</a:t>
+              <a:t>16.8.2018</a:t>
             </a:fld>
             <a:endParaRPr lang="fi-FI"/>
           </a:p>
@@ -1539,7 +1544,7 @@
           <a:p>
             <a:fld id="{BA16E631-B869-4567-AB90-73811B37F691}" type="datetimeFigureOut">
               <a:rPr lang="fi-FI" smtClean="0"/>
-              <a:t>15.8.2018</a:t>
+              <a:t>16.8.2018</a:t>
             </a:fld>
             <a:endParaRPr lang="fi-FI"/>
           </a:p>
@@ -1870,7 +1875,7 @@
           <a:p>
             <a:fld id="{BA16E631-B869-4567-AB90-73811B37F691}" type="datetimeFigureOut">
               <a:rPr lang="fi-FI" smtClean="0"/>
-              <a:t>15.8.2018</a:t>
+              <a:t>16.8.2018</a:t>
             </a:fld>
             <a:endParaRPr lang="fi-FI"/>
           </a:p>
@@ -2282,7 +2287,7 @@
           <a:p>
             <a:fld id="{BA16E631-B869-4567-AB90-73811B37F691}" type="datetimeFigureOut">
               <a:rPr lang="fi-FI" smtClean="0"/>
-              <a:t>15.8.2018</a:t>
+              <a:t>16.8.2018</a:t>
             </a:fld>
             <a:endParaRPr lang="fi-FI"/>
           </a:p>
@@ -2400,7 +2405,7 @@
           <a:p>
             <a:fld id="{BA16E631-B869-4567-AB90-73811B37F691}" type="datetimeFigureOut">
               <a:rPr lang="fi-FI" smtClean="0"/>
-              <a:t>15.8.2018</a:t>
+              <a:t>16.8.2018</a:t>
             </a:fld>
             <a:endParaRPr lang="fi-FI"/>
           </a:p>
@@ -2495,7 +2500,7 @@
           <a:p>
             <a:fld id="{BA16E631-B869-4567-AB90-73811B37F691}" type="datetimeFigureOut">
               <a:rPr lang="fi-FI" smtClean="0"/>
-              <a:t>15.8.2018</a:t>
+              <a:t>16.8.2018</a:t>
             </a:fld>
             <a:endParaRPr lang="fi-FI"/>
           </a:p>
@@ -2782,7 +2787,7 @@
           <a:p>
             <a:fld id="{BA16E631-B869-4567-AB90-73811B37F691}" type="datetimeFigureOut">
               <a:rPr lang="fi-FI" smtClean="0"/>
-              <a:t>15.8.2018</a:t>
+              <a:t>16.8.2018</a:t>
             </a:fld>
             <a:endParaRPr lang="fi-FI"/>
           </a:p>
@@ -3059,7 +3064,7 @@
           <a:p>
             <a:fld id="{BA16E631-B869-4567-AB90-73811B37F691}" type="datetimeFigureOut">
               <a:rPr lang="fi-FI" smtClean="0"/>
-              <a:t>15.8.2018</a:t>
+              <a:t>16.8.2018</a:t>
             </a:fld>
             <a:endParaRPr lang="fi-FI"/>
           </a:p>
@@ -3310,7 +3315,7 @@
           <a:p>
             <a:fld id="{BA16E631-B869-4567-AB90-73811B37F691}" type="datetimeFigureOut">
               <a:rPr lang="fi-FI" smtClean="0"/>
-              <a:t>15.8.2018</a:t>
+              <a:t>16.8.2018</a:t>
             </a:fld>
             <a:endParaRPr lang="fi-FI"/>
           </a:p>
@@ -3866,6 +3871,13 @@
   <p:clrMapOvr>
     <a:masterClrMapping/>
   </p:clrMapOvr>
+  <p:timing>
+    <p:tnLst>
+      <p:par>
+        <p:cTn id="1" dur="indefinite" restart="never" nodeType="tmRoot"/>
+      </p:par>
+    </p:tnLst>
+  </p:timing>
 </p:sld>
 </file>
 
@@ -3993,6 +4005,13 @@
   <p:clrMapOvr>
     <a:masterClrMapping/>
   </p:clrMapOvr>
+  <p:timing>
+    <p:tnLst>
+      <p:par>
+        <p:cTn id="1" dur="indefinite" restart="never" nodeType="tmRoot"/>
+      </p:par>
+    </p:tnLst>
+  </p:timing>
 </p:sld>
 </file>
 
@@ -4216,6 +4235,13 @@
   <p:clrMapOvr>
     <a:masterClrMapping/>
   </p:clrMapOvr>
+  <p:timing>
+    <p:tnLst>
+      <p:par>
+        <p:cTn id="1" dur="indefinite" restart="never" nodeType="tmRoot"/>
+      </p:par>
+    </p:tnLst>
+  </p:timing>
 </p:sld>
 </file>
 
@@ -4330,6 +4356,13 @@
   <p:clrMapOvr>
     <a:masterClrMapping/>
   </p:clrMapOvr>
+  <p:timing>
+    <p:tnLst>
+      <p:par>
+        <p:cTn id="1" dur="indefinite" restart="never" nodeType="tmRoot"/>
+      </p:par>
+    </p:tnLst>
+  </p:timing>
 </p:sld>
 </file>
 
@@ -4451,6 +4484,13 @@
   <p:clrMapOvr>
     <a:masterClrMapping/>
   </p:clrMapOvr>
+  <p:timing>
+    <p:tnLst>
+      <p:par>
+        <p:cTn id="1" dur="indefinite" restart="never" nodeType="tmRoot"/>
+      </p:par>
+    </p:tnLst>
+  </p:timing>
 </p:sld>
 </file>
 
@@ -4508,7 +4548,7 @@
         <p:spPr>
           <a:xfrm>
             <a:off x="969264" y="2299713"/>
-            <a:ext cx="9060873" cy="3683060"/>
+            <a:ext cx="9060873" cy="2923877"/>
           </a:xfrm>
           <a:prstGeom prst="rect">
             <a:avLst/>
@@ -4581,23 +4621,19 @@
             </a:pPr>
             <a:r>
               <a:rPr lang="fi-FI" dirty="0" smtClean="0"/>
-              <a:t>Pariohjelmointi voi olla alussa vaikeaa sillä kaikkeen mitä teet tarvitset myös parisi hyväksynnän ja teidän kummankin ideoita pitäisi kokeilla.</a:t>
-            </a:r>
-          </a:p>
-          <a:p>
-            <a:pPr marL="288000" indent="-285750">
-              <a:spcBef>
-                <a:spcPts val="1400"/>
-              </a:spcBef>
-              <a:spcAft>
-                <a:spcPts val="200"/>
-              </a:spcAft>
-              <a:buFont typeface="Arial" panose="020B0604020202020204" pitchFamily="34" charset="0"/>
-              <a:buChar char="•"/>
-            </a:pPr>
-            <a:r>
-              <a:rPr lang="fi-FI" dirty="0" smtClean="0"/>
-              <a:t>Pariohjelmointi ei ole opetus käyttöön sillä pariohjelmoinnissa kummankin on tarkoitus osallistua kunnolla ohjelmointiin.</a:t>
+              <a:t>Pariohjelmointi </a:t>
+            </a:r>
+            <a:r>
+              <a:rPr lang="fi-FI" dirty="0" smtClean="0"/>
+              <a:t>ei ole </a:t>
+            </a:r>
+            <a:r>
+              <a:rPr lang="fi-FI" dirty="0" smtClean="0"/>
+              <a:t>opetuskäyttöön </a:t>
+            </a:r>
+            <a:r>
+              <a:rPr lang="fi-FI" dirty="0" smtClean="0"/>
+              <a:t>sillä pariohjelmoinnissa kummankin on tarkoitus osallistua kunnolla ohjelmointiin.</a:t>
             </a:r>
             <a:endParaRPr lang="fi-FI" dirty="0"/>
           </a:p>
@@ -4643,6 +4679,13 @@
   <p:clrMapOvr>
     <a:masterClrMapping/>
   </p:clrMapOvr>
+  <p:timing>
+    <p:tnLst>
+      <p:par>
+        <p:cTn id="1" dur="indefinite" restart="never" nodeType="tmRoot"/>
+      </p:par>
+    </p:tnLst>
+  </p:timing>
 </p:sld>
 </file>
 
@@ -4744,7 +4787,11 @@
             </a:pPr>
             <a:r>
               <a:rPr lang="fi-FI" dirty="0" smtClean="0"/>
-              <a:t>muutokset eivät aiheuta ristiriitoja muissa</a:t>
+              <a:t>   muutokset </a:t>
+            </a:r>
+            <a:r>
+              <a:rPr lang="fi-FI" dirty="0" smtClean="0"/>
+              <a:t>eivät aiheuta ristiriitoja muissa</a:t>
             </a:r>
           </a:p>
           <a:p>
@@ -4758,12 +4805,12 @@
               <a:buNone/>
             </a:pPr>
             <a:r>
-              <a:rPr lang="fi-FI" dirty="0"/>
-              <a:t>o</a:t>
-            </a:r>
-            <a:r>
-              <a:rPr lang="fi-FI" dirty="0" smtClean="0"/>
-              <a:t>hjelmiston osissa.</a:t>
+              <a:rPr lang="fi-FI" dirty="0" smtClean="0"/>
+              <a:t>   ohjelmiston </a:t>
+            </a:r>
+            <a:r>
+              <a:rPr lang="fi-FI" dirty="0" smtClean="0"/>
+              <a:t>osissa.</a:t>
             </a:r>
           </a:p>
         </p:txBody>
@@ -4808,6 +4855,13 @@
   <p:clrMapOvr>
     <a:masterClrMapping/>
   </p:clrMapOvr>
+  <p:timing>
+    <p:tnLst>
+      <p:par>
+        <p:cTn id="1" dur="indefinite" restart="never" nodeType="tmRoot"/>
+      </p:par>
+    </p:tnLst>
+  </p:timing>
 </p:sld>
 </file>
 
@@ -5097,6 +5151,13 @@
   <p:clrMapOvr>
     <a:masterClrMapping/>
   </p:clrMapOvr>
+  <p:timing>
+    <p:tnLst>
+      <p:par>
+        <p:cTn id="1" dur="indefinite" restart="never" nodeType="tmRoot"/>
+      </p:par>
+    </p:tnLst>
+  </p:timing>
 </p:sld>
 </file>
 
@@ -5322,6 +5383,13 @@
   <p:clrMapOvr>
     <a:masterClrMapping/>
   </p:clrMapOvr>
+  <p:timing>
+    <p:tnLst>
+      <p:par>
+        <p:cTn id="1" dur="indefinite" restart="never" nodeType="tmRoot"/>
+      </p:par>
+    </p:tnLst>
+  </p:timing>
 </p:sld>
 </file>
 
